--- a/ComputerVision/Lecture 08 - Classification/Lecture 08 - Classification Models.pptx
+++ b/ComputerVision/Lecture 08 - Classification/Lecture 08 - Classification Models.pptx
@@ -86,19 +86,16 @@
             <a:noAutofit/>
           </a:bodyPr>
           <a:p>
-            <a:r>
-              <a:rPr b="0" lang="pt-BR" sz="1800" spc="-1" strike="noStrike">
-                <a:solidFill>
-                  <a:srgbClr val="000000"/>
-                </a:solidFill>
+            <a:pPr algn="ctr">
+              <a:buNone/>
+            </a:pPr>
+            <a:r>
+              <a:rPr b="0" lang="pt-BR" sz="4400" spc="-1" strike="noStrike">
                 <a:latin typeface="Arial"/>
               </a:rPr>
               <a:t>Click to move the slide</a:t>
             </a:r>
-            <a:endParaRPr b="0" lang="pt-BR" sz="1800" spc="-1" strike="noStrike">
-              <a:solidFill>
-                <a:srgbClr val="000000"/>
-              </a:solidFill>
+            <a:endParaRPr b="0" lang="pt-BR" sz="4400" spc="-1" strike="noStrike">
               <a:latin typeface="Arial"/>
             </a:endParaRPr>
           </a:p>
@@ -321,7 +318,7 @@
             <a:pPr algn="r">
               <a:buNone/>
             </a:pPr>
-            <a:fld id="{D3A248A1-D3A3-4C53-8F3D-0A778996D220}" type="slidenum">
+            <a:fld id="{03C64B63-ADE0-4D6C-8D99-083B595FF117}" type="slidenum">
               <a:rPr b="0" lang="pt-BR" sz="1400" spc="-1" strike="noStrike">
                 <a:latin typeface="Times New Roman"/>
               </a:rPr>
@@ -369,7 +366,7 @@
         <p:spPr>
           <a:xfrm>
             <a:off x="1376280" y="1336680"/>
-            <a:ext cx="4803480" cy="3603240"/>
+            <a:ext cx="4802760" cy="3602520"/>
           </a:xfrm>
           <a:prstGeom prst="rect">
             <a:avLst/>
@@ -392,7 +389,7 @@
         <p:spPr>
           <a:xfrm>
             <a:off x="756000" y="5145120"/>
-            <a:ext cx="6043680" cy="4205880"/>
+            <a:ext cx="6042960" cy="4205160"/>
           </a:xfrm>
           <a:prstGeom prst="rect">
             <a:avLst/>
@@ -422,7 +419,7 @@
         <p:spPr>
           <a:xfrm>
             <a:off x="0" y="10155240"/>
-            <a:ext cx="3272040" cy="532440"/>
+            <a:ext cx="3271320" cy="531720"/>
           </a:xfrm>
           <a:prstGeom prst="rect">
             <a:avLst/>
@@ -500,7 +497,7 @@
         <p:spPr>
           <a:xfrm>
             <a:off x="1376280" y="1336680"/>
-            <a:ext cx="4803480" cy="3603240"/>
+            <a:ext cx="4802760" cy="3602520"/>
           </a:xfrm>
           <a:prstGeom prst="rect">
             <a:avLst/>
@@ -523,7 +520,7 @@
         <p:spPr>
           <a:xfrm>
             <a:off x="756000" y="5145120"/>
-            <a:ext cx="6043680" cy="4205880"/>
+            <a:ext cx="6042960" cy="4205160"/>
           </a:xfrm>
           <a:prstGeom prst="rect">
             <a:avLst/>
@@ -553,7 +550,7 @@
         <p:spPr>
           <a:xfrm>
             <a:off x="0" y="10155240"/>
-            <a:ext cx="3272040" cy="532440"/>
+            <a:ext cx="3271320" cy="531720"/>
           </a:xfrm>
           <a:prstGeom prst="rect">
             <a:avLst/>
@@ -631,7 +628,7 @@
         <p:spPr>
           <a:xfrm>
             <a:off x="1376280" y="1336680"/>
-            <a:ext cx="4803480" cy="3603240"/>
+            <a:ext cx="4802760" cy="3602520"/>
           </a:xfrm>
           <a:prstGeom prst="rect">
             <a:avLst/>
@@ -654,7 +651,7 @@
         <p:spPr>
           <a:xfrm>
             <a:off x="756000" y="5145120"/>
-            <a:ext cx="6043680" cy="4205880"/>
+            <a:ext cx="6042960" cy="4205160"/>
           </a:xfrm>
           <a:prstGeom prst="rect">
             <a:avLst/>
@@ -684,7 +681,7 @@
         <p:spPr>
           <a:xfrm>
             <a:off x="0" y="10155240"/>
-            <a:ext cx="3272040" cy="532440"/>
+            <a:ext cx="3271320" cy="531720"/>
           </a:xfrm>
           <a:prstGeom prst="rect">
             <a:avLst/>
@@ -762,7 +759,7 @@
         <p:spPr>
           <a:xfrm>
             <a:off x="1376280" y="1336680"/>
-            <a:ext cx="4803480" cy="3603240"/>
+            <a:ext cx="4802760" cy="3602520"/>
           </a:xfrm>
           <a:prstGeom prst="rect">
             <a:avLst/>
@@ -785,7 +782,7 @@
         <p:spPr>
           <a:xfrm>
             <a:off x="756000" y="5145120"/>
-            <a:ext cx="6043680" cy="4205880"/>
+            <a:ext cx="6042960" cy="4205160"/>
           </a:xfrm>
           <a:prstGeom prst="rect">
             <a:avLst/>
@@ -815,7 +812,7 @@
         <p:spPr>
           <a:xfrm>
             <a:off x="0" y="10155240"/>
-            <a:ext cx="3272040" cy="532440"/>
+            <a:ext cx="3271320" cy="531720"/>
           </a:xfrm>
           <a:prstGeom prst="rect">
             <a:avLst/>
@@ -893,7 +890,7 @@
         <p:spPr>
           <a:xfrm>
             <a:off x="1376280" y="1336680"/>
-            <a:ext cx="4803480" cy="3603240"/>
+            <a:ext cx="4802760" cy="3602520"/>
           </a:xfrm>
           <a:prstGeom prst="rect">
             <a:avLst/>
@@ -916,7 +913,7 @@
         <p:spPr>
           <a:xfrm>
             <a:off x="756000" y="5145120"/>
-            <a:ext cx="6043680" cy="4205880"/>
+            <a:ext cx="6042960" cy="4205160"/>
           </a:xfrm>
           <a:prstGeom prst="rect">
             <a:avLst/>
@@ -946,7 +943,7 @@
         <p:spPr>
           <a:xfrm>
             <a:off x="0" y="10155240"/>
-            <a:ext cx="3272040" cy="532440"/>
+            <a:ext cx="3271320" cy="531720"/>
           </a:xfrm>
           <a:prstGeom prst="rect">
             <a:avLst/>
@@ -1024,7 +1021,7 @@
         <p:spPr>
           <a:xfrm>
             <a:off x="1376280" y="1336680"/>
-            <a:ext cx="4803480" cy="3603240"/>
+            <a:ext cx="4802760" cy="3602520"/>
           </a:xfrm>
           <a:prstGeom prst="rect">
             <a:avLst/>
@@ -1047,7 +1044,7 @@
         <p:spPr>
           <a:xfrm>
             <a:off x="756000" y="5145120"/>
-            <a:ext cx="6043680" cy="4205880"/>
+            <a:ext cx="6042960" cy="4205160"/>
           </a:xfrm>
           <a:prstGeom prst="rect">
             <a:avLst/>
@@ -1077,7 +1074,7 @@
         <p:spPr>
           <a:xfrm>
             <a:off x="0" y="10155240"/>
-            <a:ext cx="3272040" cy="532440"/>
+            <a:ext cx="3271320" cy="531720"/>
           </a:xfrm>
           <a:prstGeom prst="rect">
             <a:avLst/>
@@ -1155,7 +1152,7 @@
         <p:spPr>
           <a:xfrm>
             <a:off x="1376280" y="1336680"/>
-            <a:ext cx="4803480" cy="3603240"/>
+            <a:ext cx="4802760" cy="3602520"/>
           </a:xfrm>
           <a:prstGeom prst="rect">
             <a:avLst/>
@@ -1178,7 +1175,7 @@
         <p:spPr>
           <a:xfrm>
             <a:off x="756000" y="5145120"/>
-            <a:ext cx="6043680" cy="4205880"/>
+            <a:ext cx="6042960" cy="4205160"/>
           </a:xfrm>
           <a:prstGeom prst="rect">
             <a:avLst/>
@@ -1208,7 +1205,7 @@
         <p:spPr>
           <a:xfrm>
             <a:off x="0" y="10155240"/>
-            <a:ext cx="3272040" cy="532440"/>
+            <a:ext cx="3271320" cy="531720"/>
           </a:xfrm>
           <a:prstGeom prst="rect">
             <a:avLst/>
@@ -1286,7 +1283,7 @@
         <p:spPr>
           <a:xfrm>
             <a:off x="1376280" y="1336680"/>
-            <a:ext cx="4803480" cy="3603240"/>
+            <a:ext cx="4802760" cy="3602520"/>
           </a:xfrm>
           <a:prstGeom prst="rect">
             <a:avLst/>
@@ -1309,7 +1306,7 @@
         <p:spPr>
           <a:xfrm>
             <a:off x="756000" y="5145120"/>
-            <a:ext cx="6043680" cy="4205880"/>
+            <a:ext cx="6042960" cy="4205160"/>
           </a:xfrm>
           <a:prstGeom prst="rect">
             <a:avLst/>
@@ -1339,7 +1336,7 @@
         <p:spPr>
           <a:xfrm>
             <a:off x="0" y="10155240"/>
-            <a:ext cx="3272040" cy="532440"/>
+            <a:ext cx="3271320" cy="531720"/>
           </a:xfrm>
           <a:prstGeom prst="rect">
             <a:avLst/>
@@ -1417,7 +1414,7 @@
         <p:spPr>
           <a:xfrm>
             <a:off x="1376280" y="1336680"/>
-            <a:ext cx="4803480" cy="3603240"/>
+            <a:ext cx="4802760" cy="3602520"/>
           </a:xfrm>
           <a:prstGeom prst="rect">
             <a:avLst/>
@@ -1440,7 +1437,7 @@
         <p:spPr>
           <a:xfrm>
             <a:off x="756000" y="5145120"/>
-            <a:ext cx="6043680" cy="4205880"/>
+            <a:ext cx="6042960" cy="4205160"/>
           </a:xfrm>
           <a:prstGeom prst="rect">
             <a:avLst/>
@@ -1470,7 +1467,7 @@
         <p:spPr>
           <a:xfrm>
             <a:off x="0" y="10155240"/>
-            <a:ext cx="3272040" cy="532440"/>
+            <a:ext cx="3271320" cy="531720"/>
           </a:xfrm>
           <a:prstGeom prst="rect">
             <a:avLst/>
@@ -1548,7 +1545,7 @@
         <p:spPr>
           <a:xfrm>
             <a:off x="1376280" y="1336680"/>
-            <a:ext cx="4803480" cy="3603240"/>
+            <a:ext cx="4802760" cy="3602520"/>
           </a:xfrm>
           <a:prstGeom prst="rect">
             <a:avLst/>
@@ -1571,7 +1568,7 @@
         <p:spPr>
           <a:xfrm>
             <a:off x="756000" y="5145120"/>
-            <a:ext cx="6043680" cy="4205880"/>
+            <a:ext cx="6042960" cy="4205160"/>
           </a:xfrm>
           <a:prstGeom prst="rect">
             <a:avLst/>
@@ -1601,7 +1598,7 @@
         <p:spPr>
           <a:xfrm>
             <a:off x="0" y="10155240"/>
-            <a:ext cx="3272040" cy="532440"/>
+            <a:ext cx="3271320" cy="531720"/>
           </a:xfrm>
           <a:prstGeom prst="rect">
             <a:avLst/>
@@ -1679,7 +1676,7 @@
         <p:spPr>
           <a:xfrm>
             <a:off x="1376280" y="1336680"/>
-            <a:ext cx="4803480" cy="3603240"/>
+            <a:ext cx="4802760" cy="3602520"/>
           </a:xfrm>
           <a:prstGeom prst="rect">
             <a:avLst/>
@@ -1702,7 +1699,7 @@
         <p:spPr>
           <a:xfrm>
             <a:off x="756000" y="5145120"/>
-            <a:ext cx="6043680" cy="4205880"/>
+            <a:ext cx="6042960" cy="4205160"/>
           </a:xfrm>
           <a:prstGeom prst="rect">
             <a:avLst/>
@@ -1732,7 +1729,7 @@
         <p:spPr>
           <a:xfrm>
             <a:off x="0" y="10155240"/>
-            <a:ext cx="3272040" cy="532440"/>
+            <a:ext cx="3271320" cy="531720"/>
           </a:xfrm>
           <a:prstGeom prst="rect">
             <a:avLst/>
@@ -1810,7 +1807,7 @@
         <p:spPr>
           <a:xfrm>
             <a:off x="1376280" y="1336680"/>
-            <a:ext cx="4803480" cy="3603240"/>
+            <a:ext cx="4802760" cy="3602520"/>
           </a:xfrm>
           <a:prstGeom prst="rect">
             <a:avLst/>
@@ -1833,7 +1830,7 @@
         <p:spPr>
           <a:xfrm>
             <a:off x="756000" y="5145120"/>
-            <a:ext cx="6043680" cy="4205880"/>
+            <a:ext cx="6042960" cy="4205160"/>
           </a:xfrm>
           <a:prstGeom prst="rect">
             <a:avLst/>
@@ -1863,7 +1860,7 @@
         <p:spPr>
           <a:xfrm>
             <a:off x="0" y="10155240"/>
-            <a:ext cx="3272040" cy="532440"/>
+            <a:ext cx="3271320" cy="531720"/>
           </a:xfrm>
           <a:prstGeom prst="rect">
             <a:avLst/>
@@ -1941,7 +1938,7 @@
         <p:spPr>
           <a:xfrm>
             <a:off x="1376280" y="1336680"/>
-            <a:ext cx="4803480" cy="3603240"/>
+            <a:ext cx="4802760" cy="3602520"/>
           </a:xfrm>
           <a:prstGeom prst="rect">
             <a:avLst/>
@@ -1964,7 +1961,7 @@
         <p:spPr>
           <a:xfrm>
             <a:off x="756000" y="5145120"/>
-            <a:ext cx="6043680" cy="4205880"/>
+            <a:ext cx="6042960" cy="4205160"/>
           </a:xfrm>
           <a:prstGeom prst="rect">
             <a:avLst/>
@@ -1994,7 +1991,7 @@
         <p:spPr>
           <a:xfrm>
             <a:off x="0" y="10155240"/>
-            <a:ext cx="3272040" cy="532440"/>
+            <a:ext cx="3271320" cy="531720"/>
           </a:xfrm>
           <a:prstGeom prst="rect">
             <a:avLst/>
@@ -2072,7 +2069,7 @@
         <p:spPr>
           <a:xfrm>
             <a:off x="1376280" y="1336680"/>
-            <a:ext cx="4803480" cy="3603240"/>
+            <a:ext cx="4802760" cy="3602520"/>
           </a:xfrm>
           <a:prstGeom prst="rect">
             <a:avLst/>
@@ -2095,7 +2092,7 @@
         <p:spPr>
           <a:xfrm>
             <a:off x="756000" y="5145120"/>
-            <a:ext cx="6043680" cy="4205880"/>
+            <a:ext cx="6042960" cy="4205160"/>
           </a:xfrm>
           <a:prstGeom prst="rect">
             <a:avLst/>
@@ -2125,7 +2122,7 @@
         <p:spPr>
           <a:xfrm>
             <a:off x="0" y="10155240"/>
-            <a:ext cx="3272040" cy="532440"/>
+            <a:ext cx="3271320" cy="531720"/>
           </a:xfrm>
           <a:prstGeom prst="rect">
             <a:avLst/>
@@ -2203,7 +2200,7 @@
         <p:spPr>
           <a:xfrm>
             <a:off x="1376280" y="1336680"/>
-            <a:ext cx="4803480" cy="3603240"/>
+            <a:ext cx="4802760" cy="3602520"/>
           </a:xfrm>
           <a:prstGeom prst="rect">
             <a:avLst/>
@@ -2226,7 +2223,7 @@
         <p:spPr>
           <a:xfrm>
             <a:off x="756000" y="5145120"/>
-            <a:ext cx="6043680" cy="4205880"/>
+            <a:ext cx="6042960" cy="4205160"/>
           </a:xfrm>
           <a:prstGeom prst="rect">
             <a:avLst/>
@@ -2256,7 +2253,7 @@
         <p:spPr>
           <a:xfrm>
             <a:off x="0" y="10155240"/>
-            <a:ext cx="3272040" cy="532440"/>
+            <a:ext cx="3271320" cy="531720"/>
           </a:xfrm>
           <a:prstGeom prst="rect">
             <a:avLst/>
@@ -2334,7 +2331,7 @@
         <p:spPr>
           <a:xfrm>
             <a:off x="1376280" y="1336680"/>
-            <a:ext cx="4803480" cy="3603240"/>
+            <a:ext cx="4802760" cy="3602520"/>
           </a:xfrm>
           <a:prstGeom prst="rect">
             <a:avLst/>
@@ -2357,7 +2354,7 @@
         <p:spPr>
           <a:xfrm>
             <a:off x="756000" y="5145120"/>
-            <a:ext cx="6043680" cy="4205880"/>
+            <a:ext cx="6042960" cy="4205160"/>
           </a:xfrm>
           <a:prstGeom prst="rect">
             <a:avLst/>
@@ -2387,7 +2384,7 @@
         <p:spPr>
           <a:xfrm>
             <a:off x="0" y="10155240"/>
-            <a:ext cx="3272040" cy="532440"/>
+            <a:ext cx="3271320" cy="531720"/>
           </a:xfrm>
           <a:prstGeom prst="rect">
             <a:avLst/>
@@ -2465,7 +2462,7 @@
         <p:spPr>
           <a:xfrm>
             <a:off x="1376280" y="1336680"/>
-            <a:ext cx="4803480" cy="3603240"/>
+            <a:ext cx="4802760" cy="3602520"/>
           </a:xfrm>
           <a:prstGeom prst="rect">
             <a:avLst/>
@@ -2488,7 +2485,7 @@
         <p:spPr>
           <a:xfrm>
             <a:off x="756000" y="5145120"/>
-            <a:ext cx="6043680" cy="4205880"/>
+            <a:ext cx="6042960" cy="4205160"/>
           </a:xfrm>
           <a:prstGeom prst="rect">
             <a:avLst/>
@@ -2518,7 +2515,7 @@
         <p:spPr>
           <a:xfrm>
             <a:off x="0" y="10155240"/>
-            <a:ext cx="3272040" cy="532440"/>
+            <a:ext cx="3271320" cy="531720"/>
           </a:xfrm>
           <a:prstGeom prst="rect">
             <a:avLst/>
@@ -2596,7 +2593,7 @@
         <p:spPr>
           <a:xfrm>
             <a:off x="1376280" y="1336680"/>
-            <a:ext cx="4803480" cy="3603240"/>
+            <a:ext cx="4802760" cy="3602520"/>
           </a:xfrm>
           <a:prstGeom prst="rect">
             <a:avLst/>
@@ -2619,7 +2616,7 @@
         <p:spPr>
           <a:xfrm>
             <a:off x="756000" y="5145120"/>
-            <a:ext cx="6043680" cy="4205880"/>
+            <a:ext cx="6042960" cy="4205160"/>
           </a:xfrm>
           <a:prstGeom prst="rect">
             <a:avLst/>
@@ -2649,7 +2646,7 @@
         <p:spPr>
           <a:xfrm>
             <a:off x="0" y="10155240"/>
-            <a:ext cx="3272040" cy="532440"/>
+            <a:ext cx="3271320" cy="531720"/>
           </a:xfrm>
           <a:prstGeom prst="rect">
             <a:avLst/>
@@ -2727,7 +2724,7 @@
         <p:spPr>
           <a:xfrm>
             <a:off x="1376280" y="1336680"/>
-            <a:ext cx="4803480" cy="3603240"/>
+            <a:ext cx="4802760" cy="3602520"/>
           </a:xfrm>
           <a:prstGeom prst="rect">
             <a:avLst/>
@@ -2750,7 +2747,7 @@
         <p:spPr>
           <a:xfrm>
             <a:off x="756000" y="5145120"/>
-            <a:ext cx="6043680" cy="4205880"/>
+            <a:ext cx="6042960" cy="4205160"/>
           </a:xfrm>
           <a:prstGeom prst="rect">
             <a:avLst/>
@@ -2780,7 +2777,7 @@
         <p:spPr>
           <a:xfrm>
             <a:off x="0" y="10155240"/>
-            <a:ext cx="3272040" cy="532440"/>
+            <a:ext cx="3271320" cy="531720"/>
           </a:xfrm>
           <a:prstGeom prst="rect">
             <a:avLst/>
@@ -2858,7 +2855,7 @@
         <p:spPr>
           <a:xfrm>
             <a:off x="1376280" y="1336680"/>
-            <a:ext cx="4803480" cy="3603240"/>
+            <a:ext cx="4802760" cy="3602520"/>
           </a:xfrm>
           <a:prstGeom prst="rect">
             <a:avLst/>
@@ -2881,7 +2878,7 @@
         <p:spPr>
           <a:xfrm>
             <a:off x="756000" y="5145120"/>
-            <a:ext cx="6043680" cy="4205880"/>
+            <a:ext cx="6042960" cy="4205160"/>
           </a:xfrm>
           <a:prstGeom prst="rect">
             <a:avLst/>
@@ -2911,7 +2908,7 @@
         <p:spPr>
           <a:xfrm>
             <a:off x="0" y="10155240"/>
-            <a:ext cx="3272040" cy="532440"/>
+            <a:ext cx="3271320" cy="531720"/>
           </a:xfrm>
           <a:prstGeom prst="rect">
             <a:avLst/>
@@ -2989,7 +2986,7 @@
         <p:spPr>
           <a:xfrm>
             <a:off x="1376280" y="1336680"/>
-            <a:ext cx="4803480" cy="3603240"/>
+            <a:ext cx="4802760" cy="3602520"/>
           </a:xfrm>
           <a:prstGeom prst="rect">
             <a:avLst/>
@@ -3012,7 +3009,7 @@
         <p:spPr>
           <a:xfrm>
             <a:off x="756000" y="5145120"/>
-            <a:ext cx="6043680" cy="4205880"/>
+            <a:ext cx="6042960" cy="4205160"/>
           </a:xfrm>
           <a:prstGeom prst="rect">
             <a:avLst/>
@@ -3042,7 +3039,7 @@
         <p:spPr>
           <a:xfrm>
             <a:off x="0" y="10155240"/>
-            <a:ext cx="3272040" cy="532440"/>
+            <a:ext cx="3271320" cy="531720"/>
           </a:xfrm>
           <a:prstGeom prst="rect">
             <a:avLst/>
@@ -3120,7 +3117,7 @@
         <p:spPr>
           <a:xfrm>
             <a:off x="1376280" y="1336680"/>
-            <a:ext cx="4803480" cy="3603240"/>
+            <a:ext cx="4802760" cy="3602520"/>
           </a:xfrm>
           <a:prstGeom prst="rect">
             <a:avLst/>
@@ -3143,7 +3140,7 @@
         <p:spPr>
           <a:xfrm>
             <a:off x="756000" y="5145120"/>
-            <a:ext cx="6043680" cy="4205880"/>
+            <a:ext cx="6042960" cy="4205160"/>
           </a:xfrm>
           <a:prstGeom prst="rect">
             <a:avLst/>
@@ -3173,7 +3170,7 @@
         <p:spPr>
           <a:xfrm>
             <a:off x="0" y="10155240"/>
-            <a:ext cx="3272040" cy="532440"/>
+            <a:ext cx="3271320" cy="531720"/>
           </a:xfrm>
           <a:prstGeom prst="rect">
             <a:avLst/>
@@ -3251,7 +3248,7 @@
         <p:spPr>
           <a:xfrm>
             <a:off x="1376280" y="1336680"/>
-            <a:ext cx="4803480" cy="3603240"/>
+            <a:ext cx="4802760" cy="3602520"/>
           </a:xfrm>
           <a:prstGeom prst="rect">
             <a:avLst/>
@@ -3274,7 +3271,7 @@
         <p:spPr>
           <a:xfrm>
             <a:off x="756000" y="5145120"/>
-            <a:ext cx="6043680" cy="4205880"/>
+            <a:ext cx="6042960" cy="4205160"/>
           </a:xfrm>
           <a:prstGeom prst="rect">
             <a:avLst/>
@@ -3304,7 +3301,7 @@
         <p:spPr>
           <a:xfrm>
             <a:off x="0" y="10155240"/>
-            <a:ext cx="3272040" cy="532440"/>
+            <a:ext cx="3271320" cy="531720"/>
           </a:xfrm>
           <a:prstGeom prst="rect">
             <a:avLst/>
@@ -3382,7 +3379,7 @@
         <p:spPr>
           <a:xfrm>
             <a:off x="1376280" y="1336680"/>
-            <a:ext cx="4803480" cy="3603240"/>
+            <a:ext cx="4802760" cy="3602520"/>
           </a:xfrm>
           <a:prstGeom prst="rect">
             <a:avLst/>
@@ -3405,7 +3402,7 @@
         <p:spPr>
           <a:xfrm>
             <a:off x="756000" y="5145120"/>
-            <a:ext cx="6043680" cy="4205880"/>
+            <a:ext cx="6042960" cy="4205160"/>
           </a:xfrm>
           <a:prstGeom prst="rect">
             <a:avLst/>
@@ -3435,7 +3432,7 @@
         <p:spPr>
           <a:xfrm>
             <a:off x="0" y="10155240"/>
-            <a:ext cx="3272040" cy="532440"/>
+            <a:ext cx="3271320" cy="531720"/>
           </a:xfrm>
           <a:prstGeom prst="rect">
             <a:avLst/>
@@ -3513,7 +3510,7 @@
         <p:spPr>
           <a:xfrm>
             <a:off x="1376280" y="1336680"/>
-            <a:ext cx="4803480" cy="3603240"/>
+            <a:ext cx="4802760" cy="3602520"/>
           </a:xfrm>
           <a:prstGeom prst="rect">
             <a:avLst/>
@@ -3536,7 +3533,7 @@
         <p:spPr>
           <a:xfrm>
             <a:off x="756000" y="5145120"/>
-            <a:ext cx="6043680" cy="4205880"/>
+            <a:ext cx="6042960" cy="4205160"/>
           </a:xfrm>
           <a:prstGeom prst="rect">
             <a:avLst/>
@@ -3566,7 +3563,7 @@
         <p:spPr>
           <a:xfrm>
             <a:off x="0" y="10155240"/>
-            <a:ext cx="3272040" cy="532440"/>
+            <a:ext cx="3271320" cy="531720"/>
           </a:xfrm>
           <a:prstGeom prst="rect">
             <a:avLst/>
@@ -3644,7 +3641,7 @@
         <p:spPr>
           <a:xfrm>
             <a:off x="1376280" y="1336680"/>
-            <a:ext cx="4803480" cy="3603240"/>
+            <a:ext cx="4802760" cy="3602520"/>
           </a:xfrm>
           <a:prstGeom prst="rect">
             <a:avLst/>
@@ -3667,7 +3664,7 @@
         <p:spPr>
           <a:xfrm>
             <a:off x="756000" y="5145120"/>
-            <a:ext cx="6043680" cy="4205880"/>
+            <a:ext cx="6042960" cy="4205160"/>
           </a:xfrm>
           <a:prstGeom prst="rect">
             <a:avLst/>
@@ -3697,7 +3694,7 @@
         <p:spPr>
           <a:xfrm>
             <a:off x="0" y="10155240"/>
-            <a:ext cx="3272040" cy="532440"/>
+            <a:ext cx="3271320" cy="531720"/>
           </a:xfrm>
           <a:prstGeom prst="rect">
             <a:avLst/>
@@ -3812,10 +3809,10 @@
             <a:noAutofit/>
           </a:bodyPr>
           <a:p>
-            <a:endParaRPr b="0" lang="pt-BR" sz="1800" spc="-1" strike="noStrike">
-              <a:solidFill>
-                <a:srgbClr val="000000"/>
-              </a:solidFill>
+            <a:pPr algn="ctr">
+              <a:buNone/>
+            </a:pPr>
+            <a:endParaRPr b="0" lang="pt-BR" sz="4400" spc="-1" strike="noStrike">
               <a:latin typeface="Arial"/>
             </a:endParaRPr>
           </a:p>
@@ -3849,19 +3846,7 @@
             <a:normAutofit/>
           </a:bodyPr>
           <a:p>
-            <a:pPr>
-              <a:lnSpc>
-                <a:spcPct val="90000"/>
-              </a:lnSpc>
-              <a:spcBef>
-                <a:spcPts val="1417"/>
-              </a:spcBef>
-              <a:buNone/>
-            </a:pPr>
-            <a:endParaRPr b="0" lang="pt-BR" sz="2800" spc="-1" strike="noStrike">
-              <a:solidFill>
-                <a:srgbClr val="000000"/>
-              </a:solidFill>
+            <a:endParaRPr b="0" lang="pt-BR" sz="3200" spc="-1" strike="noStrike">
               <a:latin typeface="Arial"/>
             </a:endParaRPr>
           </a:p>
@@ -3895,19 +3880,7 @@
             <a:normAutofit/>
           </a:bodyPr>
           <a:p>
-            <a:pPr>
-              <a:lnSpc>
-                <a:spcPct val="90000"/>
-              </a:lnSpc>
-              <a:spcBef>
-                <a:spcPts val="1417"/>
-              </a:spcBef>
-              <a:buNone/>
-            </a:pPr>
-            <a:endParaRPr b="0" lang="pt-BR" sz="2800" spc="-1" strike="noStrike">
-              <a:solidFill>
-                <a:srgbClr val="000000"/>
-              </a:solidFill>
+            <a:endParaRPr b="0" lang="pt-BR" sz="3200" spc="-1" strike="noStrike">
               <a:latin typeface="Arial"/>
             </a:endParaRPr>
           </a:p>
@@ -3963,10 +3936,10 @@
             <a:noAutofit/>
           </a:bodyPr>
           <a:p>
-            <a:endParaRPr b="0" lang="pt-BR" sz="1800" spc="-1" strike="noStrike">
-              <a:solidFill>
-                <a:srgbClr val="000000"/>
-              </a:solidFill>
+            <a:pPr algn="ctr">
+              <a:buNone/>
+            </a:pPr>
+            <a:endParaRPr b="0" lang="pt-BR" sz="4400" spc="-1" strike="noStrike">
               <a:latin typeface="Arial"/>
             </a:endParaRPr>
           </a:p>
@@ -4000,19 +3973,7 @@
             <a:normAutofit/>
           </a:bodyPr>
           <a:p>
-            <a:pPr>
-              <a:lnSpc>
-                <a:spcPct val="90000"/>
-              </a:lnSpc>
-              <a:spcBef>
-                <a:spcPts val="1417"/>
-              </a:spcBef>
-              <a:buNone/>
-            </a:pPr>
-            <a:endParaRPr b="0" lang="pt-BR" sz="2800" spc="-1" strike="noStrike">
-              <a:solidFill>
-                <a:srgbClr val="000000"/>
-              </a:solidFill>
+            <a:endParaRPr b="0" lang="pt-BR" sz="3200" spc="-1" strike="noStrike">
               <a:latin typeface="Arial"/>
             </a:endParaRPr>
           </a:p>
@@ -4046,19 +4007,7 @@
             <a:normAutofit/>
           </a:bodyPr>
           <a:p>
-            <a:pPr>
-              <a:lnSpc>
-                <a:spcPct val="90000"/>
-              </a:lnSpc>
-              <a:spcBef>
-                <a:spcPts val="1417"/>
-              </a:spcBef>
-              <a:buNone/>
-            </a:pPr>
-            <a:endParaRPr b="0" lang="pt-BR" sz="2800" spc="-1" strike="noStrike">
-              <a:solidFill>
-                <a:srgbClr val="000000"/>
-              </a:solidFill>
+            <a:endParaRPr b="0" lang="pt-BR" sz="3200" spc="-1" strike="noStrike">
               <a:latin typeface="Arial"/>
             </a:endParaRPr>
           </a:p>
@@ -4092,19 +4041,7 @@
             <a:normAutofit/>
           </a:bodyPr>
           <a:p>
-            <a:pPr>
-              <a:lnSpc>
-                <a:spcPct val="90000"/>
-              </a:lnSpc>
-              <a:spcBef>
-                <a:spcPts val="1417"/>
-              </a:spcBef>
-              <a:buNone/>
-            </a:pPr>
-            <a:endParaRPr b="0" lang="pt-BR" sz="2800" spc="-1" strike="noStrike">
-              <a:solidFill>
-                <a:srgbClr val="000000"/>
-              </a:solidFill>
+            <a:endParaRPr b="0" lang="pt-BR" sz="3200" spc="-1" strike="noStrike">
               <a:latin typeface="Arial"/>
             </a:endParaRPr>
           </a:p>
@@ -4138,19 +4075,7 @@
             <a:normAutofit/>
           </a:bodyPr>
           <a:p>
-            <a:pPr>
-              <a:lnSpc>
-                <a:spcPct val="90000"/>
-              </a:lnSpc>
-              <a:spcBef>
-                <a:spcPts val="1417"/>
-              </a:spcBef>
-              <a:buNone/>
-            </a:pPr>
-            <a:endParaRPr b="0" lang="pt-BR" sz="2800" spc="-1" strike="noStrike">
-              <a:solidFill>
-                <a:srgbClr val="000000"/>
-              </a:solidFill>
+            <a:endParaRPr b="0" lang="pt-BR" sz="3200" spc="-1" strike="noStrike">
               <a:latin typeface="Arial"/>
             </a:endParaRPr>
           </a:p>
@@ -4206,10 +4131,10 @@
             <a:noAutofit/>
           </a:bodyPr>
           <a:p>
-            <a:endParaRPr b="0" lang="pt-BR" sz="1800" spc="-1" strike="noStrike">
-              <a:solidFill>
-                <a:srgbClr val="000000"/>
-              </a:solidFill>
+            <a:pPr algn="ctr">
+              <a:buNone/>
+            </a:pPr>
+            <a:endParaRPr b="0" lang="pt-BR" sz="4400" spc="-1" strike="noStrike">
               <a:latin typeface="Arial"/>
             </a:endParaRPr>
           </a:p>
@@ -4243,19 +4168,7 @@
             <a:normAutofit/>
           </a:bodyPr>
           <a:p>
-            <a:pPr>
-              <a:lnSpc>
-                <a:spcPct val="90000"/>
-              </a:lnSpc>
-              <a:spcBef>
-                <a:spcPts val="1417"/>
-              </a:spcBef>
-              <a:buNone/>
-            </a:pPr>
-            <a:endParaRPr b="0" lang="pt-BR" sz="2800" spc="-1" strike="noStrike">
-              <a:solidFill>
-                <a:srgbClr val="000000"/>
-              </a:solidFill>
+            <a:endParaRPr b="0" lang="pt-BR" sz="3200" spc="-1" strike="noStrike">
               <a:latin typeface="Arial"/>
             </a:endParaRPr>
           </a:p>
@@ -4289,19 +4202,7 @@
             <a:normAutofit/>
           </a:bodyPr>
           <a:p>
-            <a:pPr>
-              <a:lnSpc>
-                <a:spcPct val="90000"/>
-              </a:lnSpc>
-              <a:spcBef>
-                <a:spcPts val="1417"/>
-              </a:spcBef>
-              <a:buNone/>
-            </a:pPr>
-            <a:endParaRPr b="0" lang="pt-BR" sz="2800" spc="-1" strike="noStrike">
-              <a:solidFill>
-                <a:srgbClr val="000000"/>
-              </a:solidFill>
+            <a:endParaRPr b="0" lang="pt-BR" sz="3200" spc="-1" strike="noStrike">
               <a:latin typeface="Arial"/>
             </a:endParaRPr>
           </a:p>
@@ -4335,19 +4236,7 @@
             <a:normAutofit/>
           </a:bodyPr>
           <a:p>
-            <a:pPr>
-              <a:lnSpc>
-                <a:spcPct val="90000"/>
-              </a:lnSpc>
-              <a:spcBef>
-                <a:spcPts val="1417"/>
-              </a:spcBef>
-              <a:buNone/>
-            </a:pPr>
-            <a:endParaRPr b="0" lang="pt-BR" sz="2800" spc="-1" strike="noStrike">
-              <a:solidFill>
-                <a:srgbClr val="000000"/>
-              </a:solidFill>
+            <a:endParaRPr b="0" lang="pt-BR" sz="3200" spc="-1" strike="noStrike">
               <a:latin typeface="Arial"/>
             </a:endParaRPr>
           </a:p>
@@ -4381,19 +4270,7 @@
             <a:normAutofit/>
           </a:bodyPr>
           <a:p>
-            <a:pPr>
-              <a:lnSpc>
-                <a:spcPct val="90000"/>
-              </a:lnSpc>
-              <a:spcBef>
-                <a:spcPts val="1417"/>
-              </a:spcBef>
-              <a:buNone/>
-            </a:pPr>
-            <a:endParaRPr b="0" lang="pt-BR" sz="2800" spc="-1" strike="noStrike">
-              <a:solidFill>
-                <a:srgbClr val="000000"/>
-              </a:solidFill>
+            <a:endParaRPr b="0" lang="pt-BR" sz="3200" spc="-1" strike="noStrike">
               <a:latin typeface="Arial"/>
             </a:endParaRPr>
           </a:p>
@@ -4427,19 +4304,7 @@
             <a:normAutofit/>
           </a:bodyPr>
           <a:p>
-            <a:pPr>
-              <a:lnSpc>
-                <a:spcPct val="90000"/>
-              </a:lnSpc>
-              <a:spcBef>
-                <a:spcPts val="1417"/>
-              </a:spcBef>
-              <a:buNone/>
-            </a:pPr>
-            <a:endParaRPr b="0" lang="pt-BR" sz="2800" spc="-1" strike="noStrike">
-              <a:solidFill>
-                <a:srgbClr val="000000"/>
-              </a:solidFill>
+            <a:endParaRPr b="0" lang="pt-BR" sz="3200" spc="-1" strike="noStrike">
               <a:latin typeface="Arial"/>
             </a:endParaRPr>
           </a:p>
@@ -4473,19 +4338,7 @@
             <a:normAutofit/>
           </a:bodyPr>
           <a:p>
-            <a:pPr>
-              <a:lnSpc>
-                <a:spcPct val="90000"/>
-              </a:lnSpc>
-              <a:spcBef>
-                <a:spcPts val="1417"/>
-              </a:spcBef>
-              <a:buNone/>
-            </a:pPr>
-            <a:endParaRPr b="0" lang="pt-BR" sz="2800" spc="-1" strike="noStrike">
-              <a:solidFill>
-                <a:srgbClr val="000000"/>
-              </a:solidFill>
+            <a:endParaRPr b="0" lang="pt-BR" sz="3200" spc="-1" strike="noStrike">
               <a:latin typeface="Arial"/>
             </a:endParaRPr>
           </a:p>
@@ -4563,10 +4416,10 @@
             <a:noAutofit/>
           </a:bodyPr>
           <a:p>
-            <a:endParaRPr b="0" lang="pt-BR" sz="1800" spc="-1" strike="noStrike">
-              <a:solidFill>
-                <a:srgbClr val="000000"/>
-              </a:solidFill>
+            <a:pPr algn="ctr">
+              <a:buNone/>
+            </a:pPr>
+            <a:endParaRPr b="0" lang="pt-BR" sz="4400" spc="-1" strike="noStrike">
               <a:latin typeface="Arial"/>
             </a:endParaRPr>
           </a:p>
@@ -4659,10 +4512,10 @@
             <a:noAutofit/>
           </a:bodyPr>
           <a:p>
-            <a:endParaRPr b="0" lang="pt-BR" sz="1800" spc="-1" strike="noStrike">
-              <a:solidFill>
-                <a:srgbClr val="000000"/>
-              </a:solidFill>
+            <a:pPr algn="ctr">
+              <a:buNone/>
+            </a:pPr>
+            <a:endParaRPr b="0" lang="pt-BR" sz="4400" spc="-1" strike="noStrike">
               <a:latin typeface="Arial"/>
             </a:endParaRPr>
           </a:p>
@@ -4696,19 +4549,7 @@
             <a:normAutofit/>
           </a:bodyPr>
           <a:p>
-            <a:pPr>
-              <a:lnSpc>
-                <a:spcPct val="90000"/>
-              </a:lnSpc>
-              <a:spcBef>
-                <a:spcPts val="1417"/>
-              </a:spcBef>
-              <a:buNone/>
-            </a:pPr>
-            <a:endParaRPr b="0" lang="pt-BR" sz="2800" spc="-1" strike="noStrike">
-              <a:solidFill>
-                <a:srgbClr val="000000"/>
-              </a:solidFill>
+            <a:endParaRPr b="0" lang="pt-BR" sz="3200" spc="-1" strike="noStrike">
               <a:latin typeface="Arial"/>
             </a:endParaRPr>
           </a:p>
@@ -4764,10 +4605,10 @@
             <a:noAutofit/>
           </a:bodyPr>
           <a:p>
-            <a:endParaRPr b="0" lang="pt-BR" sz="1800" spc="-1" strike="noStrike">
-              <a:solidFill>
-                <a:srgbClr val="000000"/>
-              </a:solidFill>
+            <a:pPr algn="ctr">
+              <a:buNone/>
+            </a:pPr>
+            <a:endParaRPr b="0" lang="pt-BR" sz="4400" spc="-1" strike="noStrike">
               <a:latin typeface="Arial"/>
             </a:endParaRPr>
           </a:p>
@@ -4801,19 +4642,7 @@
             <a:normAutofit/>
           </a:bodyPr>
           <a:p>
-            <a:pPr>
-              <a:lnSpc>
-                <a:spcPct val="90000"/>
-              </a:lnSpc>
-              <a:spcBef>
-                <a:spcPts val="1417"/>
-              </a:spcBef>
-              <a:buNone/>
-            </a:pPr>
-            <a:endParaRPr b="0" lang="pt-BR" sz="2800" spc="-1" strike="noStrike">
-              <a:solidFill>
-                <a:srgbClr val="000000"/>
-              </a:solidFill>
+            <a:endParaRPr b="0" lang="pt-BR" sz="3200" spc="-1" strike="noStrike">
               <a:latin typeface="Arial"/>
             </a:endParaRPr>
           </a:p>
@@ -4847,19 +4676,7 @@
             <a:normAutofit/>
           </a:bodyPr>
           <a:p>
-            <a:pPr>
-              <a:lnSpc>
-                <a:spcPct val="90000"/>
-              </a:lnSpc>
-              <a:spcBef>
-                <a:spcPts val="1417"/>
-              </a:spcBef>
-              <a:buNone/>
-            </a:pPr>
-            <a:endParaRPr b="0" lang="pt-BR" sz="2800" spc="-1" strike="noStrike">
-              <a:solidFill>
-                <a:srgbClr val="000000"/>
-              </a:solidFill>
+            <a:endParaRPr b="0" lang="pt-BR" sz="3200" spc="-1" strike="noStrike">
               <a:latin typeface="Arial"/>
             </a:endParaRPr>
           </a:p>
@@ -4915,10 +4732,10 @@
             <a:noAutofit/>
           </a:bodyPr>
           <a:p>
-            <a:endParaRPr b="0" lang="pt-BR" sz="1800" spc="-1" strike="noStrike">
-              <a:solidFill>
-                <a:srgbClr val="000000"/>
-              </a:solidFill>
+            <a:pPr algn="ctr">
+              <a:buNone/>
+            </a:pPr>
+            <a:endParaRPr b="0" lang="pt-BR" sz="4400" spc="-1" strike="noStrike">
               <a:latin typeface="Arial"/>
             </a:endParaRPr>
           </a:p>
@@ -5033,10 +4850,10 @@
             <a:noAutofit/>
           </a:bodyPr>
           <a:p>
-            <a:endParaRPr b="0" lang="pt-BR" sz="1800" spc="-1" strike="noStrike">
-              <a:solidFill>
-                <a:srgbClr val="000000"/>
-              </a:solidFill>
+            <a:pPr algn="ctr">
+              <a:buNone/>
+            </a:pPr>
+            <a:endParaRPr b="0" lang="pt-BR" sz="4400" spc="-1" strike="noStrike">
               <a:latin typeface="Arial"/>
             </a:endParaRPr>
           </a:p>
@@ -5070,19 +4887,7 @@
             <a:normAutofit/>
           </a:bodyPr>
           <a:p>
-            <a:pPr>
-              <a:lnSpc>
-                <a:spcPct val="90000"/>
-              </a:lnSpc>
-              <a:spcBef>
-                <a:spcPts val="1417"/>
-              </a:spcBef>
-              <a:buNone/>
-            </a:pPr>
-            <a:endParaRPr b="0" lang="pt-BR" sz="2800" spc="-1" strike="noStrike">
-              <a:solidFill>
-                <a:srgbClr val="000000"/>
-              </a:solidFill>
+            <a:endParaRPr b="0" lang="pt-BR" sz="3200" spc="-1" strike="noStrike">
               <a:latin typeface="Arial"/>
             </a:endParaRPr>
           </a:p>
@@ -5116,19 +4921,7 @@
             <a:normAutofit/>
           </a:bodyPr>
           <a:p>
-            <a:pPr>
-              <a:lnSpc>
-                <a:spcPct val="90000"/>
-              </a:lnSpc>
-              <a:spcBef>
-                <a:spcPts val="1417"/>
-              </a:spcBef>
-              <a:buNone/>
-            </a:pPr>
-            <a:endParaRPr b="0" lang="pt-BR" sz="2800" spc="-1" strike="noStrike">
-              <a:solidFill>
-                <a:srgbClr val="000000"/>
-              </a:solidFill>
+            <a:endParaRPr b="0" lang="pt-BR" sz="3200" spc="-1" strike="noStrike">
               <a:latin typeface="Arial"/>
             </a:endParaRPr>
           </a:p>
@@ -5162,19 +4955,7 @@
             <a:normAutofit/>
           </a:bodyPr>
           <a:p>
-            <a:pPr>
-              <a:lnSpc>
-                <a:spcPct val="90000"/>
-              </a:lnSpc>
-              <a:spcBef>
-                <a:spcPts val="1417"/>
-              </a:spcBef>
-              <a:buNone/>
-            </a:pPr>
-            <a:endParaRPr b="0" lang="pt-BR" sz="2800" spc="-1" strike="noStrike">
-              <a:solidFill>
-                <a:srgbClr val="000000"/>
-              </a:solidFill>
+            <a:endParaRPr b="0" lang="pt-BR" sz="3200" spc="-1" strike="noStrike">
               <a:latin typeface="Arial"/>
             </a:endParaRPr>
           </a:p>
@@ -5230,10 +5011,10 @@
             <a:noAutofit/>
           </a:bodyPr>
           <a:p>
-            <a:endParaRPr b="0" lang="pt-BR" sz="1800" spc="-1" strike="noStrike">
-              <a:solidFill>
-                <a:srgbClr val="000000"/>
-              </a:solidFill>
+            <a:pPr algn="ctr">
+              <a:buNone/>
+            </a:pPr>
+            <a:endParaRPr b="0" lang="pt-BR" sz="4400" spc="-1" strike="noStrike">
               <a:latin typeface="Arial"/>
             </a:endParaRPr>
           </a:p>
@@ -5326,10 +5107,10 @@
             <a:noAutofit/>
           </a:bodyPr>
           <a:p>
-            <a:endParaRPr b="0" lang="pt-BR" sz="1800" spc="-1" strike="noStrike">
-              <a:solidFill>
-                <a:srgbClr val="000000"/>
-              </a:solidFill>
+            <a:pPr algn="ctr">
+              <a:buNone/>
+            </a:pPr>
+            <a:endParaRPr b="0" lang="pt-BR" sz="4400" spc="-1" strike="noStrike">
               <a:latin typeface="Arial"/>
             </a:endParaRPr>
           </a:p>
@@ -5363,19 +5144,7 @@
             <a:normAutofit/>
           </a:bodyPr>
           <a:p>
-            <a:pPr>
-              <a:lnSpc>
-                <a:spcPct val="90000"/>
-              </a:lnSpc>
-              <a:spcBef>
-                <a:spcPts val="1417"/>
-              </a:spcBef>
-              <a:buNone/>
-            </a:pPr>
-            <a:endParaRPr b="0" lang="pt-BR" sz="2800" spc="-1" strike="noStrike">
-              <a:solidFill>
-                <a:srgbClr val="000000"/>
-              </a:solidFill>
+            <a:endParaRPr b="0" lang="pt-BR" sz="3200" spc="-1" strike="noStrike">
               <a:latin typeface="Arial"/>
             </a:endParaRPr>
           </a:p>
@@ -5409,19 +5178,7 @@
             <a:normAutofit/>
           </a:bodyPr>
           <a:p>
-            <a:pPr>
-              <a:lnSpc>
-                <a:spcPct val="90000"/>
-              </a:lnSpc>
-              <a:spcBef>
-                <a:spcPts val="1417"/>
-              </a:spcBef>
-              <a:buNone/>
-            </a:pPr>
-            <a:endParaRPr b="0" lang="pt-BR" sz="2800" spc="-1" strike="noStrike">
-              <a:solidFill>
-                <a:srgbClr val="000000"/>
-              </a:solidFill>
+            <a:endParaRPr b="0" lang="pt-BR" sz="3200" spc="-1" strike="noStrike">
               <a:latin typeface="Arial"/>
             </a:endParaRPr>
           </a:p>
@@ -5455,19 +5212,7 @@
             <a:normAutofit/>
           </a:bodyPr>
           <a:p>
-            <a:pPr>
-              <a:lnSpc>
-                <a:spcPct val="90000"/>
-              </a:lnSpc>
-              <a:spcBef>
-                <a:spcPts val="1417"/>
-              </a:spcBef>
-              <a:buNone/>
-            </a:pPr>
-            <a:endParaRPr b="0" lang="pt-BR" sz="2800" spc="-1" strike="noStrike">
-              <a:solidFill>
-                <a:srgbClr val="000000"/>
-              </a:solidFill>
+            <a:endParaRPr b="0" lang="pt-BR" sz="3200" spc="-1" strike="noStrike">
               <a:latin typeface="Arial"/>
             </a:endParaRPr>
           </a:p>
@@ -5523,10 +5268,10 @@
             <a:noAutofit/>
           </a:bodyPr>
           <a:p>
-            <a:endParaRPr b="0" lang="pt-BR" sz="1800" spc="-1" strike="noStrike">
-              <a:solidFill>
-                <a:srgbClr val="000000"/>
-              </a:solidFill>
+            <a:pPr algn="ctr">
+              <a:buNone/>
+            </a:pPr>
+            <a:endParaRPr b="0" lang="pt-BR" sz="4400" spc="-1" strike="noStrike">
               <a:latin typeface="Arial"/>
             </a:endParaRPr>
           </a:p>
@@ -5560,19 +5305,7 @@
             <a:normAutofit/>
           </a:bodyPr>
           <a:p>
-            <a:pPr>
-              <a:lnSpc>
-                <a:spcPct val="90000"/>
-              </a:lnSpc>
-              <a:spcBef>
-                <a:spcPts val="1417"/>
-              </a:spcBef>
-              <a:buNone/>
-            </a:pPr>
-            <a:endParaRPr b="0" lang="pt-BR" sz="2800" spc="-1" strike="noStrike">
-              <a:solidFill>
-                <a:srgbClr val="000000"/>
-              </a:solidFill>
+            <a:endParaRPr b="0" lang="pt-BR" sz="3200" spc="-1" strike="noStrike">
               <a:latin typeface="Arial"/>
             </a:endParaRPr>
           </a:p>
@@ -5606,19 +5339,7 @@
             <a:normAutofit/>
           </a:bodyPr>
           <a:p>
-            <a:pPr>
-              <a:lnSpc>
-                <a:spcPct val="90000"/>
-              </a:lnSpc>
-              <a:spcBef>
-                <a:spcPts val="1417"/>
-              </a:spcBef>
-              <a:buNone/>
-            </a:pPr>
-            <a:endParaRPr b="0" lang="pt-BR" sz="2800" spc="-1" strike="noStrike">
-              <a:solidFill>
-                <a:srgbClr val="000000"/>
-              </a:solidFill>
+            <a:endParaRPr b="0" lang="pt-BR" sz="3200" spc="-1" strike="noStrike">
               <a:latin typeface="Arial"/>
             </a:endParaRPr>
           </a:p>
@@ -5652,19 +5373,7 @@
             <a:normAutofit/>
           </a:bodyPr>
           <a:p>
-            <a:pPr>
-              <a:lnSpc>
-                <a:spcPct val="90000"/>
-              </a:lnSpc>
-              <a:spcBef>
-                <a:spcPts val="1417"/>
-              </a:spcBef>
-              <a:buNone/>
-            </a:pPr>
-            <a:endParaRPr b="0" lang="pt-BR" sz="2800" spc="-1" strike="noStrike">
-              <a:solidFill>
-                <a:srgbClr val="000000"/>
-              </a:solidFill>
+            <a:endParaRPr b="0" lang="pt-BR" sz="3200" spc="-1" strike="noStrike">
               <a:latin typeface="Arial"/>
             </a:endParaRPr>
           </a:p>
@@ -5720,10 +5429,10 @@
             <a:noAutofit/>
           </a:bodyPr>
           <a:p>
-            <a:endParaRPr b="0" lang="pt-BR" sz="1800" spc="-1" strike="noStrike">
-              <a:solidFill>
-                <a:srgbClr val="000000"/>
-              </a:solidFill>
+            <a:pPr algn="ctr">
+              <a:buNone/>
+            </a:pPr>
+            <a:endParaRPr b="0" lang="pt-BR" sz="4400" spc="-1" strike="noStrike">
               <a:latin typeface="Arial"/>
             </a:endParaRPr>
           </a:p>
@@ -5757,19 +5466,7 @@
             <a:normAutofit/>
           </a:bodyPr>
           <a:p>
-            <a:pPr>
-              <a:lnSpc>
-                <a:spcPct val="90000"/>
-              </a:lnSpc>
-              <a:spcBef>
-                <a:spcPts val="1417"/>
-              </a:spcBef>
-              <a:buNone/>
-            </a:pPr>
-            <a:endParaRPr b="0" lang="pt-BR" sz="2800" spc="-1" strike="noStrike">
-              <a:solidFill>
-                <a:srgbClr val="000000"/>
-              </a:solidFill>
+            <a:endParaRPr b="0" lang="pt-BR" sz="3200" spc="-1" strike="noStrike">
               <a:latin typeface="Arial"/>
             </a:endParaRPr>
           </a:p>
@@ -5803,19 +5500,7 @@
             <a:normAutofit/>
           </a:bodyPr>
           <a:p>
-            <a:pPr>
-              <a:lnSpc>
-                <a:spcPct val="90000"/>
-              </a:lnSpc>
-              <a:spcBef>
-                <a:spcPts val="1417"/>
-              </a:spcBef>
-              <a:buNone/>
-            </a:pPr>
-            <a:endParaRPr b="0" lang="pt-BR" sz="2800" spc="-1" strike="noStrike">
-              <a:solidFill>
-                <a:srgbClr val="000000"/>
-              </a:solidFill>
+            <a:endParaRPr b="0" lang="pt-BR" sz="3200" spc="-1" strike="noStrike">
               <a:latin typeface="Arial"/>
             </a:endParaRPr>
           </a:p>
@@ -5871,10 +5556,10 @@
             <a:noAutofit/>
           </a:bodyPr>
           <a:p>
-            <a:endParaRPr b="0" lang="pt-BR" sz="1800" spc="-1" strike="noStrike">
-              <a:solidFill>
-                <a:srgbClr val="000000"/>
-              </a:solidFill>
+            <a:pPr algn="ctr">
+              <a:buNone/>
+            </a:pPr>
+            <a:endParaRPr b="0" lang="pt-BR" sz="4400" spc="-1" strike="noStrike">
               <a:latin typeface="Arial"/>
             </a:endParaRPr>
           </a:p>
@@ -5908,19 +5593,7 @@
             <a:normAutofit/>
           </a:bodyPr>
           <a:p>
-            <a:pPr>
-              <a:lnSpc>
-                <a:spcPct val="90000"/>
-              </a:lnSpc>
-              <a:spcBef>
-                <a:spcPts val="1417"/>
-              </a:spcBef>
-              <a:buNone/>
-            </a:pPr>
-            <a:endParaRPr b="0" lang="pt-BR" sz="2800" spc="-1" strike="noStrike">
-              <a:solidFill>
-                <a:srgbClr val="000000"/>
-              </a:solidFill>
+            <a:endParaRPr b="0" lang="pt-BR" sz="3200" spc="-1" strike="noStrike">
               <a:latin typeface="Arial"/>
             </a:endParaRPr>
           </a:p>
@@ -5954,19 +5627,7 @@
             <a:normAutofit/>
           </a:bodyPr>
           <a:p>
-            <a:pPr>
-              <a:lnSpc>
-                <a:spcPct val="90000"/>
-              </a:lnSpc>
-              <a:spcBef>
-                <a:spcPts val="1417"/>
-              </a:spcBef>
-              <a:buNone/>
-            </a:pPr>
-            <a:endParaRPr b="0" lang="pt-BR" sz="2800" spc="-1" strike="noStrike">
-              <a:solidFill>
-                <a:srgbClr val="000000"/>
-              </a:solidFill>
+            <a:endParaRPr b="0" lang="pt-BR" sz="3200" spc="-1" strike="noStrike">
               <a:latin typeface="Arial"/>
             </a:endParaRPr>
           </a:p>
@@ -6000,19 +5661,7 @@
             <a:normAutofit/>
           </a:bodyPr>
           <a:p>
-            <a:pPr>
-              <a:lnSpc>
-                <a:spcPct val="90000"/>
-              </a:lnSpc>
-              <a:spcBef>
-                <a:spcPts val="1417"/>
-              </a:spcBef>
-              <a:buNone/>
-            </a:pPr>
-            <a:endParaRPr b="0" lang="pt-BR" sz="2800" spc="-1" strike="noStrike">
-              <a:solidFill>
-                <a:srgbClr val="000000"/>
-              </a:solidFill>
+            <a:endParaRPr b="0" lang="pt-BR" sz="3200" spc="-1" strike="noStrike">
               <a:latin typeface="Arial"/>
             </a:endParaRPr>
           </a:p>
@@ -6046,19 +5695,7 @@
             <a:normAutofit/>
           </a:bodyPr>
           <a:p>
-            <a:pPr>
-              <a:lnSpc>
-                <a:spcPct val="90000"/>
-              </a:lnSpc>
-              <a:spcBef>
-                <a:spcPts val="1417"/>
-              </a:spcBef>
-              <a:buNone/>
-            </a:pPr>
-            <a:endParaRPr b="0" lang="pt-BR" sz="2800" spc="-1" strike="noStrike">
-              <a:solidFill>
-                <a:srgbClr val="000000"/>
-              </a:solidFill>
+            <a:endParaRPr b="0" lang="pt-BR" sz="3200" spc="-1" strike="noStrike">
               <a:latin typeface="Arial"/>
             </a:endParaRPr>
           </a:p>
@@ -6114,10 +5751,10 @@
             <a:noAutofit/>
           </a:bodyPr>
           <a:p>
-            <a:endParaRPr b="0" lang="pt-BR" sz="1800" spc="-1" strike="noStrike">
-              <a:solidFill>
-                <a:srgbClr val="000000"/>
-              </a:solidFill>
+            <a:pPr algn="ctr">
+              <a:buNone/>
+            </a:pPr>
+            <a:endParaRPr b="0" lang="pt-BR" sz="4400" spc="-1" strike="noStrike">
               <a:latin typeface="Arial"/>
             </a:endParaRPr>
           </a:p>
@@ -6151,19 +5788,7 @@
             <a:normAutofit/>
           </a:bodyPr>
           <a:p>
-            <a:pPr>
-              <a:lnSpc>
-                <a:spcPct val="90000"/>
-              </a:lnSpc>
-              <a:spcBef>
-                <a:spcPts val="1417"/>
-              </a:spcBef>
-              <a:buNone/>
-            </a:pPr>
-            <a:endParaRPr b="0" lang="pt-BR" sz="2800" spc="-1" strike="noStrike">
-              <a:solidFill>
-                <a:srgbClr val="000000"/>
-              </a:solidFill>
+            <a:endParaRPr b="0" lang="pt-BR" sz="3200" spc="-1" strike="noStrike">
               <a:latin typeface="Arial"/>
             </a:endParaRPr>
           </a:p>
@@ -6197,19 +5822,7 @@
             <a:normAutofit/>
           </a:bodyPr>
           <a:p>
-            <a:pPr>
-              <a:lnSpc>
-                <a:spcPct val="90000"/>
-              </a:lnSpc>
-              <a:spcBef>
-                <a:spcPts val="1417"/>
-              </a:spcBef>
-              <a:buNone/>
-            </a:pPr>
-            <a:endParaRPr b="0" lang="pt-BR" sz="2800" spc="-1" strike="noStrike">
-              <a:solidFill>
-                <a:srgbClr val="000000"/>
-              </a:solidFill>
+            <a:endParaRPr b="0" lang="pt-BR" sz="3200" spc="-1" strike="noStrike">
               <a:latin typeface="Arial"/>
             </a:endParaRPr>
           </a:p>
@@ -6243,19 +5856,7 @@
             <a:normAutofit/>
           </a:bodyPr>
           <a:p>
-            <a:pPr>
-              <a:lnSpc>
-                <a:spcPct val="90000"/>
-              </a:lnSpc>
-              <a:spcBef>
-                <a:spcPts val="1417"/>
-              </a:spcBef>
-              <a:buNone/>
-            </a:pPr>
-            <a:endParaRPr b="0" lang="pt-BR" sz="2800" spc="-1" strike="noStrike">
-              <a:solidFill>
-                <a:srgbClr val="000000"/>
-              </a:solidFill>
+            <a:endParaRPr b="0" lang="pt-BR" sz="3200" spc="-1" strike="noStrike">
               <a:latin typeface="Arial"/>
             </a:endParaRPr>
           </a:p>
@@ -6289,19 +5890,7 @@
             <a:normAutofit/>
           </a:bodyPr>
           <a:p>
-            <a:pPr>
-              <a:lnSpc>
-                <a:spcPct val="90000"/>
-              </a:lnSpc>
-              <a:spcBef>
-                <a:spcPts val="1417"/>
-              </a:spcBef>
-              <a:buNone/>
-            </a:pPr>
-            <a:endParaRPr b="0" lang="pt-BR" sz="2800" spc="-1" strike="noStrike">
-              <a:solidFill>
-                <a:srgbClr val="000000"/>
-              </a:solidFill>
+            <a:endParaRPr b="0" lang="pt-BR" sz="3200" spc="-1" strike="noStrike">
               <a:latin typeface="Arial"/>
             </a:endParaRPr>
           </a:p>
@@ -6335,19 +5924,7 @@
             <a:normAutofit/>
           </a:bodyPr>
           <a:p>
-            <a:pPr>
-              <a:lnSpc>
-                <a:spcPct val="90000"/>
-              </a:lnSpc>
-              <a:spcBef>
-                <a:spcPts val="1417"/>
-              </a:spcBef>
-              <a:buNone/>
-            </a:pPr>
-            <a:endParaRPr b="0" lang="pt-BR" sz="2800" spc="-1" strike="noStrike">
-              <a:solidFill>
-                <a:srgbClr val="000000"/>
-              </a:solidFill>
+            <a:endParaRPr b="0" lang="pt-BR" sz="3200" spc="-1" strike="noStrike">
               <a:latin typeface="Arial"/>
             </a:endParaRPr>
           </a:p>
@@ -6381,19 +5958,7 @@
             <a:normAutofit/>
           </a:bodyPr>
           <a:p>
-            <a:pPr>
-              <a:lnSpc>
-                <a:spcPct val="90000"/>
-              </a:lnSpc>
-              <a:spcBef>
-                <a:spcPts val="1417"/>
-              </a:spcBef>
-              <a:buNone/>
-            </a:pPr>
-            <a:endParaRPr b="0" lang="pt-BR" sz="2800" spc="-1" strike="noStrike">
-              <a:solidFill>
-                <a:srgbClr val="000000"/>
-              </a:solidFill>
+            <a:endParaRPr b="0" lang="pt-BR" sz="3200" spc="-1" strike="noStrike">
               <a:latin typeface="Arial"/>
             </a:endParaRPr>
           </a:p>
@@ -6449,10 +6014,10 @@
             <a:noAutofit/>
           </a:bodyPr>
           <a:p>
-            <a:endParaRPr b="0" lang="pt-BR" sz="1800" spc="-1" strike="noStrike">
-              <a:solidFill>
-                <a:srgbClr val="000000"/>
-              </a:solidFill>
+            <a:pPr algn="ctr">
+              <a:buNone/>
+            </a:pPr>
+            <a:endParaRPr b="0" lang="pt-BR" sz="4400" spc="-1" strike="noStrike">
               <a:latin typeface="Arial"/>
             </a:endParaRPr>
           </a:p>
@@ -6486,19 +6051,7 @@
             <a:normAutofit/>
           </a:bodyPr>
           <a:p>
-            <a:pPr>
-              <a:lnSpc>
-                <a:spcPct val="90000"/>
-              </a:lnSpc>
-              <a:spcBef>
-                <a:spcPts val="1417"/>
-              </a:spcBef>
-              <a:buNone/>
-            </a:pPr>
-            <a:endParaRPr b="0" lang="pt-BR" sz="2800" spc="-1" strike="noStrike">
-              <a:solidFill>
-                <a:srgbClr val="000000"/>
-              </a:solidFill>
+            <a:endParaRPr b="0" lang="pt-BR" sz="3200" spc="-1" strike="noStrike">
               <a:latin typeface="Arial"/>
             </a:endParaRPr>
           </a:p>
@@ -6554,10 +6107,10 @@
             <a:noAutofit/>
           </a:bodyPr>
           <a:p>
-            <a:endParaRPr b="0" lang="pt-BR" sz="1800" spc="-1" strike="noStrike">
-              <a:solidFill>
-                <a:srgbClr val="000000"/>
-              </a:solidFill>
+            <a:pPr algn="ctr">
+              <a:buNone/>
+            </a:pPr>
+            <a:endParaRPr b="0" lang="pt-BR" sz="4400" spc="-1" strike="noStrike">
               <a:latin typeface="Arial"/>
             </a:endParaRPr>
           </a:p>
@@ -6591,19 +6144,7 @@
             <a:normAutofit/>
           </a:bodyPr>
           <a:p>
-            <a:pPr>
-              <a:lnSpc>
-                <a:spcPct val="90000"/>
-              </a:lnSpc>
-              <a:spcBef>
-                <a:spcPts val="1417"/>
-              </a:spcBef>
-              <a:buNone/>
-            </a:pPr>
-            <a:endParaRPr b="0" lang="pt-BR" sz="2800" spc="-1" strike="noStrike">
-              <a:solidFill>
-                <a:srgbClr val="000000"/>
-              </a:solidFill>
+            <a:endParaRPr b="0" lang="pt-BR" sz="3200" spc="-1" strike="noStrike">
               <a:latin typeface="Arial"/>
             </a:endParaRPr>
           </a:p>
@@ -6637,19 +6178,7 @@
             <a:normAutofit/>
           </a:bodyPr>
           <a:p>
-            <a:pPr>
-              <a:lnSpc>
-                <a:spcPct val="90000"/>
-              </a:lnSpc>
-              <a:spcBef>
-                <a:spcPts val="1417"/>
-              </a:spcBef>
-              <a:buNone/>
-            </a:pPr>
-            <a:endParaRPr b="0" lang="pt-BR" sz="2800" spc="-1" strike="noStrike">
-              <a:solidFill>
-                <a:srgbClr val="000000"/>
-              </a:solidFill>
+            <a:endParaRPr b="0" lang="pt-BR" sz="3200" spc="-1" strike="noStrike">
               <a:latin typeface="Arial"/>
             </a:endParaRPr>
           </a:p>
@@ -6705,10 +6234,10 @@
             <a:noAutofit/>
           </a:bodyPr>
           <a:p>
-            <a:endParaRPr b="0" lang="pt-BR" sz="1800" spc="-1" strike="noStrike">
-              <a:solidFill>
-                <a:srgbClr val="000000"/>
-              </a:solidFill>
+            <a:pPr algn="ctr">
+              <a:buNone/>
+            </a:pPr>
+            <a:endParaRPr b="0" lang="pt-BR" sz="4400" spc="-1" strike="noStrike">
               <a:latin typeface="Arial"/>
             </a:endParaRPr>
           </a:p>
@@ -6823,10 +6352,10 @@
             <a:noAutofit/>
           </a:bodyPr>
           <a:p>
-            <a:endParaRPr b="0" lang="pt-BR" sz="1800" spc="-1" strike="noStrike">
-              <a:solidFill>
-                <a:srgbClr val="000000"/>
-              </a:solidFill>
+            <a:pPr algn="ctr">
+              <a:buNone/>
+            </a:pPr>
+            <a:endParaRPr b="0" lang="pt-BR" sz="4400" spc="-1" strike="noStrike">
               <a:latin typeface="Arial"/>
             </a:endParaRPr>
           </a:p>
@@ -6860,19 +6389,7 @@
             <a:normAutofit/>
           </a:bodyPr>
           <a:p>
-            <a:pPr>
-              <a:lnSpc>
-                <a:spcPct val="90000"/>
-              </a:lnSpc>
-              <a:spcBef>
-                <a:spcPts val="1417"/>
-              </a:spcBef>
-              <a:buNone/>
-            </a:pPr>
-            <a:endParaRPr b="0" lang="pt-BR" sz="2800" spc="-1" strike="noStrike">
-              <a:solidFill>
-                <a:srgbClr val="000000"/>
-              </a:solidFill>
+            <a:endParaRPr b="0" lang="pt-BR" sz="3200" spc="-1" strike="noStrike">
               <a:latin typeface="Arial"/>
             </a:endParaRPr>
           </a:p>
@@ -6906,19 +6423,7 @@
             <a:normAutofit/>
           </a:bodyPr>
           <a:p>
-            <a:pPr>
-              <a:lnSpc>
-                <a:spcPct val="90000"/>
-              </a:lnSpc>
-              <a:spcBef>
-                <a:spcPts val="1417"/>
-              </a:spcBef>
-              <a:buNone/>
-            </a:pPr>
-            <a:endParaRPr b="0" lang="pt-BR" sz="2800" spc="-1" strike="noStrike">
-              <a:solidFill>
-                <a:srgbClr val="000000"/>
-              </a:solidFill>
+            <a:endParaRPr b="0" lang="pt-BR" sz="3200" spc="-1" strike="noStrike">
               <a:latin typeface="Arial"/>
             </a:endParaRPr>
           </a:p>
@@ -6952,19 +6457,7 @@
             <a:normAutofit/>
           </a:bodyPr>
           <a:p>
-            <a:pPr>
-              <a:lnSpc>
-                <a:spcPct val="90000"/>
-              </a:lnSpc>
-              <a:spcBef>
-                <a:spcPts val="1417"/>
-              </a:spcBef>
-              <a:buNone/>
-            </a:pPr>
-            <a:endParaRPr b="0" lang="pt-BR" sz="2800" spc="-1" strike="noStrike">
-              <a:solidFill>
-                <a:srgbClr val="000000"/>
-              </a:solidFill>
+            <a:endParaRPr b="0" lang="pt-BR" sz="3200" spc="-1" strike="noStrike">
               <a:latin typeface="Arial"/>
             </a:endParaRPr>
           </a:p>
@@ -7020,10 +6513,10 @@
             <a:noAutofit/>
           </a:bodyPr>
           <a:p>
-            <a:endParaRPr b="0" lang="pt-BR" sz="1800" spc="-1" strike="noStrike">
-              <a:solidFill>
-                <a:srgbClr val="000000"/>
-              </a:solidFill>
+            <a:pPr algn="ctr">
+              <a:buNone/>
+            </a:pPr>
+            <a:endParaRPr b="0" lang="pt-BR" sz="4400" spc="-1" strike="noStrike">
               <a:latin typeface="Arial"/>
             </a:endParaRPr>
           </a:p>
@@ -7057,19 +6550,7 @@
             <a:normAutofit/>
           </a:bodyPr>
           <a:p>
-            <a:pPr>
-              <a:lnSpc>
-                <a:spcPct val="90000"/>
-              </a:lnSpc>
-              <a:spcBef>
-                <a:spcPts val="1417"/>
-              </a:spcBef>
-              <a:buNone/>
-            </a:pPr>
-            <a:endParaRPr b="0" lang="pt-BR" sz="2800" spc="-1" strike="noStrike">
-              <a:solidFill>
-                <a:srgbClr val="000000"/>
-              </a:solidFill>
+            <a:endParaRPr b="0" lang="pt-BR" sz="3200" spc="-1" strike="noStrike">
               <a:latin typeface="Arial"/>
             </a:endParaRPr>
           </a:p>
@@ -7103,19 +6584,7 @@
             <a:normAutofit/>
           </a:bodyPr>
           <a:p>
-            <a:pPr>
-              <a:lnSpc>
-                <a:spcPct val="90000"/>
-              </a:lnSpc>
-              <a:spcBef>
-                <a:spcPts val="1417"/>
-              </a:spcBef>
-              <a:buNone/>
-            </a:pPr>
-            <a:endParaRPr b="0" lang="pt-BR" sz="2800" spc="-1" strike="noStrike">
-              <a:solidFill>
-                <a:srgbClr val="000000"/>
-              </a:solidFill>
+            <a:endParaRPr b="0" lang="pt-BR" sz="3200" spc="-1" strike="noStrike">
               <a:latin typeface="Arial"/>
             </a:endParaRPr>
           </a:p>
@@ -7149,19 +6618,7 @@
             <a:normAutofit/>
           </a:bodyPr>
           <a:p>
-            <a:pPr>
-              <a:lnSpc>
-                <a:spcPct val="90000"/>
-              </a:lnSpc>
-              <a:spcBef>
-                <a:spcPts val="1417"/>
-              </a:spcBef>
-              <a:buNone/>
-            </a:pPr>
-            <a:endParaRPr b="0" lang="pt-BR" sz="2800" spc="-1" strike="noStrike">
-              <a:solidFill>
-                <a:srgbClr val="000000"/>
-              </a:solidFill>
+            <a:endParaRPr b="0" lang="pt-BR" sz="3200" spc="-1" strike="noStrike">
               <a:latin typeface="Arial"/>
             </a:endParaRPr>
           </a:p>
@@ -7217,10 +6674,10 @@
             <a:noAutofit/>
           </a:bodyPr>
           <a:p>
-            <a:endParaRPr b="0" lang="pt-BR" sz="1800" spc="-1" strike="noStrike">
-              <a:solidFill>
-                <a:srgbClr val="000000"/>
-              </a:solidFill>
+            <a:pPr algn="ctr">
+              <a:buNone/>
+            </a:pPr>
+            <a:endParaRPr b="0" lang="pt-BR" sz="4400" spc="-1" strike="noStrike">
               <a:latin typeface="Arial"/>
             </a:endParaRPr>
           </a:p>
@@ -7254,19 +6711,7 @@
             <a:normAutofit/>
           </a:bodyPr>
           <a:p>
-            <a:pPr>
-              <a:lnSpc>
-                <a:spcPct val="90000"/>
-              </a:lnSpc>
-              <a:spcBef>
-                <a:spcPts val="1417"/>
-              </a:spcBef>
-              <a:buNone/>
-            </a:pPr>
-            <a:endParaRPr b="0" lang="pt-BR" sz="2800" spc="-1" strike="noStrike">
-              <a:solidFill>
-                <a:srgbClr val="000000"/>
-              </a:solidFill>
+            <a:endParaRPr b="0" lang="pt-BR" sz="3200" spc="-1" strike="noStrike">
               <a:latin typeface="Arial"/>
             </a:endParaRPr>
           </a:p>
@@ -7300,19 +6745,7 @@
             <a:normAutofit/>
           </a:bodyPr>
           <a:p>
-            <a:pPr>
-              <a:lnSpc>
-                <a:spcPct val="90000"/>
-              </a:lnSpc>
-              <a:spcBef>
-                <a:spcPts val="1417"/>
-              </a:spcBef>
-              <a:buNone/>
-            </a:pPr>
-            <a:endParaRPr b="0" lang="pt-BR" sz="2800" spc="-1" strike="noStrike">
-              <a:solidFill>
-                <a:srgbClr val="000000"/>
-              </a:solidFill>
+            <a:endParaRPr b="0" lang="pt-BR" sz="3200" spc="-1" strike="noStrike">
               <a:latin typeface="Arial"/>
             </a:endParaRPr>
           </a:p>
@@ -7346,19 +6779,7 @@
             <a:normAutofit/>
           </a:bodyPr>
           <a:p>
-            <a:pPr>
-              <a:lnSpc>
-                <a:spcPct val="90000"/>
-              </a:lnSpc>
-              <a:spcBef>
-                <a:spcPts val="1417"/>
-              </a:spcBef>
-              <a:buNone/>
-            </a:pPr>
-            <a:endParaRPr b="0" lang="pt-BR" sz="2800" spc="-1" strike="noStrike">
-              <a:solidFill>
-                <a:srgbClr val="000000"/>
-              </a:solidFill>
+            <a:endParaRPr b="0" lang="pt-BR" sz="3200" spc="-1" strike="noStrike">
               <a:latin typeface="Arial"/>
             </a:endParaRPr>
           </a:p>
@@ -7402,7 +6823,7 @@
         <p:spPr>
           <a:xfrm>
             <a:off x="0" y="3150000"/>
-            <a:ext cx="9716040" cy="1256040"/>
+            <a:ext cx="9715320" cy="1255320"/>
           </a:xfrm>
           <a:prstGeom prst="rect">
             <a:avLst/>
@@ -7449,19 +6870,22 @@
             <a:noAutofit/>
           </a:bodyPr>
           <a:p>
-            <a:r>
-              <a:rPr b="0" lang="pt-BR" sz="1800" spc="-1" strike="noStrike">
-                <a:solidFill>
-                  <a:srgbClr val="000000"/>
-                </a:solidFill>
+            <a:pPr algn="ctr">
+              <a:buNone/>
+            </a:pPr>
+            <a:r>
+              <a:rPr b="0" lang="pt-BR" sz="4400" spc="-1" strike="noStrike">
                 <a:latin typeface="Arial"/>
               </a:rPr>
-              <a:t>Click to edit the title text format</a:t>
-            </a:r>
-            <a:endParaRPr b="0" lang="pt-BR" sz="1800" spc="-1" strike="noStrike">
-              <a:solidFill>
-                <a:srgbClr val="000000"/>
-              </a:solidFill>
+              <a:t>Click to edit the title text </a:t>
+            </a:r>
+            <a:r>
+              <a:rPr b="0" lang="pt-BR" sz="4400" spc="-1" strike="noStrike">
+                <a:latin typeface="Arial"/>
+              </a:rPr>
+              <a:t>format</a:t>
+            </a:r>
+            <a:endParaRPr b="0" lang="pt-BR" sz="4400" spc="-1" strike="noStrike">
               <a:latin typeface="Arial"/>
             </a:endParaRPr>
           </a:p>
@@ -7496,9 +6920,6 @@
           </a:bodyPr>
           <a:p>
             <a:pPr marL="432000" indent="-324000">
-              <a:lnSpc>
-                <a:spcPct val="90000"/>
-              </a:lnSpc>
               <a:spcBef>
                 <a:spcPts val="1417"/>
               </a:spcBef>
@@ -7510,26 +6931,17 @@
               <a:buChar char=""/>
             </a:pPr>
             <a:r>
-              <a:rPr b="0" lang="pt-BR" sz="2800" spc="-1" strike="noStrike">
-                <a:solidFill>
-                  <a:srgbClr val="000000"/>
-                </a:solidFill>
+              <a:rPr b="0" lang="pt-BR" sz="3200" spc="-1" strike="noStrike">
                 <a:latin typeface="Arial"/>
               </a:rPr>
               <a:t>Click to edit the outline text format</a:t>
             </a:r>
-            <a:endParaRPr b="0" lang="pt-BR" sz="2800" spc="-1" strike="noStrike">
-              <a:solidFill>
-                <a:srgbClr val="000000"/>
-              </a:solidFill>
+            <a:endParaRPr b="0" lang="pt-BR" sz="3200" spc="-1" strike="noStrike">
               <a:latin typeface="Arial"/>
             </a:endParaRPr>
           </a:p>
           <a:p>
             <a:pPr lvl="1" marL="864000" indent="-324000">
-              <a:lnSpc>
-                <a:spcPct val="90000"/>
-              </a:lnSpc>
               <a:spcBef>
                 <a:spcPts val="1134"/>
               </a:spcBef>
@@ -7541,26 +6953,17 @@
               <a:buChar char=""/>
             </a:pPr>
             <a:r>
-              <a:rPr b="0" lang="pt-BR" sz="2000" spc="-1" strike="noStrike">
-                <a:solidFill>
-                  <a:srgbClr val="000000"/>
-                </a:solidFill>
+              <a:rPr b="0" lang="pt-BR" sz="2800" spc="-1" strike="noStrike">
                 <a:latin typeface="Arial"/>
               </a:rPr>
               <a:t>Second Outline Level</a:t>
             </a:r>
-            <a:endParaRPr b="0" lang="pt-BR" sz="2000" spc="-1" strike="noStrike">
-              <a:solidFill>
-                <a:srgbClr val="000000"/>
-              </a:solidFill>
+            <a:endParaRPr b="0" lang="pt-BR" sz="2800" spc="-1" strike="noStrike">
               <a:latin typeface="Arial"/>
             </a:endParaRPr>
           </a:p>
           <a:p>
             <a:pPr lvl="2" marL="1296000" indent="-288000">
-              <a:lnSpc>
-                <a:spcPct val="90000"/>
-              </a:lnSpc>
               <a:spcBef>
                 <a:spcPts val="850"/>
               </a:spcBef>
@@ -7572,26 +6975,17 @@
               <a:buChar char=""/>
             </a:pPr>
             <a:r>
-              <a:rPr b="0" lang="pt-BR" sz="1800" spc="-1" strike="noStrike">
-                <a:solidFill>
-                  <a:srgbClr val="000000"/>
-                </a:solidFill>
+              <a:rPr b="0" lang="pt-BR" sz="2400" spc="-1" strike="noStrike">
                 <a:latin typeface="Arial"/>
               </a:rPr>
               <a:t>Third Outline Level</a:t>
             </a:r>
-            <a:endParaRPr b="0" lang="pt-BR" sz="1800" spc="-1" strike="noStrike">
-              <a:solidFill>
-                <a:srgbClr val="000000"/>
-              </a:solidFill>
+            <a:endParaRPr b="0" lang="pt-BR" sz="2400" spc="-1" strike="noStrike">
               <a:latin typeface="Arial"/>
             </a:endParaRPr>
           </a:p>
           <a:p>
             <a:pPr lvl="3" marL="1728000" indent="-216000">
-              <a:lnSpc>
-                <a:spcPct val="90000"/>
-              </a:lnSpc>
               <a:spcBef>
                 <a:spcPts val="567"/>
               </a:spcBef>
@@ -7603,26 +6997,17 @@
               <a:buChar char=""/>
             </a:pPr>
             <a:r>
-              <a:rPr b="0" lang="pt-BR" sz="1800" spc="-1" strike="noStrike">
-                <a:solidFill>
-                  <a:srgbClr val="000000"/>
-                </a:solidFill>
+              <a:rPr b="0" lang="pt-BR" sz="2000" spc="-1" strike="noStrike">
                 <a:latin typeface="Arial"/>
               </a:rPr>
               <a:t>Fourth Outline Level</a:t>
             </a:r>
-            <a:endParaRPr b="0" lang="pt-BR" sz="1800" spc="-1" strike="noStrike">
-              <a:solidFill>
-                <a:srgbClr val="000000"/>
-              </a:solidFill>
+            <a:endParaRPr b="0" lang="pt-BR" sz="2000" spc="-1" strike="noStrike">
               <a:latin typeface="Arial"/>
             </a:endParaRPr>
           </a:p>
           <a:p>
             <a:pPr lvl="4" marL="2160000" indent="-216000">
-              <a:lnSpc>
-                <a:spcPct val="90000"/>
-              </a:lnSpc>
               <a:spcBef>
                 <a:spcPts val="283"/>
               </a:spcBef>
@@ -7635,25 +7020,16 @@
             </a:pPr>
             <a:r>
               <a:rPr b="0" lang="pt-BR" sz="2000" spc="-1" strike="noStrike">
-                <a:solidFill>
-                  <a:srgbClr val="000000"/>
-                </a:solidFill>
                 <a:latin typeface="Arial"/>
               </a:rPr>
               <a:t>Fifth Outline Level</a:t>
             </a:r>
             <a:endParaRPr b="0" lang="pt-BR" sz="2000" spc="-1" strike="noStrike">
-              <a:solidFill>
-                <a:srgbClr val="000000"/>
-              </a:solidFill>
               <a:latin typeface="Arial"/>
             </a:endParaRPr>
           </a:p>
           <a:p>
             <a:pPr lvl="5" marL="2592000" indent="-216000">
-              <a:lnSpc>
-                <a:spcPct val="90000"/>
-              </a:lnSpc>
               <a:spcBef>
                 <a:spcPts val="283"/>
               </a:spcBef>
@@ -7666,25 +7042,16 @@
             </a:pPr>
             <a:r>
               <a:rPr b="0" lang="pt-BR" sz="2000" spc="-1" strike="noStrike">
-                <a:solidFill>
-                  <a:srgbClr val="000000"/>
-                </a:solidFill>
                 <a:latin typeface="Arial"/>
               </a:rPr>
               <a:t>Sixth Outline Level</a:t>
             </a:r>
             <a:endParaRPr b="0" lang="pt-BR" sz="2000" spc="-1" strike="noStrike">
-              <a:solidFill>
-                <a:srgbClr val="000000"/>
-              </a:solidFill>
               <a:latin typeface="Arial"/>
             </a:endParaRPr>
           </a:p>
           <a:p>
             <a:pPr lvl="6" marL="3024000" indent="-216000">
-              <a:lnSpc>
-                <a:spcPct val="90000"/>
-              </a:lnSpc>
               <a:spcBef>
                 <a:spcPts val="283"/>
               </a:spcBef>
@@ -7697,17 +7064,11 @@
             </a:pPr>
             <a:r>
               <a:rPr b="0" lang="pt-BR" sz="2000" spc="-1" strike="noStrike">
-                <a:solidFill>
-                  <a:srgbClr val="000000"/>
-                </a:solidFill>
                 <a:latin typeface="Arial"/>
               </a:rPr>
               <a:t>Seventh Outline Level</a:t>
             </a:r>
             <a:endParaRPr b="0" lang="pt-BR" sz="2000" spc="-1" strike="noStrike">
-              <a:solidFill>
-                <a:srgbClr val="000000"/>
-              </a:solidFill>
               <a:latin typeface="Arial"/>
             </a:endParaRPr>
           </a:p>
@@ -7766,7 +7127,7 @@
         <p:spPr>
           <a:xfrm>
             <a:off x="0" y="180000"/>
-            <a:ext cx="9716040" cy="1256040"/>
+            <a:ext cx="9715320" cy="1255320"/>
           </a:xfrm>
           <a:prstGeom prst="rect">
             <a:avLst/>
@@ -7794,7 +7155,7 @@
         <p:spPr>
           <a:xfrm>
             <a:off x="7560000" y="6840000"/>
-            <a:ext cx="2516040" cy="536040"/>
+            <a:ext cx="2515320" cy="535320"/>
           </a:xfrm>
           <a:prstGeom prst="rect">
             <a:avLst/>
@@ -7822,7 +7183,7 @@
         <p:spPr>
           <a:xfrm>
             <a:off x="900000" y="6840000"/>
-            <a:ext cx="6476040" cy="536040"/>
+            <a:ext cx="6475320" cy="535320"/>
           </a:xfrm>
           <a:prstGeom prst="rect">
             <a:avLst/>
@@ -7850,7 +7211,7 @@
         <p:spPr>
           <a:xfrm>
             <a:off x="180000" y="6840000"/>
-            <a:ext cx="536040" cy="536040"/>
+            <a:ext cx="535320" cy="535320"/>
           </a:xfrm>
           <a:prstGeom prst="rect">
             <a:avLst/>
@@ -7895,19 +7256,16 @@
             <a:noAutofit/>
           </a:bodyPr>
           <a:p>
-            <a:r>
-              <a:rPr b="0" lang="pt-BR" sz="1800" spc="-1" strike="noStrike">
-                <a:solidFill>
-                  <a:srgbClr val="000000"/>
-                </a:solidFill>
+            <a:pPr algn="ctr">
+              <a:buNone/>
+            </a:pPr>
+            <a:r>
+              <a:rPr b="0" lang="pt-BR" sz="4400" spc="-1" strike="noStrike">
                 <a:latin typeface="Arial"/>
               </a:rPr>
               <a:t>Click to edit the title text format</a:t>
             </a:r>
-            <a:endParaRPr b="0" lang="pt-BR" sz="1800" spc="-1" strike="noStrike">
-              <a:solidFill>
-                <a:srgbClr val="000000"/>
-              </a:solidFill>
+            <a:endParaRPr b="0" lang="pt-BR" sz="4400" spc="-1" strike="noStrike">
               <a:latin typeface="Arial"/>
             </a:endParaRPr>
           </a:p>
@@ -7942,9 +7300,6 @@
           </a:bodyPr>
           <a:p>
             <a:pPr marL="432000" indent="-324000">
-              <a:lnSpc>
-                <a:spcPct val="90000"/>
-              </a:lnSpc>
               <a:spcBef>
                 <a:spcPts val="1417"/>
               </a:spcBef>
@@ -7956,26 +7311,17 @@
               <a:buChar char=""/>
             </a:pPr>
             <a:r>
-              <a:rPr b="0" lang="pt-BR" sz="2800" spc="-1" strike="noStrike">
-                <a:solidFill>
-                  <a:srgbClr val="000000"/>
-                </a:solidFill>
+              <a:rPr b="0" lang="pt-BR" sz="3200" spc="-1" strike="noStrike">
                 <a:latin typeface="Arial"/>
               </a:rPr>
               <a:t>Click to edit the outline text format</a:t>
             </a:r>
-            <a:endParaRPr b="0" lang="pt-BR" sz="2800" spc="-1" strike="noStrike">
-              <a:solidFill>
-                <a:srgbClr val="000000"/>
-              </a:solidFill>
+            <a:endParaRPr b="0" lang="pt-BR" sz="3200" spc="-1" strike="noStrike">
               <a:latin typeface="Arial"/>
             </a:endParaRPr>
           </a:p>
           <a:p>
             <a:pPr lvl="1" marL="864000" indent="-324000">
-              <a:lnSpc>
-                <a:spcPct val="90000"/>
-              </a:lnSpc>
               <a:spcBef>
                 <a:spcPts val="1134"/>
               </a:spcBef>
@@ -7987,26 +7333,17 @@
               <a:buChar char=""/>
             </a:pPr>
             <a:r>
-              <a:rPr b="0" lang="pt-BR" sz="2000" spc="-1" strike="noStrike">
-                <a:solidFill>
-                  <a:srgbClr val="000000"/>
-                </a:solidFill>
+              <a:rPr b="0" lang="pt-BR" sz="2800" spc="-1" strike="noStrike">
                 <a:latin typeface="Arial"/>
               </a:rPr>
               <a:t>Second Outline Level</a:t>
             </a:r>
-            <a:endParaRPr b="0" lang="pt-BR" sz="2000" spc="-1" strike="noStrike">
-              <a:solidFill>
-                <a:srgbClr val="000000"/>
-              </a:solidFill>
+            <a:endParaRPr b="0" lang="pt-BR" sz="2800" spc="-1" strike="noStrike">
               <a:latin typeface="Arial"/>
             </a:endParaRPr>
           </a:p>
           <a:p>
             <a:pPr lvl="2" marL="1296000" indent="-288000">
-              <a:lnSpc>
-                <a:spcPct val="90000"/>
-              </a:lnSpc>
               <a:spcBef>
                 <a:spcPts val="850"/>
               </a:spcBef>
@@ -8018,26 +7355,17 @@
               <a:buChar char=""/>
             </a:pPr>
             <a:r>
-              <a:rPr b="0" lang="pt-BR" sz="1800" spc="-1" strike="noStrike">
-                <a:solidFill>
-                  <a:srgbClr val="000000"/>
-                </a:solidFill>
+              <a:rPr b="0" lang="pt-BR" sz="2400" spc="-1" strike="noStrike">
                 <a:latin typeface="Arial"/>
               </a:rPr>
               <a:t>Third Outline Level</a:t>
             </a:r>
-            <a:endParaRPr b="0" lang="pt-BR" sz="1800" spc="-1" strike="noStrike">
-              <a:solidFill>
-                <a:srgbClr val="000000"/>
-              </a:solidFill>
+            <a:endParaRPr b="0" lang="pt-BR" sz="2400" spc="-1" strike="noStrike">
               <a:latin typeface="Arial"/>
             </a:endParaRPr>
           </a:p>
           <a:p>
             <a:pPr lvl="3" marL="1728000" indent="-216000">
-              <a:lnSpc>
-                <a:spcPct val="90000"/>
-              </a:lnSpc>
               <a:spcBef>
                 <a:spcPts val="567"/>
               </a:spcBef>
@@ -8049,26 +7377,17 @@
               <a:buChar char=""/>
             </a:pPr>
             <a:r>
-              <a:rPr b="0" lang="pt-BR" sz="1800" spc="-1" strike="noStrike">
-                <a:solidFill>
-                  <a:srgbClr val="000000"/>
-                </a:solidFill>
+              <a:rPr b="0" lang="pt-BR" sz="2000" spc="-1" strike="noStrike">
                 <a:latin typeface="Arial"/>
               </a:rPr>
               <a:t>Fourth Outline Level</a:t>
             </a:r>
-            <a:endParaRPr b="0" lang="pt-BR" sz="1800" spc="-1" strike="noStrike">
-              <a:solidFill>
-                <a:srgbClr val="000000"/>
-              </a:solidFill>
+            <a:endParaRPr b="0" lang="pt-BR" sz="2000" spc="-1" strike="noStrike">
               <a:latin typeface="Arial"/>
             </a:endParaRPr>
           </a:p>
           <a:p>
             <a:pPr lvl="4" marL="2160000" indent="-216000">
-              <a:lnSpc>
-                <a:spcPct val="90000"/>
-              </a:lnSpc>
               <a:spcBef>
                 <a:spcPts val="283"/>
               </a:spcBef>
@@ -8081,25 +7400,16 @@
             </a:pPr>
             <a:r>
               <a:rPr b="0" lang="pt-BR" sz="2000" spc="-1" strike="noStrike">
-                <a:solidFill>
-                  <a:srgbClr val="000000"/>
-                </a:solidFill>
                 <a:latin typeface="Arial"/>
               </a:rPr>
               <a:t>Fifth Outline Level</a:t>
             </a:r>
             <a:endParaRPr b="0" lang="pt-BR" sz="2000" spc="-1" strike="noStrike">
-              <a:solidFill>
-                <a:srgbClr val="000000"/>
-              </a:solidFill>
               <a:latin typeface="Arial"/>
             </a:endParaRPr>
           </a:p>
           <a:p>
             <a:pPr lvl="5" marL="2592000" indent="-216000">
-              <a:lnSpc>
-                <a:spcPct val="90000"/>
-              </a:lnSpc>
               <a:spcBef>
                 <a:spcPts val="283"/>
               </a:spcBef>
@@ -8112,25 +7422,16 @@
             </a:pPr>
             <a:r>
               <a:rPr b="0" lang="pt-BR" sz="2000" spc="-1" strike="noStrike">
-                <a:solidFill>
-                  <a:srgbClr val="000000"/>
-                </a:solidFill>
                 <a:latin typeface="Arial"/>
               </a:rPr>
               <a:t>Sixth Outline Level</a:t>
             </a:r>
             <a:endParaRPr b="0" lang="pt-BR" sz="2000" spc="-1" strike="noStrike">
-              <a:solidFill>
-                <a:srgbClr val="000000"/>
-              </a:solidFill>
               <a:latin typeface="Arial"/>
             </a:endParaRPr>
           </a:p>
           <a:p>
             <a:pPr lvl="6" marL="3024000" indent="-216000">
-              <a:lnSpc>
-                <a:spcPct val="90000"/>
-              </a:lnSpc>
               <a:spcBef>
                 <a:spcPts val="283"/>
               </a:spcBef>
@@ -8143,17 +7444,11 @@
             </a:pPr>
             <a:r>
               <a:rPr b="0" lang="pt-BR" sz="2000" spc="-1" strike="noStrike">
-                <a:solidFill>
-                  <a:srgbClr val="000000"/>
-                </a:solidFill>
                 <a:latin typeface="Arial"/>
               </a:rPr>
               <a:t>Seventh Outline Level</a:t>
             </a:r>
             <a:endParaRPr b="0" lang="pt-BR" sz="2000" spc="-1" strike="noStrike">
-              <a:solidFill>
-                <a:srgbClr val="000000"/>
-              </a:solidFill>
               <a:latin typeface="Arial"/>
             </a:endParaRPr>
           </a:p>
@@ -8205,7 +7500,7 @@
         <p:spPr>
           <a:xfrm>
             <a:off x="360000" y="3330000"/>
-            <a:ext cx="9356040" cy="896040"/>
+            <a:ext cx="9355320" cy="895320"/>
           </a:xfrm>
           <a:prstGeom prst="rect">
             <a:avLst/>
@@ -8257,7 +7552,7 @@
         <p:spPr>
           <a:xfrm>
             <a:off x="540000" y="4680000"/>
-            <a:ext cx="9176040" cy="2516040"/>
+            <a:ext cx="9175320" cy="2515320"/>
           </a:xfrm>
           <a:prstGeom prst="rect">
             <a:avLst/>
@@ -8462,7 +7757,7 @@
         <p:spPr>
           <a:xfrm>
             <a:off x="360000" y="360000"/>
-            <a:ext cx="9356040" cy="896040"/>
+            <a:ext cx="9355320" cy="895320"/>
           </a:xfrm>
           <a:prstGeom prst="rect">
             <a:avLst/>
@@ -8535,7 +7830,7 @@
         <p:spPr>
           <a:xfrm>
             <a:off x="897120" y="6886080"/>
-            <a:ext cx="6443280" cy="361080"/>
+            <a:ext cx="6442560" cy="360360"/>
           </a:xfrm>
           <a:prstGeom prst="rect">
             <a:avLst/>
@@ -8587,7 +7882,7 @@
         <p:spPr>
           <a:xfrm>
             <a:off x="7608600" y="6886080"/>
-            <a:ext cx="2281320" cy="361080"/>
+            <a:ext cx="2280600" cy="360360"/>
           </a:xfrm>
           <a:prstGeom prst="rect">
             <a:avLst/>
@@ -8649,7 +7944,7 @@
         <p:spPr>
           <a:xfrm>
             <a:off x="200160" y="1742760"/>
-            <a:ext cx="9515880" cy="638280"/>
+            <a:ext cx="9515160" cy="638280"/>
           </a:xfrm>
           <a:prstGeom prst="rect">
             <a:avLst/>
@@ -8734,7 +8029,7 @@
         <p:spPr>
           <a:xfrm>
             <a:off x="2941200" y="2867040"/>
-            <a:ext cx="4667040" cy="3596040"/>
+            <a:ext cx="4666320" cy="3595320"/>
           </a:xfrm>
           <a:prstGeom prst="rect">
             <a:avLst/>
@@ -8783,7 +8078,7 @@
         <p:spPr>
           <a:xfrm>
             <a:off x="360000" y="360000"/>
-            <a:ext cx="9356040" cy="896040"/>
+            <a:ext cx="9355320" cy="895320"/>
           </a:xfrm>
           <a:prstGeom prst="rect">
             <a:avLst/>
@@ -8856,7 +8151,7 @@
         <p:spPr>
           <a:xfrm>
             <a:off x="897120" y="6886080"/>
-            <a:ext cx="6443280" cy="361080"/>
+            <a:ext cx="6442560" cy="360360"/>
           </a:xfrm>
           <a:prstGeom prst="rect">
             <a:avLst/>
@@ -8908,7 +8203,7 @@
         <p:spPr>
           <a:xfrm>
             <a:off x="7608600" y="6886080"/>
-            <a:ext cx="2281320" cy="361080"/>
+            <a:ext cx="2280600" cy="360360"/>
           </a:xfrm>
           <a:prstGeom prst="rect">
             <a:avLst/>
@@ -8970,7 +8265,7 @@
         <p:spPr>
           <a:xfrm>
             <a:off x="200160" y="1742760"/>
-            <a:ext cx="9515880" cy="912600"/>
+            <a:ext cx="9515160" cy="912600"/>
           </a:xfrm>
           <a:prstGeom prst="rect">
             <a:avLst/>
@@ -9116,7 +8411,7 @@
         <p:spPr>
           <a:xfrm>
             <a:off x="1083960" y="2972520"/>
-            <a:ext cx="3136680" cy="1102680"/>
+            <a:ext cx="3135960" cy="1101960"/>
           </a:xfrm>
           <a:prstGeom prst="rect">
             <a:avLst/>
@@ -9139,7 +8434,7 @@
         <p:spPr>
           <a:xfrm>
             <a:off x="928440" y="4327560"/>
-            <a:ext cx="3292200" cy="705240"/>
+            <a:ext cx="3291480" cy="704520"/>
           </a:xfrm>
           <a:prstGeom prst="rect">
             <a:avLst/>
@@ -9162,7 +8457,7 @@
         <p:spPr>
           <a:xfrm>
             <a:off x="5192640" y="2496240"/>
-            <a:ext cx="3708720" cy="2980080"/>
+            <a:ext cx="3708000" cy="2979360"/>
           </a:xfrm>
           <a:prstGeom prst="rect">
             <a:avLst/>
@@ -9211,7 +8506,7 @@
         <p:spPr>
           <a:xfrm>
             <a:off x="360000" y="360000"/>
-            <a:ext cx="9356040" cy="896040"/>
+            <a:ext cx="9355320" cy="895320"/>
           </a:xfrm>
           <a:prstGeom prst="rect">
             <a:avLst/>
@@ -9284,7 +8579,7 @@
         <p:spPr>
           <a:xfrm>
             <a:off x="897120" y="6886080"/>
-            <a:ext cx="6443280" cy="361080"/>
+            <a:ext cx="6442560" cy="360360"/>
           </a:xfrm>
           <a:prstGeom prst="rect">
             <a:avLst/>
@@ -9336,7 +8631,7 @@
         <p:spPr>
           <a:xfrm>
             <a:off x="7608600" y="6886080"/>
-            <a:ext cx="2281320" cy="361080"/>
+            <a:ext cx="2280600" cy="360360"/>
           </a:xfrm>
           <a:prstGeom prst="rect">
             <a:avLst/>
@@ -9398,7 +8693,7 @@
         <p:spPr>
           <a:xfrm>
             <a:off x="374040" y="1748880"/>
-            <a:ext cx="9515880" cy="363960"/>
+            <a:ext cx="9515160" cy="363960"/>
           </a:xfrm>
           <a:prstGeom prst="rect">
             <a:avLst/>
@@ -9458,7 +8753,7 @@
         <p:spPr>
           <a:xfrm>
             <a:off x="1241280" y="2591640"/>
-            <a:ext cx="7362720" cy="3155400"/>
+            <a:ext cx="7362000" cy="3154680"/>
           </a:xfrm>
           <a:prstGeom prst="rect">
             <a:avLst/>
@@ -9507,7 +8802,7 @@
         <p:spPr>
           <a:xfrm>
             <a:off x="360000" y="360000"/>
-            <a:ext cx="9356040" cy="896040"/>
+            <a:ext cx="9355320" cy="895320"/>
           </a:xfrm>
           <a:prstGeom prst="rect">
             <a:avLst/>
@@ -9580,7 +8875,7 @@
         <p:spPr>
           <a:xfrm>
             <a:off x="897120" y="6886080"/>
-            <a:ext cx="6443280" cy="361080"/>
+            <a:ext cx="6442560" cy="360360"/>
           </a:xfrm>
           <a:prstGeom prst="rect">
             <a:avLst/>
@@ -9632,7 +8927,7 @@
         <p:spPr>
           <a:xfrm>
             <a:off x="7608600" y="6886080"/>
-            <a:ext cx="2281320" cy="361080"/>
+            <a:ext cx="2280600" cy="360360"/>
           </a:xfrm>
           <a:prstGeom prst="rect">
             <a:avLst/>
@@ -9694,7 +8989,7 @@
         <p:spPr>
           <a:xfrm>
             <a:off x="374040" y="1748880"/>
-            <a:ext cx="9515880" cy="638280"/>
+            <a:ext cx="9515160" cy="638280"/>
           </a:xfrm>
           <a:prstGeom prst="rect">
             <a:avLst/>
@@ -9765,7 +9060,7 @@
         <p:spPr>
           <a:xfrm>
             <a:off x="2257560" y="2395080"/>
-            <a:ext cx="6050520" cy="3547080"/>
+            <a:ext cx="6049800" cy="3546360"/>
           </a:xfrm>
           <a:prstGeom prst="rect">
             <a:avLst/>
@@ -9814,7 +9109,7 @@
         <p:spPr>
           <a:xfrm>
             <a:off x="360000" y="360000"/>
-            <a:ext cx="9356040" cy="896040"/>
+            <a:ext cx="9355320" cy="895320"/>
           </a:xfrm>
           <a:prstGeom prst="rect">
             <a:avLst/>
@@ -9887,7 +9182,7 @@
         <p:spPr>
           <a:xfrm>
             <a:off x="897120" y="6886080"/>
-            <a:ext cx="6443280" cy="361080"/>
+            <a:ext cx="6442560" cy="360360"/>
           </a:xfrm>
           <a:prstGeom prst="rect">
             <a:avLst/>
@@ -9939,7 +9234,7 @@
         <p:spPr>
           <a:xfrm>
             <a:off x="7608600" y="6886080"/>
-            <a:ext cx="2281320" cy="361080"/>
+            <a:ext cx="2280600" cy="360360"/>
           </a:xfrm>
           <a:prstGeom prst="rect">
             <a:avLst/>
@@ -10001,7 +9296,7 @@
         <p:spPr>
           <a:xfrm>
             <a:off x="374040" y="1748880"/>
-            <a:ext cx="9515880" cy="638280"/>
+            <a:ext cx="9515160" cy="638280"/>
           </a:xfrm>
           <a:prstGeom prst="rect">
             <a:avLst/>
@@ -10072,7 +9367,7 @@
         <p:spPr>
           <a:xfrm>
             <a:off x="2257560" y="2395080"/>
-            <a:ext cx="6050520" cy="3547080"/>
+            <a:ext cx="6049800" cy="3546360"/>
           </a:xfrm>
           <a:prstGeom prst="rect">
             <a:avLst/>
@@ -10090,8 +9385,8 @@
         </p:nvSpPr>
         <p:spPr>
           <a:xfrm rot="19501800">
-            <a:off x="5591160" y="2880720"/>
-            <a:ext cx="45360" cy="221760"/>
+            <a:off x="5590440" y="2880720"/>
+            <a:ext cx="44640" cy="221040"/>
           </a:xfrm>
           <a:prstGeom prst="downArrow">
             <a:avLst>
@@ -10132,8 +9427,8 @@
         </p:nvSpPr>
         <p:spPr>
           <a:xfrm rot="3757800">
-            <a:off x="5038200" y="5324400"/>
-            <a:ext cx="45360" cy="221760"/>
+            <a:off x="5038560" y="5324040"/>
+            <a:ext cx="44640" cy="221040"/>
           </a:xfrm>
           <a:prstGeom prst="downArrow">
             <a:avLst>
@@ -10205,7 +9500,7 @@
         <p:spPr>
           <a:xfrm>
             <a:off x="360000" y="360000"/>
-            <a:ext cx="9356040" cy="896040"/>
+            <a:ext cx="9355320" cy="895320"/>
           </a:xfrm>
           <a:prstGeom prst="rect">
             <a:avLst/>
@@ -10278,7 +9573,7 @@
         <p:spPr>
           <a:xfrm>
             <a:off x="897120" y="6886080"/>
-            <a:ext cx="6443280" cy="361080"/>
+            <a:ext cx="6442560" cy="360360"/>
           </a:xfrm>
           <a:prstGeom prst="rect">
             <a:avLst/>
@@ -10330,7 +9625,7 @@
         <p:spPr>
           <a:xfrm>
             <a:off x="7608600" y="6886080"/>
-            <a:ext cx="2281320" cy="361080"/>
+            <a:ext cx="2280600" cy="360360"/>
           </a:xfrm>
           <a:prstGeom prst="rect">
             <a:avLst/>
@@ -10392,7 +9687,7 @@
         <p:spPr>
           <a:xfrm>
             <a:off x="200160" y="1742760"/>
-            <a:ext cx="9515880" cy="638280"/>
+            <a:ext cx="9515160" cy="638280"/>
           </a:xfrm>
           <a:prstGeom prst="rect">
             <a:avLst/>
@@ -10463,7 +9758,7 @@
         <p:spPr>
           <a:xfrm>
             <a:off x="0" y="2306160"/>
-            <a:ext cx="5878440" cy="4408560"/>
+            <a:ext cx="5877720" cy="4407840"/>
           </a:xfrm>
           <a:prstGeom prst="rect">
             <a:avLst/>
@@ -10486,7 +9781,7 @@
         <p:spPr>
           <a:xfrm>
             <a:off x="5881320" y="2753280"/>
-            <a:ext cx="3834720" cy="3319560"/>
+            <a:ext cx="3834000" cy="3318840"/>
           </a:xfrm>
           <a:prstGeom prst="rect">
             <a:avLst/>
@@ -10535,7 +9830,7 @@
         <p:spPr>
           <a:xfrm>
             <a:off x="360000" y="360000"/>
-            <a:ext cx="9356040" cy="896040"/>
+            <a:ext cx="9355320" cy="895320"/>
           </a:xfrm>
           <a:prstGeom prst="rect">
             <a:avLst/>
@@ -10608,7 +9903,7 @@
         <p:spPr>
           <a:xfrm>
             <a:off x="897120" y="6886080"/>
-            <a:ext cx="6443280" cy="361080"/>
+            <a:ext cx="6442560" cy="360360"/>
           </a:xfrm>
           <a:prstGeom prst="rect">
             <a:avLst/>
@@ -10660,7 +9955,7 @@
         <p:spPr>
           <a:xfrm>
             <a:off x="7608600" y="6886080"/>
-            <a:ext cx="2281320" cy="361080"/>
+            <a:ext cx="2280600" cy="360360"/>
           </a:xfrm>
           <a:prstGeom prst="rect">
             <a:avLst/>
@@ -10726,7 +10021,7 @@
         <p:spPr>
           <a:xfrm>
             <a:off x="2966760" y="1509480"/>
-            <a:ext cx="5262480" cy="5298480"/>
+            <a:ext cx="5261760" cy="5297760"/>
           </a:xfrm>
           <a:prstGeom prst="rect">
             <a:avLst/>
@@ -10775,7 +10070,7 @@
         <p:spPr>
           <a:xfrm>
             <a:off x="360000" y="360000"/>
-            <a:ext cx="9356040" cy="896040"/>
+            <a:ext cx="9355320" cy="895320"/>
           </a:xfrm>
           <a:prstGeom prst="rect">
             <a:avLst/>
@@ -10848,7 +10143,7 @@
         <p:spPr>
           <a:xfrm>
             <a:off x="897120" y="6886080"/>
-            <a:ext cx="6443280" cy="361080"/>
+            <a:ext cx="6442560" cy="360360"/>
           </a:xfrm>
           <a:prstGeom prst="rect">
             <a:avLst/>
@@ -10900,7 +10195,7 @@
         <p:spPr>
           <a:xfrm>
             <a:off x="7608600" y="6886080"/>
-            <a:ext cx="2281320" cy="361080"/>
+            <a:ext cx="2280600" cy="360360"/>
           </a:xfrm>
           <a:prstGeom prst="rect">
             <a:avLst/>
@@ -10962,7 +10257,7 @@
         <p:spPr>
           <a:xfrm>
             <a:off x="200160" y="1742760"/>
-            <a:ext cx="9515880" cy="363960"/>
+            <a:ext cx="9515160" cy="363960"/>
           </a:xfrm>
           <a:prstGeom prst="rect">
             <a:avLst/>
@@ -11022,7 +10317,7 @@
         <p:spPr>
           <a:xfrm>
             <a:off x="2730600" y="2323080"/>
-            <a:ext cx="4406400" cy="3867840"/>
+            <a:ext cx="4405680" cy="3867120"/>
           </a:xfrm>
           <a:prstGeom prst="rect">
             <a:avLst/>
@@ -11071,7 +10366,7 @@
         <p:spPr>
           <a:xfrm>
             <a:off x="360000" y="360000"/>
-            <a:ext cx="9356040" cy="896040"/>
+            <a:ext cx="9355320" cy="895320"/>
           </a:xfrm>
           <a:prstGeom prst="rect">
             <a:avLst/>
@@ -11144,7 +10439,7 @@
         <p:spPr>
           <a:xfrm>
             <a:off x="897120" y="6886080"/>
-            <a:ext cx="6443280" cy="361080"/>
+            <a:ext cx="6442560" cy="360360"/>
           </a:xfrm>
           <a:prstGeom prst="rect">
             <a:avLst/>
@@ -11196,7 +10491,7 @@
         <p:spPr>
           <a:xfrm>
             <a:off x="7608600" y="6886080"/>
-            <a:ext cx="2281320" cy="361080"/>
+            <a:ext cx="2280600" cy="360360"/>
           </a:xfrm>
           <a:prstGeom prst="rect">
             <a:avLst/>
@@ -11258,7 +10553,7 @@
         <p:spPr>
           <a:xfrm>
             <a:off x="200160" y="1742760"/>
-            <a:ext cx="9515880" cy="363960"/>
+            <a:ext cx="9515160" cy="363960"/>
           </a:xfrm>
           <a:prstGeom prst="rect">
             <a:avLst/>
@@ -11314,9 +10609,9 @@
         <p:grpSpPr>
           <a:xfrm>
             <a:off x="749160" y="2856600"/>
-            <a:ext cx="8188920" cy="3603960"/>
+            <a:ext cx="8188200" cy="3603240"/>
             <a:chOff x="749160" y="2856600"/>
-            <a:chExt cx="8188920" cy="3603960"/>
+            <a:chExt cx="8188200" cy="3603240"/>
           </a:xfrm>
         </p:grpSpPr>
         <p:pic>
@@ -11332,7 +10627,7 @@
           <p:spPr>
             <a:xfrm>
               <a:off x="749160" y="2856600"/>
-              <a:ext cx="8188920" cy="3603960"/>
+              <a:ext cx="8188200" cy="3603240"/>
             </a:xfrm>
             <a:prstGeom prst="rect">
               <a:avLst/>
@@ -11351,7 +10646,7 @@
           <p:spPr>
             <a:xfrm>
               <a:off x="6051600" y="3451320"/>
-              <a:ext cx="1756080" cy="1870200"/>
+              <a:ext cx="1755360" cy="1869480"/>
             </a:xfrm>
             <a:custGeom>
               <a:avLst/>
@@ -11432,7 +10727,7 @@
         <p:spPr>
           <a:xfrm>
             <a:off x="2284560" y="2536920"/>
-            <a:ext cx="1435320" cy="363960"/>
+            <a:ext cx="1434600" cy="363960"/>
           </a:xfrm>
           <a:prstGeom prst="rect">
             <a:avLst/>
@@ -11484,7 +10779,7 @@
         <p:spPr>
           <a:xfrm>
             <a:off x="6385680" y="2545560"/>
-            <a:ext cx="1348560" cy="363960"/>
+            <a:ext cx="1347840" cy="363960"/>
           </a:xfrm>
           <a:prstGeom prst="rect">
             <a:avLst/>
@@ -11566,7 +10861,7 @@
         <p:spPr>
           <a:xfrm>
             <a:off x="360000" y="360000"/>
-            <a:ext cx="9356040" cy="896040"/>
+            <a:ext cx="9355320" cy="895320"/>
           </a:xfrm>
           <a:prstGeom prst="rect">
             <a:avLst/>
@@ -11639,7 +10934,7 @@
         <p:spPr>
           <a:xfrm>
             <a:off x="897120" y="6886080"/>
-            <a:ext cx="6443280" cy="361080"/>
+            <a:ext cx="6442560" cy="360360"/>
           </a:xfrm>
           <a:prstGeom prst="rect">
             <a:avLst/>
@@ -11691,7 +10986,7 @@
         <p:spPr>
           <a:xfrm>
             <a:off x="7608600" y="6886080"/>
-            <a:ext cx="2281320" cy="361080"/>
+            <a:ext cx="2280600" cy="360360"/>
           </a:xfrm>
           <a:prstGeom prst="rect">
             <a:avLst/>
@@ -11753,7 +11048,7 @@
         <p:spPr>
           <a:xfrm>
             <a:off x="200160" y="1742760"/>
-            <a:ext cx="9515880" cy="363960"/>
+            <a:ext cx="9515160" cy="363960"/>
           </a:xfrm>
           <a:prstGeom prst="rect">
             <a:avLst/>
@@ -11813,7 +11108,7 @@
         <p:spPr>
           <a:xfrm>
             <a:off x="1274760" y="4037760"/>
-            <a:ext cx="3350160" cy="2671200"/>
+            <a:ext cx="3349440" cy="2670480"/>
           </a:xfrm>
           <a:prstGeom prst="rect">
             <a:avLst/>
@@ -11831,7 +11126,7 @@
         </p:nvGraphicFramePr>
         <p:xfrm>
           <a:off x="5687640" y="3886200"/>
-          <a:ext cx="3306240" cy="2873880"/>
+          <a:ext cx="3305520" cy="2873160"/>
         </p:xfrm>
         <a:graphic>
           <a:graphicData uri="http://schemas.openxmlformats.org/presentationml/2006/ole">
@@ -11850,7 +11145,7 @@
                 <p:spPr>
                   <a:xfrm>
                     <a:off x="5687640" y="3886200"/>
-                    <a:ext cx="3306240" cy="2873880"/>
+                    <a:ext cx="3305520" cy="2873160"/>
                   </a:xfrm>
                   <a:prstGeom prst="rect">
                     <a:avLst/>
@@ -11872,7 +11167,7 @@
         </p:nvGraphicFramePr>
         <p:xfrm>
           <a:off x="3342960" y="1507320"/>
-          <a:ext cx="3306240" cy="2745360"/>
+          <a:ext cx="3305520" cy="2744640"/>
         </p:xfrm>
         <a:graphic>
           <a:graphicData uri="http://schemas.openxmlformats.org/presentationml/2006/ole">
@@ -11891,7 +11186,7 @@
                 <p:spPr>
                   <a:xfrm>
                     <a:off x="3342960" y="1507320"/>
-                    <a:ext cx="3306240" cy="2745360"/>
+                    <a:ext cx="3305520" cy="2744640"/>
                   </a:xfrm>
                   <a:prstGeom prst="rect">
                     <a:avLst/>
@@ -11918,7 +11213,7 @@
         <p:spPr>
           <a:xfrm>
             <a:off x="5676840" y="3873600"/>
-            <a:ext cx="3301920" cy="2870280"/>
+            <a:ext cx="3301200" cy="2869560"/>
           </a:xfrm>
           <a:prstGeom prst="rect">
             <a:avLst/>
@@ -11941,7 +11236,7 @@
         <p:spPr>
           <a:xfrm>
             <a:off x="3340080" y="1498680"/>
-            <a:ext cx="3301920" cy="2743200"/>
+            <a:ext cx="3301200" cy="2742480"/>
           </a:xfrm>
           <a:prstGeom prst="rect">
             <a:avLst/>
@@ -11990,7 +11285,7 @@
         <p:spPr>
           <a:xfrm>
             <a:off x="360000" y="360000"/>
-            <a:ext cx="9356040" cy="896040"/>
+            <a:ext cx="9355320" cy="895320"/>
           </a:xfrm>
           <a:prstGeom prst="rect">
             <a:avLst/>
@@ -12042,7 +11337,7 @@
         <p:spPr>
           <a:xfrm>
             <a:off x="897120" y="6886080"/>
-            <a:ext cx="6443280" cy="361080"/>
+            <a:ext cx="6442560" cy="360360"/>
           </a:xfrm>
           <a:prstGeom prst="rect">
             <a:avLst/>
@@ -12094,7 +11389,7 @@
         <p:spPr>
           <a:xfrm>
             <a:off x="7608600" y="6886080"/>
-            <a:ext cx="2281320" cy="361080"/>
+            <a:ext cx="2280600" cy="360360"/>
           </a:xfrm>
           <a:prstGeom prst="rect">
             <a:avLst/>
@@ -12167,7 +11462,7 @@
         <p:spPr>
           <a:xfrm>
             <a:off x="360000" y="1980000"/>
-            <a:ext cx="9176040" cy="4676040"/>
+            <a:ext cx="9175320" cy="4675320"/>
           </a:xfrm>
           <a:prstGeom prst="rect">
             <a:avLst/>
@@ -12405,7 +11700,7 @@
         <p:spPr>
           <a:xfrm>
             <a:off x="2124000" y="4627440"/>
-            <a:ext cx="6219720" cy="2104560"/>
+            <a:ext cx="6219000" cy="2103840"/>
           </a:xfrm>
           <a:prstGeom prst="rect">
             <a:avLst/>
@@ -12424,7 +11719,7 @@
         <p:spPr>
           <a:xfrm>
             <a:off x="2124000" y="6444000"/>
-            <a:ext cx="234000" cy="234000"/>
+            <a:ext cx="233280" cy="233280"/>
           </a:xfrm>
           <a:prstGeom prst="ellipse">
             <a:avLst/>
@@ -12454,7 +11749,7 @@
         <p:spPr>
           <a:xfrm>
             <a:off x="2592360" y="6444360"/>
-            <a:ext cx="234000" cy="234000"/>
+            <a:ext cx="233280" cy="233280"/>
           </a:xfrm>
           <a:prstGeom prst="ellipse">
             <a:avLst/>
@@ -12484,7 +11779,7 @@
         <p:spPr>
           <a:xfrm>
             <a:off x="3024720" y="6444720"/>
-            <a:ext cx="234000" cy="234000"/>
+            <a:ext cx="233280" cy="233280"/>
           </a:xfrm>
           <a:prstGeom prst="ellipse">
             <a:avLst/>
@@ -12514,7 +11809,7 @@
         <p:spPr>
           <a:xfrm>
             <a:off x="3834000" y="6480000"/>
-            <a:ext cx="234000" cy="234000"/>
+            <a:ext cx="233280" cy="233280"/>
           </a:xfrm>
           <a:prstGeom prst="ellipse">
             <a:avLst/>
@@ -12544,7 +11839,7 @@
         <p:spPr>
           <a:xfrm>
             <a:off x="4194000" y="6462000"/>
-            <a:ext cx="234000" cy="234000"/>
+            <a:ext cx="233280" cy="233280"/>
           </a:xfrm>
           <a:prstGeom prst="ellipse">
             <a:avLst/>
@@ -12574,7 +11869,7 @@
         <p:spPr>
           <a:xfrm>
             <a:off x="4626360" y="6462360"/>
-            <a:ext cx="234000" cy="234000"/>
+            <a:ext cx="233280" cy="233280"/>
           </a:xfrm>
           <a:prstGeom prst="ellipse">
             <a:avLst/>
@@ -12634,7 +11929,7 @@
         <p:spPr>
           <a:xfrm>
             <a:off x="360000" y="360000"/>
-            <a:ext cx="9356040" cy="896040"/>
+            <a:ext cx="9355320" cy="895320"/>
           </a:xfrm>
           <a:prstGeom prst="rect">
             <a:avLst/>
@@ -12707,7 +12002,7 @@
         <p:spPr>
           <a:xfrm>
             <a:off x="897120" y="6886080"/>
-            <a:ext cx="6443280" cy="361080"/>
+            <a:ext cx="6442560" cy="360360"/>
           </a:xfrm>
           <a:prstGeom prst="rect">
             <a:avLst/>
@@ -12759,7 +12054,7 @@
         <p:spPr>
           <a:xfrm>
             <a:off x="7608600" y="6886080"/>
-            <a:ext cx="2281320" cy="361080"/>
+            <a:ext cx="2280600" cy="360360"/>
           </a:xfrm>
           <a:prstGeom prst="rect">
             <a:avLst/>
@@ -12825,7 +12120,7 @@
         <p:spPr>
           <a:xfrm>
             <a:off x="1028880" y="2191320"/>
-            <a:ext cx="7728480" cy="4462920"/>
+            <a:ext cx="7727760" cy="4462200"/>
           </a:xfrm>
           <a:prstGeom prst="rect">
             <a:avLst/>
@@ -12844,7 +12139,7 @@
         <p:spPr>
           <a:xfrm>
             <a:off x="200160" y="1719360"/>
-            <a:ext cx="1945800" cy="363960"/>
+            <a:ext cx="1945080" cy="363960"/>
           </a:xfrm>
           <a:prstGeom prst="rect">
             <a:avLst/>
@@ -12930,7 +12225,7 @@
         <p:spPr>
           <a:xfrm>
             <a:off x="360000" y="360000"/>
-            <a:ext cx="9356040" cy="896040"/>
+            <a:ext cx="9355320" cy="895320"/>
           </a:xfrm>
           <a:prstGeom prst="rect">
             <a:avLst/>
@@ -13003,7 +12298,7 @@
         <p:spPr>
           <a:xfrm>
             <a:off x="897120" y="6886080"/>
-            <a:ext cx="6443280" cy="361080"/>
+            <a:ext cx="6442560" cy="360360"/>
           </a:xfrm>
           <a:prstGeom prst="rect">
             <a:avLst/>
@@ -13055,7 +12350,7 @@
         <p:spPr>
           <a:xfrm>
             <a:off x="7608600" y="6886080"/>
-            <a:ext cx="2281320" cy="361080"/>
+            <a:ext cx="2280600" cy="360360"/>
           </a:xfrm>
           <a:prstGeom prst="rect">
             <a:avLst/>
@@ -13117,7 +12412,7 @@
         <p:spPr>
           <a:xfrm>
             <a:off x="200160" y="1742760"/>
-            <a:ext cx="9515880" cy="638280"/>
+            <a:ext cx="9515160" cy="638280"/>
           </a:xfrm>
           <a:prstGeom prst="rect">
             <a:avLst/>
@@ -13188,7 +12483,7 @@
         <p:spPr>
           <a:xfrm>
             <a:off x="1500120" y="2388960"/>
-            <a:ext cx="6915600" cy="3844440"/>
+            <a:ext cx="6914880" cy="3843720"/>
           </a:xfrm>
           <a:prstGeom prst="rect">
             <a:avLst/>
@@ -13237,7 +12532,7 @@
         <p:spPr>
           <a:xfrm>
             <a:off x="360000" y="360000"/>
-            <a:ext cx="9356040" cy="896040"/>
+            <a:ext cx="9355320" cy="895320"/>
           </a:xfrm>
           <a:prstGeom prst="rect">
             <a:avLst/>
@@ -13310,7 +12605,7 @@
         <p:spPr>
           <a:xfrm>
             <a:off x="897120" y="6886080"/>
-            <a:ext cx="6443280" cy="361080"/>
+            <a:ext cx="6442560" cy="360360"/>
           </a:xfrm>
           <a:prstGeom prst="rect">
             <a:avLst/>
@@ -13362,7 +12657,7 @@
         <p:spPr>
           <a:xfrm>
             <a:off x="7608600" y="6886080"/>
-            <a:ext cx="2281320" cy="361080"/>
+            <a:ext cx="2280600" cy="360360"/>
           </a:xfrm>
           <a:prstGeom prst="rect">
             <a:avLst/>
@@ -13424,7 +12719,7 @@
         <p:spPr>
           <a:xfrm>
             <a:off x="200160" y="1742760"/>
-            <a:ext cx="9515880" cy="638280"/>
+            <a:ext cx="9515160" cy="638280"/>
           </a:xfrm>
           <a:prstGeom prst="rect">
             <a:avLst/>
@@ -13491,7 +12786,7 @@
         <p:spPr>
           <a:xfrm>
             <a:off x="4888080" y="3627360"/>
-            <a:ext cx="304560" cy="304560"/>
+            <a:ext cx="303840" cy="303840"/>
           </a:xfrm>
           <a:prstGeom prst="rect">
             <a:avLst/>
@@ -13521,7 +12816,7 @@
         <p:spPr>
           <a:xfrm>
             <a:off x="1058760" y="2446200"/>
-            <a:ext cx="8096040" cy="3924000"/>
+            <a:ext cx="8095320" cy="3923280"/>
           </a:xfrm>
           <a:prstGeom prst="rect">
             <a:avLst/>
@@ -13574,7 +12869,7 @@
         <p:spPr>
           <a:xfrm>
             <a:off x="5951880" y="1448640"/>
-            <a:ext cx="3561840" cy="2507040"/>
+            <a:ext cx="3561120" cy="2506320"/>
           </a:xfrm>
           <a:prstGeom prst="rect">
             <a:avLst/>
@@ -13593,7 +12888,7 @@
         <p:spPr>
           <a:xfrm>
             <a:off x="360000" y="360000"/>
-            <a:ext cx="9356040" cy="896040"/>
+            <a:ext cx="9355320" cy="895320"/>
           </a:xfrm>
           <a:prstGeom prst="rect">
             <a:avLst/>
@@ -13645,7 +12940,7 @@
         <p:spPr>
           <a:xfrm>
             <a:off x="897120" y="6886080"/>
-            <a:ext cx="6443280" cy="361080"/>
+            <a:ext cx="6442560" cy="360360"/>
           </a:xfrm>
           <a:prstGeom prst="rect">
             <a:avLst/>
@@ -13697,7 +12992,7 @@
         <p:spPr>
           <a:xfrm>
             <a:off x="7608600" y="6886080"/>
-            <a:ext cx="2281320" cy="361080"/>
+            <a:ext cx="2280600" cy="360360"/>
           </a:xfrm>
           <a:prstGeom prst="rect">
             <a:avLst/>
@@ -13759,7 +13054,7 @@
         <p:spPr>
           <a:xfrm>
             <a:off x="200160" y="1693440"/>
-            <a:ext cx="7521480" cy="2558520"/>
+            <a:ext cx="7520760" cy="2527560"/>
           </a:xfrm>
           <a:prstGeom prst="rect">
             <a:avLst/>
@@ -13816,7 +13111,7 @@
               <a:buChar char="•"/>
             </a:pPr>
             <a:r>
-              <a:rPr b="1" lang="en-US" sz="1800" spc="-1" strike="noStrike">
+              <a:rPr b="1" lang="en-US" sz="1600" spc="-1" strike="noStrike">
                 <a:solidFill>
                   <a:srgbClr val="000000"/>
                 </a:solidFill>
@@ -13826,7 +13121,7 @@
               <a:t>Correctly classified </a:t>
             </a:r>
             <a:r>
-              <a:rPr b="0" lang="en-US" sz="1800" spc="-1" strike="noStrike">
+              <a:rPr b="0" lang="en-US" sz="1600" spc="-1" strike="noStrike">
                 <a:solidFill>
                   <a:srgbClr val="000000"/>
                 </a:solidFill>
@@ -13836,7 +13131,7 @@
               <a:t>instances over </a:t>
             </a:r>
             <a:r>
-              <a:rPr b="1" lang="en-US" sz="1800" spc="-1" strike="noStrike">
+              <a:rPr b="1" lang="en-US" sz="1600" spc="-1" strike="noStrike">
                 <a:solidFill>
                   <a:srgbClr val="000000"/>
                 </a:solidFill>
@@ -13846,7 +13141,7 @@
               <a:t>total </a:t>
             </a:r>
             <a:r>
-              <a:rPr b="0" lang="en-US" sz="1800" spc="-1" strike="noStrike">
+              <a:rPr b="0" lang="en-US" sz="1600" spc="-1" strike="noStrike">
                 <a:solidFill>
                   <a:srgbClr val="000000"/>
                 </a:solidFill>
@@ -13855,7 +13150,7 @@
               </a:rPr>
               <a:t>instances</a:t>
             </a:r>
-            <a:endParaRPr b="0" lang="pt-BR" sz="1800" spc="-1" strike="noStrike">
+            <a:endParaRPr b="0" lang="pt-BR" sz="1600" spc="-1" strike="noStrike">
               <a:latin typeface="Arial"/>
             </a:endParaRPr>
           </a:p>
@@ -13961,7 +13256,7 @@
         <p:spPr>
           <a:xfrm>
             <a:off x="4888080" y="3627360"/>
-            <a:ext cx="304560" cy="304560"/>
+            <a:ext cx="303840" cy="303840"/>
           </a:xfrm>
           <a:prstGeom prst="rect">
             <a:avLst/>
@@ -13991,7 +13286,7 @@
         <p:spPr>
           <a:xfrm>
             <a:off x="1024200" y="2495520"/>
-            <a:ext cx="3539520" cy="623520"/>
+            <a:ext cx="3538800" cy="622800"/>
           </a:xfrm>
           <a:prstGeom prst="rect">
             <a:avLst/>
@@ -14010,7 +13305,7 @@
         <p:spPr>
           <a:xfrm>
             <a:off x="200160" y="4215240"/>
-            <a:ext cx="5038200" cy="1735560"/>
+            <a:ext cx="5037480" cy="1735560"/>
           </a:xfrm>
           <a:prstGeom prst="rect">
             <a:avLst/>
@@ -14167,7 +13462,7 @@
         <p:spPr>
           <a:xfrm>
             <a:off x="5995440" y="4273560"/>
-            <a:ext cx="3474720" cy="2412360"/>
+            <a:ext cx="3474000" cy="2411640"/>
           </a:xfrm>
           <a:prstGeom prst="rect">
             <a:avLst/>
@@ -14250,7 +13545,7 @@
         <p:spPr>
           <a:xfrm>
             <a:off x="360000" y="360000"/>
-            <a:ext cx="9356040" cy="896040"/>
+            <a:ext cx="9355320" cy="895320"/>
           </a:xfrm>
           <a:prstGeom prst="rect">
             <a:avLst/>
@@ -14302,7 +13597,7 @@
         <p:spPr>
           <a:xfrm>
             <a:off x="897120" y="6886080"/>
-            <a:ext cx="6443280" cy="361080"/>
+            <a:ext cx="6442560" cy="360360"/>
           </a:xfrm>
           <a:prstGeom prst="rect">
             <a:avLst/>
@@ -14354,7 +13649,7 @@
         <p:spPr>
           <a:xfrm>
             <a:off x="7608600" y="6886080"/>
-            <a:ext cx="2281320" cy="361080"/>
+            <a:ext cx="2280600" cy="360360"/>
           </a:xfrm>
           <a:prstGeom prst="rect">
             <a:avLst/>
@@ -14416,7 +13711,7 @@
         <p:spPr>
           <a:xfrm>
             <a:off x="200160" y="1693440"/>
-            <a:ext cx="7521480" cy="2832840"/>
+            <a:ext cx="7520760" cy="2832840"/>
           </a:xfrm>
           <a:prstGeom prst="rect">
             <a:avLst/>
@@ -14609,7 +13904,7 @@
             </a:endParaRPr>
           </a:p>
           <a:p>
-            <a:pPr>
+            <a:pPr marL="457200">
               <a:lnSpc>
                 <a:spcPct val="100000"/>
               </a:lnSpc>
@@ -14620,7 +13915,7 @@
             </a:endParaRPr>
           </a:p>
           <a:p>
-            <a:pPr>
+            <a:pPr marL="457200">
               <a:lnSpc>
                 <a:spcPct val="100000"/>
               </a:lnSpc>
@@ -14631,7 +13926,7 @@
             </a:endParaRPr>
           </a:p>
           <a:p>
-            <a:pPr>
+            <a:pPr marL="457200">
               <a:lnSpc>
                 <a:spcPct val="100000"/>
               </a:lnSpc>
@@ -14699,7 +13994,7 @@
         <p:spPr>
           <a:xfrm>
             <a:off x="4888080" y="3627360"/>
-            <a:ext cx="304560" cy="304560"/>
+            <a:ext cx="303840" cy="303840"/>
           </a:xfrm>
           <a:prstGeom prst="rect">
             <a:avLst/>
@@ -14725,7 +14020,7 @@
         <p:spPr>
           <a:xfrm>
             <a:off x="200160" y="4215240"/>
-            <a:ext cx="5616000" cy="3107160"/>
+            <a:ext cx="5615280" cy="2465640"/>
           </a:xfrm>
           <a:prstGeom prst="rect">
             <a:avLst/>
@@ -14793,7 +14088,7 @@
               <a:buChar char="•"/>
             </a:pPr>
             <a:r>
-              <a:rPr b="0" lang="en-US" sz="1800" spc="-1" strike="noStrike">
+              <a:rPr b="0" lang="en-US" sz="1600" spc="-1" strike="noStrike">
                 <a:solidFill>
                   <a:srgbClr val="000000"/>
                 </a:solidFill>
@@ -14803,7 +14098,7 @@
               <a:t>Correctly </a:t>
             </a:r>
             <a:r>
-              <a:rPr b="1" lang="en-US" sz="1800" spc="-1" strike="noStrike">
+              <a:rPr b="1" lang="en-US" sz="1600" spc="-1" strike="noStrike">
                 <a:solidFill>
                   <a:srgbClr val="000000"/>
                 </a:solidFill>
@@ -14813,7 +14108,7 @@
               <a:t>positive</a:t>
             </a:r>
             <a:r>
-              <a:rPr b="0" lang="en-US" sz="1800" spc="-1" strike="noStrike">
+              <a:rPr b="0" lang="en-US" sz="1600" spc="-1" strike="noStrike">
                 <a:solidFill>
                   <a:srgbClr val="000000"/>
                 </a:solidFill>
@@ -14823,7 +14118,7 @@
               <a:t> </a:t>
             </a:r>
             <a:r>
-              <a:rPr b="1" lang="en-US" sz="1800" spc="-1" strike="noStrike">
+              <a:rPr b="1" lang="en-US" sz="1600" spc="-1" strike="noStrike">
                 <a:solidFill>
                   <a:srgbClr val="000000"/>
                 </a:solidFill>
@@ -14832,8 +14127,23 @@
               </a:rPr>
               <a:t>classified instances </a:t>
             </a:r>
-            <a:r>
-              <a:rPr b="0" lang="en-US" sz="1800" spc="-1" strike="noStrike">
+            <a:endParaRPr b="0" lang="pt-BR" sz="1600" spc="-1" strike="noStrike">
+              <a:latin typeface="Arial"/>
+            </a:endParaRPr>
+          </a:p>
+          <a:p>
+            <a:pPr lvl="1" marL="743040" indent="-285840">
+              <a:lnSpc>
+                <a:spcPct val="100000"/>
+              </a:lnSpc>
+              <a:buClr>
+                <a:srgbClr val="000000"/>
+              </a:buClr>
+              <a:buFont typeface="Arial"/>
+              <a:buChar char="•"/>
+            </a:pPr>
+            <a:r>
+              <a:rPr b="0" lang="en-US" sz="1600" spc="-1" strike="noStrike">
                 <a:solidFill>
                   <a:srgbClr val="000000"/>
                 </a:solidFill>
@@ -14842,6 +14152,82 @@
               </a:rPr>
               <a:t>over </a:t>
             </a:r>
+            <a:r>
+              <a:rPr b="1" lang="en-US" sz="1600" spc="-1" strike="noStrike">
+                <a:solidFill>
+                  <a:srgbClr val="000000"/>
+                </a:solidFill>
+                <a:latin typeface="Calibri"/>
+                <a:ea typeface="DejaVu Sans"/>
+              </a:rPr>
+              <a:t>positive</a:t>
+            </a:r>
+            <a:r>
+              <a:rPr b="0" lang="en-US" sz="1600" spc="-1" strike="noStrike">
+                <a:solidFill>
+                  <a:srgbClr val="000000"/>
+                </a:solidFill>
+                <a:latin typeface="Calibri"/>
+                <a:ea typeface="DejaVu Sans"/>
+              </a:rPr>
+              <a:t> </a:t>
+            </a:r>
+            <a:r>
+              <a:rPr b="1" lang="en-US" sz="1600" spc="-1" strike="noStrike">
+                <a:solidFill>
+                  <a:srgbClr val="000000"/>
+                </a:solidFill>
+                <a:latin typeface="Calibri"/>
+                <a:ea typeface="DejaVu Sans"/>
+              </a:rPr>
+              <a:t>instances</a:t>
+            </a:r>
+            <a:r>
+              <a:rPr b="0" lang="en-US" sz="1600" spc="-1" strike="noStrike">
+                <a:solidFill>
+                  <a:srgbClr val="000000"/>
+                </a:solidFill>
+                <a:latin typeface="Calibri"/>
+                <a:ea typeface="DejaVu Sans"/>
+              </a:rPr>
+              <a:t> </a:t>
+            </a:r>
+            <a:endParaRPr b="0" lang="pt-BR" sz="1600" spc="-1" strike="noStrike">
+              <a:latin typeface="Arial"/>
+            </a:endParaRPr>
+          </a:p>
+          <a:p>
+            <a:pPr lvl="1" marL="743040" indent="-285840">
+              <a:lnSpc>
+                <a:spcPct val="100000"/>
+              </a:lnSpc>
+              <a:buClr>
+                <a:srgbClr val="000000"/>
+              </a:buClr>
+              <a:buFont typeface="Arial"/>
+              <a:buChar char="•"/>
+            </a:pPr>
+            <a:r>
+              <a:rPr b="0" lang="en-US" sz="1600" spc="-1" strike="noStrike">
+                <a:solidFill>
+                  <a:srgbClr val="000000"/>
+                </a:solidFill>
+                <a:latin typeface="Calibri"/>
+                <a:ea typeface="DejaVu Sans"/>
+              </a:rPr>
+              <a:t>(A.K.A Sensitivity or TP Rate)</a:t>
+            </a:r>
+            <a:endParaRPr b="0" lang="pt-BR" sz="1600" spc="-1" strike="noStrike">
+              <a:latin typeface="Arial"/>
+            </a:endParaRPr>
+          </a:p>
+          <a:p>
+            <a:pPr marL="457200">
+              <a:lnSpc>
+                <a:spcPct val="100000"/>
+              </a:lnSpc>
+              <a:buNone/>
+            </a:pPr>
             <a:endParaRPr b="0" lang="pt-BR" sz="1800" spc="-1" strike="noStrike">
               <a:latin typeface="Arial"/>
             </a:endParaRPr>
@@ -14853,95 +14239,12 @@
               </a:lnSpc>
               <a:buNone/>
             </a:pPr>
-            <a:r>
-              <a:rPr b="0" lang="en-US" sz="1800" spc="-1" strike="noStrike">
-                <a:solidFill>
-                  <a:srgbClr val="000000"/>
-                </a:solidFill>
-                <a:latin typeface="Calibri"/>
-                <a:ea typeface="DejaVu Sans"/>
-              </a:rPr>
-              <a:t>      </a:t>
-            </a:r>
-            <a:r>
-              <a:rPr b="1" lang="en-US" sz="1800" spc="-1" strike="noStrike">
-                <a:solidFill>
-                  <a:srgbClr val="000000"/>
-                </a:solidFill>
-                <a:latin typeface="Calibri"/>
-                <a:ea typeface="DejaVu Sans"/>
-              </a:rPr>
-              <a:t>positive</a:t>
-            </a:r>
-            <a:r>
-              <a:rPr b="0" lang="en-US" sz="1800" spc="-1" strike="noStrike">
-                <a:solidFill>
-                  <a:srgbClr val="000000"/>
-                </a:solidFill>
-                <a:latin typeface="Calibri"/>
-                <a:ea typeface="DejaVu Sans"/>
-              </a:rPr>
-              <a:t> </a:t>
-            </a:r>
-            <a:r>
-              <a:rPr b="1" lang="en-US" sz="1800" spc="-1" strike="noStrike">
-                <a:solidFill>
-                  <a:srgbClr val="000000"/>
-                </a:solidFill>
-                <a:latin typeface="Calibri"/>
-                <a:ea typeface="DejaVu Sans"/>
-              </a:rPr>
-              <a:t>instances</a:t>
-            </a:r>
-            <a:r>
-              <a:rPr b="0" lang="en-US" sz="1800" spc="-1" strike="noStrike">
-                <a:solidFill>
-                  <a:srgbClr val="000000"/>
-                </a:solidFill>
-                <a:latin typeface="Calibri"/>
-                <a:ea typeface="DejaVu Sans"/>
-              </a:rPr>
-              <a:t> (A.K.A Sensitivity or TP Rate)</a:t>
-            </a:r>
             <a:endParaRPr b="0" lang="pt-BR" sz="1800" spc="-1" strike="noStrike">
               <a:latin typeface="Arial"/>
             </a:endParaRPr>
           </a:p>
           <a:p>
-            <a:pPr>
-              <a:lnSpc>
-                <a:spcPct val="100000"/>
-              </a:lnSpc>
-              <a:buNone/>
-            </a:pPr>
-            <a:endParaRPr b="0" lang="pt-BR" sz="1800" spc="-1" strike="noStrike">
-              <a:latin typeface="Arial"/>
-            </a:endParaRPr>
-          </a:p>
-          <a:p>
-            <a:pPr>
-              <a:lnSpc>
-                <a:spcPct val="100000"/>
-              </a:lnSpc>
-              <a:buNone/>
-            </a:pPr>
-            <a:endParaRPr b="0" lang="pt-BR" sz="1800" spc="-1" strike="noStrike">
-              <a:latin typeface="Arial"/>
-            </a:endParaRPr>
-          </a:p>
-          <a:p>
-            <a:pPr>
-              <a:lnSpc>
-                <a:spcPct val="100000"/>
-              </a:lnSpc>
-              <a:buNone/>
-            </a:pPr>
-            <a:endParaRPr b="0" lang="pt-BR" sz="1800" spc="-1" strike="noStrike">
-              <a:latin typeface="Arial"/>
-            </a:endParaRPr>
-          </a:p>
-          <a:p>
-            <a:pPr>
+            <a:pPr marL="457200">
               <a:lnSpc>
                 <a:spcPct val="100000"/>
               </a:lnSpc>
@@ -14991,7 +14294,7 @@
         <p:spPr>
           <a:xfrm>
             <a:off x="5951880" y="1448640"/>
-            <a:ext cx="3561840" cy="2507040"/>
+            <a:ext cx="3561120" cy="2506320"/>
           </a:xfrm>
           <a:prstGeom prst="rect">
             <a:avLst/>
@@ -15048,7 +14351,7 @@
         <p:spPr>
           <a:xfrm>
             <a:off x="1057320" y="2732040"/>
-            <a:ext cx="2401560" cy="635040"/>
+            <a:ext cx="2400840" cy="634320"/>
           </a:xfrm>
           <a:prstGeom prst="rect">
             <a:avLst/>
@@ -15071,7 +14374,7 @@
         <p:spPr>
           <a:xfrm>
             <a:off x="897120" y="5698080"/>
-            <a:ext cx="2133360" cy="537480"/>
+            <a:ext cx="2132640" cy="536760"/>
           </a:xfrm>
           <a:prstGeom prst="rect">
             <a:avLst/>
@@ -15094,7 +14397,7 @@
         <p:spPr>
           <a:xfrm>
             <a:off x="5942160" y="4186440"/>
-            <a:ext cx="3634200" cy="2557800"/>
+            <a:ext cx="3633480" cy="2557080"/>
           </a:xfrm>
           <a:prstGeom prst="rect">
             <a:avLst/>
@@ -15143,7 +14446,7 @@
         <p:spPr>
           <a:xfrm>
             <a:off x="360000" y="360000"/>
-            <a:ext cx="9356040" cy="896040"/>
+            <a:ext cx="9355320" cy="895320"/>
           </a:xfrm>
           <a:prstGeom prst="rect">
             <a:avLst/>
@@ -15195,7 +14498,7 @@
         <p:spPr>
           <a:xfrm>
             <a:off x="897120" y="6886080"/>
-            <a:ext cx="6443280" cy="361080"/>
+            <a:ext cx="6442560" cy="360360"/>
           </a:xfrm>
           <a:prstGeom prst="rect">
             <a:avLst/>
@@ -15247,7 +14550,7 @@
         <p:spPr>
           <a:xfrm>
             <a:off x="7608600" y="6886080"/>
-            <a:ext cx="2281320" cy="361080"/>
+            <a:ext cx="2280600" cy="360360"/>
           </a:xfrm>
           <a:prstGeom prst="rect">
             <a:avLst/>
@@ -15309,7 +14612,7 @@
         <p:spPr>
           <a:xfrm>
             <a:off x="200160" y="1693440"/>
-            <a:ext cx="7521480" cy="2832840"/>
+            <a:ext cx="7520760" cy="2832840"/>
           </a:xfrm>
           <a:prstGeom prst="rect">
             <a:avLst/>
@@ -15422,7 +14725,7 @@
             </a:endParaRPr>
           </a:p>
           <a:p>
-            <a:pPr>
+            <a:pPr marL="457200">
               <a:lnSpc>
                 <a:spcPct val="100000"/>
               </a:lnSpc>
@@ -15433,7 +14736,7 @@
             </a:endParaRPr>
           </a:p>
           <a:p>
-            <a:pPr>
+            <a:pPr marL="457200">
               <a:lnSpc>
                 <a:spcPct val="100000"/>
               </a:lnSpc>
@@ -15444,7 +14747,7 @@
             </a:endParaRPr>
           </a:p>
           <a:p>
-            <a:pPr>
+            <a:pPr marL="457200">
               <a:lnSpc>
                 <a:spcPct val="100000"/>
               </a:lnSpc>
@@ -15512,7 +14815,7 @@
         <p:spPr>
           <a:xfrm>
             <a:off x="4888080" y="3627360"/>
-            <a:ext cx="304560" cy="304560"/>
+            <a:ext cx="303840" cy="303840"/>
           </a:xfrm>
           <a:prstGeom prst="rect">
             <a:avLst/>
@@ -15542,7 +14845,7 @@
         <p:spPr>
           <a:xfrm>
             <a:off x="5951880" y="1448640"/>
-            <a:ext cx="3561840" cy="2507040"/>
+            <a:ext cx="3561120" cy="2506320"/>
           </a:xfrm>
           <a:prstGeom prst="rect">
             <a:avLst/>
@@ -15560,8 +14863,8 @@
         </p:nvSpPr>
         <p:spPr>
           <a:xfrm>
-            <a:off x="3961080" y="6163200"/>
-            <a:ext cx="5611320" cy="820800"/>
+            <a:off x="3929040" y="4219200"/>
+            <a:ext cx="5610600" cy="820800"/>
           </a:xfrm>
           <a:prstGeom prst="rect">
             <a:avLst/>
@@ -15661,7 +14964,7 @@
         <p:spPr>
           <a:xfrm>
             <a:off x="1092240" y="2855520"/>
-            <a:ext cx="3384360" cy="523440"/>
+            <a:ext cx="3383640" cy="522720"/>
           </a:xfrm>
           <a:prstGeom prst="rect">
             <a:avLst/>
@@ -15680,7 +14983,7 @@
         <p:spPr>
           <a:xfrm>
             <a:off x="200160" y="4444200"/>
-            <a:ext cx="5041440" cy="2284200"/>
+            <a:ext cx="5040720" cy="2284200"/>
           </a:xfrm>
           <a:prstGeom prst="rect">
             <a:avLst/>
@@ -15899,7 +15202,7 @@
         <p:spPr>
           <a:xfrm>
             <a:off x="360000" y="360000"/>
-            <a:ext cx="9356040" cy="896040"/>
+            <a:ext cx="9355320" cy="895320"/>
           </a:xfrm>
           <a:prstGeom prst="rect">
             <a:avLst/>
@@ -15951,7 +15254,7 @@
         <p:spPr>
           <a:xfrm>
             <a:off x="897120" y="6886080"/>
-            <a:ext cx="6443280" cy="361080"/>
+            <a:ext cx="6442560" cy="360360"/>
           </a:xfrm>
           <a:prstGeom prst="rect">
             <a:avLst/>
@@ -16003,7 +15306,7 @@
         <p:spPr>
           <a:xfrm>
             <a:off x="7608600" y="6886080"/>
-            <a:ext cx="2281320" cy="361080"/>
+            <a:ext cx="2280600" cy="360360"/>
           </a:xfrm>
           <a:prstGeom prst="rect">
             <a:avLst/>
@@ -16065,7 +15368,7 @@
         <p:spPr>
           <a:xfrm>
             <a:off x="200160" y="1693440"/>
-            <a:ext cx="7521480" cy="912600"/>
+            <a:ext cx="7520760" cy="912600"/>
           </a:xfrm>
           <a:prstGeom prst="rect">
             <a:avLst/>
@@ -16145,7 +15448,7 @@
         <p:spPr>
           <a:xfrm>
             <a:off x="4888080" y="3627360"/>
-            <a:ext cx="304560" cy="304560"/>
+            <a:ext cx="303840" cy="303840"/>
           </a:xfrm>
           <a:prstGeom prst="rect">
             <a:avLst/>
@@ -16201,7 +15504,7 @@
         <p:spPr>
           <a:xfrm>
             <a:off x="360000" y="360000"/>
-            <a:ext cx="9356040" cy="896040"/>
+            <a:ext cx="9355320" cy="895320"/>
           </a:xfrm>
           <a:prstGeom prst="rect">
             <a:avLst/>
@@ -16253,7 +15556,7 @@
         <p:spPr>
           <a:xfrm>
             <a:off x="897120" y="6886080"/>
-            <a:ext cx="6443280" cy="361080"/>
+            <a:ext cx="6442560" cy="360360"/>
           </a:xfrm>
           <a:prstGeom prst="rect">
             <a:avLst/>
@@ -16305,7 +15608,7 @@
         <p:spPr>
           <a:xfrm>
             <a:off x="7608600" y="6886080"/>
-            <a:ext cx="2281320" cy="361080"/>
+            <a:ext cx="2280600" cy="360360"/>
           </a:xfrm>
           <a:prstGeom prst="rect">
             <a:avLst/>
@@ -16367,7 +15670,7 @@
         <p:spPr>
           <a:xfrm>
             <a:off x="200160" y="1742760"/>
-            <a:ext cx="9515880" cy="638280"/>
+            <a:ext cx="9515160" cy="638280"/>
           </a:xfrm>
           <a:prstGeom prst="rect">
             <a:avLst/>
@@ -16438,7 +15741,7 @@
         <p:spPr>
           <a:xfrm>
             <a:off x="1781640" y="2791080"/>
-            <a:ext cx="6676560" cy="2962080"/>
+            <a:ext cx="6675840" cy="2961360"/>
           </a:xfrm>
           <a:prstGeom prst="rect">
             <a:avLst/>
@@ -16491,7 +15794,7 @@
         <p:spPr>
           <a:xfrm>
             <a:off x="3674160" y="4583880"/>
-            <a:ext cx="2967480" cy="2252880"/>
+            <a:ext cx="2966760" cy="2252160"/>
           </a:xfrm>
           <a:prstGeom prst="rect">
             <a:avLst/>
@@ -16514,7 +15817,7 @@
         <p:spPr>
           <a:xfrm>
             <a:off x="3555720" y="1864080"/>
-            <a:ext cx="3085920" cy="2213280"/>
+            <a:ext cx="3085200" cy="2212560"/>
           </a:xfrm>
           <a:prstGeom prst="rect">
             <a:avLst/>
@@ -16533,7 +15836,7 @@
         <p:spPr>
           <a:xfrm>
             <a:off x="360000" y="360000"/>
-            <a:ext cx="9356040" cy="896040"/>
+            <a:ext cx="9355320" cy="895320"/>
           </a:xfrm>
           <a:prstGeom prst="rect">
             <a:avLst/>
@@ -16585,7 +15888,7 @@
         <p:spPr>
           <a:xfrm>
             <a:off x="897120" y="6886080"/>
-            <a:ext cx="6443280" cy="361080"/>
+            <a:ext cx="6442560" cy="360360"/>
           </a:xfrm>
           <a:prstGeom prst="rect">
             <a:avLst/>
@@ -16637,7 +15940,7 @@
         <p:spPr>
           <a:xfrm>
             <a:off x="7608600" y="6886080"/>
-            <a:ext cx="2281320" cy="361080"/>
+            <a:ext cx="2280600" cy="360360"/>
           </a:xfrm>
           <a:prstGeom prst="rect">
             <a:avLst/>
@@ -16699,7 +16002,7 @@
         <p:spPr>
           <a:xfrm>
             <a:off x="200160" y="1677960"/>
-            <a:ext cx="9515880" cy="363960"/>
+            <a:ext cx="9515160" cy="363960"/>
           </a:xfrm>
           <a:prstGeom prst="rect">
             <a:avLst/>
@@ -16759,7 +16062,7 @@
         <p:spPr>
           <a:xfrm>
             <a:off x="360000" y="4531680"/>
-            <a:ext cx="3202200" cy="2153520"/>
+            <a:ext cx="3201480" cy="2152800"/>
           </a:xfrm>
           <a:prstGeom prst="rect">
             <a:avLst/>
@@ -16782,7 +16085,7 @@
         <p:spPr>
           <a:xfrm>
             <a:off x="6795720" y="4609800"/>
-            <a:ext cx="3043440" cy="2122920"/>
+            <a:ext cx="3042720" cy="2122200"/>
           </a:xfrm>
           <a:prstGeom prst="rect">
             <a:avLst/>
@@ -16801,7 +16104,7 @@
         <p:spPr>
           <a:xfrm>
             <a:off x="2085840" y="2667600"/>
-            <a:ext cx="1395000" cy="638280"/>
+            <a:ext cx="1394280" cy="638280"/>
           </a:xfrm>
           <a:prstGeom prst="rect">
             <a:avLst/>
@@ -16853,7 +16156,7 @@
         <p:spPr>
           <a:xfrm>
             <a:off x="199440" y="4264560"/>
-            <a:ext cx="1829160" cy="638280"/>
+            <a:ext cx="1828440" cy="638280"/>
           </a:xfrm>
           <a:prstGeom prst="rect">
             <a:avLst/>
@@ -16905,7 +16208,7 @@
         <p:spPr>
           <a:xfrm>
             <a:off x="3481560" y="4290120"/>
-            <a:ext cx="5038200" cy="363960"/>
+            <a:ext cx="5037480" cy="363960"/>
           </a:xfrm>
           <a:prstGeom prst="rect">
             <a:avLst/>
@@ -16957,7 +16260,7 @@
         <p:spPr>
           <a:xfrm>
             <a:off x="6641640" y="4273920"/>
-            <a:ext cx="5038200" cy="363960"/>
+            <a:ext cx="5037480" cy="363960"/>
           </a:xfrm>
           <a:prstGeom prst="rect">
             <a:avLst/>
@@ -17073,7 +16376,7 @@
         <p:spPr>
           <a:xfrm>
             <a:off x="360000" y="360000"/>
-            <a:ext cx="9356040" cy="896040"/>
+            <a:ext cx="9355320" cy="895320"/>
           </a:xfrm>
           <a:prstGeom prst="rect">
             <a:avLst/>
@@ -17125,7 +16428,7 @@
         <p:spPr>
           <a:xfrm>
             <a:off x="897120" y="6886080"/>
-            <a:ext cx="6443280" cy="361080"/>
+            <a:ext cx="6442560" cy="360360"/>
           </a:xfrm>
           <a:prstGeom prst="rect">
             <a:avLst/>
@@ -17177,7 +16480,7 @@
         <p:spPr>
           <a:xfrm>
             <a:off x="7608600" y="6886080"/>
-            <a:ext cx="2281320" cy="361080"/>
+            <a:ext cx="2280600" cy="360360"/>
           </a:xfrm>
           <a:prstGeom prst="rect">
             <a:avLst/>
@@ -17243,7 +16546,7 @@
         <p:spPr>
           <a:xfrm>
             <a:off x="2724120" y="2683440"/>
-            <a:ext cx="4518720" cy="3210840"/>
+            <a:ext cx="4518000" cy="3210120"/>
           </a:xfrm>
           <a:prstGeom prst="rect">
             <a:avLst/>
@@ -17262,7 +16565,7 @@
         <p:spPr>
           <a:xfrm>
             <a:off x="200160" y="1677960"/>
-            <a:ext cx="9515880" cy="363960"/>
+            <a:ext cx="9515160" cy="363960"/>
           </a:xfrm>
           <a:prstGeom prst="rect">
             <a:avLst/>
@@ -17348,7 +16651,7 @@
         <p:spPr>
           <a:xfrm>
             <a:off x="360000" y="360000"/>
-            <a:ext cx="9356040" cy="896040"/>
+            <a:ext cx="9355320" cy="895320"/>
           </a:xfrm>
           <a:prstGeom prst="rect">
             <a:avLst/>
@@ -17400,7 +16703,7 @@
         <p:spPr>
           <a:xfrm>
             <a:off x="897120" y="6886080"/>
-            <a:ext cx="6443280" cy="361080"/>
+            <a:ext cx="6442560" cy="360360"/>
           </a:xfrm>
           <a:prstGeom prst="rect">
             <a:avLst/>
@@ -17452,7 +16755,7 @@
         <p:spPr>
           <a:xfrm>
             <a:off x="7608600" y="6886080"/>
-            <a:ext cx="2281320" cy="361080"/>
+            <a:ext cx="2280600" cy="360360"/>
           </a:xfrm>
           <a:prstGeom prst="rect">
             <a:avLst/>
@@ -17514,7 +16817,7 @@
         <p:spPr>
           <a:xfrm>
             <a:off x="200160" y="1742760"/>
-            <a:ext cx="9515880" cy="638280"/>
+            <a:ext cx="9515160" cy="638280"/>
           </a:xfrm>
           <a:prstGeom prst="rect">
             <a:avLst/>
@@ -17599,7 +16902,7 @@
         <p:spPr>
           <a:xfrm>
             <a:off x="1149480" y="3189240"/>
-            <a:ext cx="3248280" cy="2126880"/>
+            <a:ext cx="3247560" cy="2126160"/>
           </a:xfrm>
           <a:prstGeom prst="rect">
             <a:avLst/>
@@ -17622,7 +16925,7 @@
         <p:spPr>
           <a:xfrm>
             <a:off x="5609520" y="2905560"/>
-            <a:ext cx="3431880" cy="2532600"/>
+            <a:ext cx="3431160" cy="2531880"/>
           </a:xfrm>
           <a:prstGeom prst="rect">
             <a:avLst/>
@@ -17671,7 +16974,7 @@
         <p:spPr>
           <a:xfrm>
             <a:off x="360000" y="360000"/>
-            <a:ext cx="9356040" cy="896040"/>
+            <a:ext cx="9355320" cy="895320"/>
           </a:xfrm>
           <a:prstGeom prst="rect">
             <a:avLst/>
@@ -17723,7 +17026,7 @@
         <p:spPr>
           <a:xfrm>
             <a:off x="897120" y="6886080"/>
-            <a:ext cx="6443280" cy="361080"/>
+            <a:ext cx="6442560" cy="360360"/>
           </a:xfrm>
           <a:prstGeom prst="rect">
             <a:avLst/>
@@ -17775,7 +17078,7 @@
         <p:spPr>
           <a:xfrm>
             <a:off x="7608600" y="6886080"/>
-            <a:ext cx="2281320" cy="361080"/>
+            <a:ext cx="2280600" cy="360360"/>
           </a:xfrm>
           <a:prstGeom prst="rect">
             <a:avLst/>
@@ -17837,7 +17140,7 @@
         <p:spPr>
           <a:xfrm>
             <a:off x="200160" y="1742760"/>
-            <a:ext cx="9515880" cy="363960"/>
+            <a:ext cx="9515160" cy="363960"/>
           </a:xfrm>
           <a:prstGeom prst="rect">
             <a:avLst/>
@@ -17897,7 +17200,7 @@
         <p:spPr>
           <a:xfrm>
             <a:off x="1133640" y="2933640"/>
-            <a:ext cx="3215880" cy="2555280"/>
+            <a:ext cx="3215160" cy="2554560"/>
           </a:xfrm>
           <a:prstGeom prst="rect">
             <a:avLst/>
@@ -17916,7 +17219,7 @@
         <p:spPr>
           <a:xfrm>
             <a:off x="4705200" y="3886200"/>
-            <a:ext cx="657000" cy="171000"/>
+            <a:ext cx="656280" cy="170280"/>
           </a:xfrm>
           <a:prstGeom prst="rightArrow">
             <a:avLst>
@@ -17958,9 +17261,9 @@
         <p:grpSpPr>
           <a:xfrm>
             <a:off x="5967360" y="3007800"/>
-            <a:ext cx="3119400" cy="2555280"/>
+            <a:ext cx="3118680" cy="2554560"/>
             <a:chOff x="5967360" y="3007800"/>
-            <a:chExt cx="3119400" cy="2555280"/>
+            <a:chExt cx="3118680" cy="2554560"/>
           </a:xfrm>
         </p:grpSpPr>
         <p:pic>
@@ -17977,7 +17280,7 @@
           <p:spPr>
             <a:xfrm>
               <a:off x="5967360" y="3007800"/>
-              <a:ext cx="3119400" cy="2555280"/>
+              <a:ext cx="3118680" cy="2554560"/>
             </a:xfrm>
             <a:prstGeom prst="rect">
               <a:avLst/>
@@ -18000,7 +17303,7 @@
           <p:spPr>
             <a:xfrm>
               <a:off x="7700760" y="3640680"/>
-              <a:ext cx="858600" cy="833400"/>
+              <a:ext cx="857880" cy="832680"/>
             </a:xfrm>
             <a:prstGeom prst="rect">
               <a:avLst/>
@@ -18050,7 +17353,7 @@
         <p:spPr>
           <a:xfrm>
             <a:off x="360000" y="360000"/>
-            <a:ext cx="9356040" cy="896040"/>
+            <a:ext cx="9355320" cy="895320"/>
           </a:xfrm>
           <a:prstGeom prst="rect">
             <a:avLst/>
@@ -18102,7 +17405,7 @@
         <p:spPr>
           <a:xfrm>
             <a:off x="897120" y="6886080"/>
-            <a:ext cx="6443280" cy="361080"/>
+            <a:ext cx="6442560" cy="360360"/>
           </a:xfrm>
           <a:prstGeom prst="rect">
             <a:avLst/>
@@ -18154,7 +17457,7 @@
         <p:spPr>
           <a:xfrm>
             <a:off x="7608600" y="6886080"/>
-            <a:ext cx="2281320" cy="361080"/>
+            <a:ext cx="2280600" cy="360360"/>
           </a:xfrm>
           <a:prstGeom prst="rect">
             <a:avLst/>
@@ -18216,7 +17519,7 @@
         <p:spPr>
           <a:xfrm>
             <a:off x="200160" y="1742760"/>
-            <a:ext cx="9515880" cy="363960"/>
+            <a:ext cx="9515160" cy="363960"/>
           </a:xfrm>
           <a:prstGeom prst="rect">
             <a:avLst/>
@@ -18276,7 +17579,7 @@
         <p:spPr>
           <a:xfrm>
             <a:off x="3752640" y="1730520"/>
-            <a:ext cx="2800080" cy="2277000"/>
+            <a:ext cx="2799360" cy="2276280"/>
           </a:xfrm>
           <a:prstGeom prst="rect">
             <a:avLst/>
@@ -18299,7 +17602,7 @@
         <p:spPr>
           <a:xfrm>
             <a:off x="1017000" y="4112280"/>
-            <a:ext cx="8042040" cy="2670480"/>
+            <a:ext cx="8041320" cy="2669760"/>
           </a:xfrm>
           <a:prstGeom prst="rect">
             <a:avLst/>
@@ -18348,7 +17651,7 @@
         <p:spPr>
           <a:xfrm>
             <a:off x="360000" y="360000"/>
-            <a:ext cx="9356040" cy="896040"/>
+            <a:ext cx="9355320" cy="895320"/>
           </a:xfrm>
           <a:prstGeom prst="rect">
             <a:avLst/>
@@ -18421,7 +17724,7 @@
         <p:spPr>
           <a:xfrm>
             <a:off x="897120" y="6886080"/>
-            <a:ext cx="6443280" cy="361080"/>
+            <a:ext cx="6442560" cy="360360"/>
           </a:xfrm>
           <a:prstGeom prst="rect">
             <a:avLst/>
@@ -18473,7 +17776,7 @@
         <p:spPr>
           <a:xfrm>
             <a:off x="7608600" y="6886080"/>
-            <a:ext cx="2281320" cy="361080"/>
+            <a:ext cx="2280600" cy="360360"/>
           </a:xfrm>
           <a:prstGeom prst="rect">
             <a:avLst/>
@@ -18535,7 +17838,7 @@
         <p:spPr>
           <a:xfrm>
             <a:off x="200160" y="1742760"/>
-            <a:ext cx="9515880" cy="1735560"/>
+            <a:ext cx="9515160" cy="1735560"/>
           </a:xfrm>
           <a:prstGeom prst="rect">
             <a:avLst/>
@@ -18668,7 +17971,7 @@
         <p:spPr>
           <a:xfrm>
             <a:off x="915480" y="3780000"/>
-            <a:ext cx="3857400" cy="3048120"/>
+            <a:ext cx="3856680" cy="3047400"/>
           </a:xfrm>
           <a:prstGeom prst="rect">
             <a:avLst/>
@@ -18691,7 +17994,7 @@
         <p:spPr>
           <a:xfrm>
             <a:off x="5602320" y="4254840"/>
-            <a:ext cx="3648240" cy="1562040"/>
+            <a:ext cx="3647520" cy="1561320"/>
           </a:xfrm>
           <a:prstGeom prst="rect">
             <a:avLst/>

--- a/ComputerVision/Lecture 08 - Classification/Lecture 08 - Classification Models.pptx
+++ b/ComputerVision/Lecture 08 - Classification/Lecture 08 - Classification Models.pptx
@@ -318,7 +318,7 @@
             <a:pPr algn="r">
               <a:buNone/>
             </a:pPr>
-            <a:fld id="{03C64B63-ADE0-4D6C-8D99-083B595FF117}" type="slidenum">
+            <a:fld id="{87FDD08F-B5B8-476D-A5BC-C45B53F9CB10}" type="slidenum">
               <a:rPr b="0" lang="pt-BR" sz="1400" spc="-1" strike="noStrike">
                 <a:latin typeface="Times New Roman"/>
               </a:rPr>
@@ -366,7 +366,7 @@
         <p:spPr>
           <a:xfrm>
             <a:off x="1376280" y="1336680"/>
-            <a:ext cx="4802760" cy="3602520"/>
+            <a:ext cx="4802400" cy="3602160"/>
           </a:xfrm>
           <a:prstGeom prst="rect">
             <a:avLst/>
@@ -389,7 +389,7 @@
         <p:spPr>
           <a:xfrm>
             <a:off x="756000" y="5145120"/>
-            <a:ext cx="6042960" cy="4205160"/>
+            <a:ext cx="6042600" cy="4204800"/>
           </a:xfrm>
           <a:prstGeom prst="rect">
             <a:avLst/>
@@ -419,7 +419,7 @@
         <p:spPr>
           <a:xfrm>
             <a:off x="0" y="10155240"/>
-            <a:ext cx="3271320" cy="531720"/>
+            <a:ext cx="3270960" cy="531360"/>
           </a:xfrm>
           <a:prstGeom prst="rect">
             <a:avLst/>
@@ -497,7 +497,7 @@
         <p:spPr>
           <a:xfrm>
             <a:off x="1376280" y="1336680"/>
-            <a:ext cx="4802760" cy="3602520"/>
+            <a:ext cx="4802400" cy="3602160"/>
           </a:xfrm>
           <a:prstGeom prst="rect">
             <a:avLst/>
@@ -520,7 +520,7 @@
         <p:spPr>
           <a:xfrm>
             <a:off x="756000" y="5145120"/>
-            <a:ext cx="6042960" cy="4205160"/>
+            <a:ext cx="6042600" cy="4204800"/>
           </a:xfrm>
           <a:prstGeom prst="rect">
             <a:avLst/>
@@ -550,7 +550,7 @@
         <p:spPr>
           <a:xfrm>
             <a:off x="0" y="10155240"/>
-            <a:ext cx="3271320" cy="531720"/>
+            <a:ext cx="3270960" cy="531360"/>
           </a:xfrm>
           <a:prstGeom prst="rect">
             <a:avLst/>
@@ -628,7 +628,7 @@
         <p:spPr>
           <a:xfrm>
             <a:off x="1376280" y="1336680"/>
-            <a:ext cx="4802760" cy="3602520"/>
+            <a:ext cx="4802400" cy="3602160"/>
           </a:xfrm>
           <a:prstGeom prst="rect">
             <a:avLst/>
@@ -651,7 +651,7 @@
         <p:spPr>
           <a:xfrm>
             <a:off x="756000" y="5145120"/>
-            <a:ext cx="6042960" cy="4205160"/>
+            <a:ext cx="6042600" cy="4204800"/>
           </a:xfrm>
           <a:prstGeom prst="rect">
             <a:avLst/>
@@ -681,7 +681,7 @@
         <p:spPr>
           <a:xfrm>
             <a:off x="0" y="10155240"/>
-            <a:ext cx="3271320" cy="531720"/>
+            <a:ext cx="3270960" cy="531360"/>
           </a:xfrm>
           <a:prstGeom prst="rect">
             <a:avLst/>
@@ -759,7 +759,7 @@
         <p:spPr>
           <a:xfrm>
             <a:off x="1376280" y="1336680"/>
-            <a:ext cx="4802760" cy="3602520"/>
+            <a:ext cx="4802400" cy="3602160"/>
           </a:xfrm>
           <a:prstGeom prst="rect">
             <a:avLst/>
@@ -782,7 +782,7 @@
         <p:spPr>
           <a:xfrm>
             <a:off x="756000" y="5145120"/>
-            <a:ext cx="6042960" cy="4205160"/>
+            <a:ext cx="6042600" cy="4204800"/>
           </a:xfrm>
           <a:prstGeom prst="rect">
             <a:avLst/>
@@ -812,7 +812,7 @@
         <p:spPr>
           <a:xfrm>
             <a:off x="0" y="10155240"/>
-            <a:ext cx="3271320" cy="531720"/>
+            <a:ext cx="3270960" cy="531360"/>
           </a:xfrm>
           <a:prstGeom prst="rect">
             <a:avLst/>
@@ -890,7 +890,7 @@
         <p:spPr>
           <a:xfrm>
             <a:off x="1376280" y="1336680"/>
-            <a:ext cx="4802760" cy="3602520"/>
+            <a:ext cx="4802400" cy="3602160"/>
           </a:xfrm>
           <a:prstGeom prst="rect">
             <a:avLst/>
@@ -913,7 +913,7 @@
         <p:spPr>
           <a:xfrm>
             <a:off x="756000" y="5145120"/>
-            <a:ext cx="6042960" cy="4205160"/>
+            <a:ext cx="6042600" cy="4204800"/>
           </a:xfrm>
           <a:prstGeom prst="rect">
             <a:avLst/>
@@ -943,7 +943,7 @@
         <p:spPr>
           <a:xfrm>
             <a:off x="0" y="10155240"/>
-            <a:ext cx="3271320" cy="531720"/>
+            <a:ext cx="3270960" cy="531360"/>
           </a:xfrm>
           <a:prstGeom prst="rect">
             <a:avLst/>
@@ -1021,7 +1021,7 @@
         <p:spPr>
           <a:xfrm>
             <a:off x="1376280" y="1336680"/>
-            <a:ext cx="4802760" cy="3602520"/>
+            <a:ext cx="4802400" cy="3602160"/>
           </a:xfrm>
           <a:prstGeom prst="rect">
             <a:avLst/>
@@ -1044,7 +1044,7 @@
         <p:spPr>
           <a:xfrm>
             <a:off x="756000" y="5145120"/>
-            <a:ext cx="6042960" cy="4205160"/>
+            <a:ext cx="6042600" cy="4204800"/>
           </a:xfrm>
           <a:prstGeom prst="rect">
             <a:avLst/>
@@ -1074,7 +1074,7 @@
         <p:spPr>
           <a:xfrm>
             <a:off x="0" y="10155240"/>
-            <a:ext cx="3271320" cy="531720"/>
+            <a:ext cx="3270960" cy="531360"/>
           </a:xfrm>
           <a:prstGeom prst="rect">
             <a:avLst/>
@@ -1152,7 +1152,7 @@
         <p:spPr>
           <a:xfrm>
             <a:off x="1376280" y="1336680"/>
-            <a:ext cx="4802760" cy="3602520"/>
+            <a:ext cx="4802400" cy="3602160"/>
           </a:xfrm>
           <a:prstGeom prst="rect">
             <a:avLst/>
@@ -1175,7 +1175,7 @@
         <p:spPr>
           <a:xfrm>
             <a:off x="756000" y="5145120"/>
-            <a:ext cx="6042960" cy="4205160"/>
+            <a:ext cx="6042600" cy="4204800"/>
           </a:xfrm>
           <a:prstGeom prst="rect">
             <a:avLst/>
@@ -1205,7 +1205,7 @@
         <p:spPr>
           <a:xfrm>
             <a:off x="0" y="10155240"/>
-            <a:ext cx="3271320" cy="531720"/>
+            <a:ext cx="3270960" cy="531360"/>
           </a:xfrm>
           <a:prstGeom prst="rect">
             <a:avLst/>
@@ -1283,7 +1283,7 @@
         <p:spPr>
           <a:xfrm>
             <a:off x="1376280" y="1336680"/>
-            <a:ext cx="4802760" cy="3602520"/>
+            <a:ext cx="4802400" cy="3602160"/>
           </a:xfrm>
           <a:prstGeom prst="rect">
             <a:avLst/>
@@ -1306,7 +1306,7 @@
         <p:spPr>
           <a:xfrm>
             <a:off x="756000" y="5145120"/>
-            <a:ext cx="6042960" cy="4205160"/>
+            <a:ext cx="6042600" cy="4204800"/>
           </a:xfrm>
           <a:prstGeom prst="rect">
             <a:avLst/>
@@ -1336,7 +1336,7 @@
         <p:spPr>
           <a:xfrm>
             <a:off x="0" y="10155240"/>
-            <a:ext cx="3271320" cy="531720"/>
+            <a:ext cx="3270960" cy="531360"/>
           </a:xfrm>
           <a:prstGeom prst="rect">
             <a:avLst/>
@@ -1414,7 +1414,7 @@
         <p:spPr>
           <a:xfrm>
             <a:off x="1376280" y="1336680"/>
-            <a:ext cx="4802760" cy="3602520"/>
+            <a:ext cx="4802400" cy="3602160"/>
           </a:xfrm>
           <a:prstGeom prst="rect">
             <a:avLst/>
@@ -1437,7 +1437,7 @@
         <p:spPr>
           <a:xfrm>
             <a:off x="756000" y="5145120"/>
-            <a:ext cx="6042960" cy="4205160"/>
+            <a:ext cx="6042600" cy="4204800"/>
           </a:xfrm>
           <a:prstGeom prst="rect">
             <a:avLst/>
@@ -1467,7 +1467,7 @@
         <p:spPr>
           <a:xfrm>
             <a:off x="0" y="10155240"/>
-            <a:ext cx="3271320" cy="531720"/>
+            <a:ext cx="3270960" cy="531360"/>
           </a:xfrm>
           <a:prstGeom prst="rect">
             <a:avLst/>
@@ -1545,7 +1545,7 @@
         <p:spPr>
           <a:xfrm>
             <a:off x="1376280" y="1336680"/>
-            <a:ext cx="4802760" cy="3602520"/>
+            <a:ext cx="4802400" cy="3602160"/>
           </a:xfrm>
           <a:prstGeom prst="rect">
             <a:avLst/>
@@ -1568,7 +1568,7 @@
         <p:spPr>
           <a:xfrm>
             <a:off x="756000" y="5145120"/>
-            <a:ext cx="6042960" cy="4205160"/>
+            <a:ext cx="6042600" cy="4204800"/>
           </a:xfrm>
           <a:prstGeom prst="rect">
             <a:avLst/>
@@ -1598,7 +1598,7 @@
         <p:spPr>
           <a:xfrm>
             <a:off x="0" y="10155240"/>
-            <a:ext cx="3271320" cy="531720"/>
+            <a:ext cx="3270960" cy="531360"/>
           </a:xfrm>
           <a:prstGeom prst="rect">
             <a:avLst/>
@@ -1676,7 +1676,7 @@
         <p:spPr>
           <a:xfrm>
             <a:off x="1376280" y="1336680"/>
-            <a:ext cx="4802760" cy="3602520"/>
+            <a:ext cx="4802400" cy="3602160"/>
           </a:xfrm>
           <a:prstGeom prst="rect">
             <a:avLst/>
@@ -1699,7 +1699,7 @@
         <p:spPr>
           <a:xfrm>
             <a:off x="756000" y="5145120"/>
-            <a:ext cx="6042960" cy="4205160"/>
+            <a:ext cx="6042600" cy="4204800"/>
           </a:xfrm>
           <a:prstGeom prst="rect">
             <a:avLst/>
@@ -1729,7 +1729,7 @@
         <p:spPr>
           <a:xfrm>
             <a:off x="0" y="10155240"/>
-            <a:ext cx="3271320" cy="531720"/>
+            <a:ext cx="3270960" cy="531360"/>
           </a:xfrm>
           <a:prstGeom prst="rect">
             <a:avLst/>
@@ -1807,7 +1807,7 @@
         <p:spPr>
           <a:xfrm>
             <a:off x="1376280" y="1336680"/>
-            <a:ext cx="4802760" cy="3602520"/>
+            <a:ext cx="4802400" cy="3602160"/>
           </a:xfrm>
           <a:prstGeom prst="rect">
             <a:avLst/>
@@ -1830,7 +1830,7 @@
         <p:spPr>
           <a:xfrm>
             <a:off x="756000" y="5145120"/>
-            <a:ext cx="6042960" cy="4205160"/>
+            <a:ext cx="6042600" cy="4204800"/>
           </a:xfrm>
           <a:prstGeom prst="rect">
             <a:avLst/>
@@ -1860,7 +1860,7 @@
         <p:spPr>
           <a:xfrm>
             <a:off x="0" y="10155240"/>
-            <a:ext cx="3271320" cy="531720"/>
+            <a:ext cx="3270960" cy="531360"/>
           </a:xfrm>
           <a:prstGeom prst="rect">
             <a:avLst/>
@@ -1938,7 +1938,7 @@
         <p:spPr>
           <a:xfrm>
             <a:off x="1376280" y="1336680"/>
-            <a:ext cx="4802760" cy="3602520"/>
+            <a:ext cx="4802400" cy="3602160"/>
           </a:xfrm>
           <a:prstGeom prst="rect">
             <a:avLst/>
@@ -1961,7 +1961,7 @@
         <p:spPr>
           <a:xfrm>
             <a:off x="756000" y="5145120"/>
-            <a:ext cx="6042960" cy="4205160"/>
+            <a:ext cx="6042600" cy="4204800"/>
           </a:xfrm>
           <a:prstGeom prst="rect">
             <a:avLst/>
@@ -1991,7 +1991,7 @@
         <p:spPr>
           <a:xfrm>
             <a:off x="0" y="10155240"/>
-            <a:ext cx="3271320" cy="531720"/>
+            <a:ext cx="3270960" cy="531360"/>
           </a:xfrm>
           <a:prstGeom prst="rect">
             <a:avLst/>
@@ -2069,7 +2069,7 @@
         <p:spPr>
           <a:xfrm>
             <a:off x="1376280" y="1336680"/>
-            <a:ext cx="4802760" cy="3602520"/>
+            <a:ext cx="4802400" cy="3602160"/>
           </a:xfrm>
           <a:prstGeom prst="rect">
             <a:avLst/>
@@ -2092,7 +2092,7 @@
         <p:spPr>
           <a:xfrm>
             <a:off x="756000" y="5145120"/>
-            <a:ext cx="6042960" cy="4205160"/>
+            <a:ext cx="6042600" cy="4204800"/>
           </a:xfrm>
           <a:prstGeom prst="rect">
             <a:avLst/>
@@ -2122,7 +2122,7 @@
         <p:spPr>
           <a:xfrm>
             <a:off x="0" y="10155240"/>
-            <a:ext cx="3271320" cy="531720"/>
+            <a:ext cx="3270960" cy="531360"/>
           </a:xfrm>
           <a:prstGeom prst="rect">
             <a:avLst/>
@@ -2200,7 +2200,7 @@
         <p:spPr>
           <a:xfrm>
             <a:off x="1376280" y="1336680"/>
-            <a:ext cx="4802760" cy="3602520"/>
+            <a:ext cx="4802400" cy="3602160"/>
           </a:xfrm>
           <a:prstGeom prst="rect">
             <a:avLst/>
@@ -2223,7 +2223,7 @@
         <p:spPr>
           <a:xfrm>
             <a:off x="756000" y="5145120"/>
-            <a:ext cx="6042960" cy="4205160"/>
+            <a:ext cx="6042600" cy="4204800"/>
           </a:xfrm>
           <a:prstGeom prst="rect">
             <a:avLst/>
@@ -2253,7 +2253,7 @@
         <p:spPr>
           <a:xfrm>
             <a:off x="0" y="10155240"/>
-            <a:ext cx="3271320" cy="531720"/>
+            <a:ext cx="3270960" cy="531360"/>
           </a:xfrm>
           <a:prstGeom prst="rect">
             <a:avLst/>
@@ -2331,7 +2331,7 @@
         <p:spPr>
           <a:xfrm>
             <a:off x="1376280" y="1336680"/>
-            <a:ext cx="4802760" cy="3602520"/>
+            <a:ext cx="4802400" cy="3602160"/>
           </a:xfrm>
           <a:prstGeom prst="rect">
             <a:avLst/>
@@ -2354,7 +2354,7 @@
         <p:spPr>
           <a:xfrm>
             <a:off x="756000" y="5145120"/>
-            <a:ext cx="6042960" cy="4205160"/>
+            <a:ext cx="6042600" cy="4204800"/>
           </a:xfrm>
           <a:prstGeom prst="rect">
             <a:avLst/>
@@ -2384,7 +2384,7 @@
         <p:spPr>
           <a:xfrm>
             <a:off x="0" y="10155240"/>
-            <a:ext cx="3271320" cy="531720"/>
+            <a:ext cx="3270960" cy="531360"/>
           </a:xfrm>
           <a:prstGeom prst="rect">
             <a:avLst/>
@@ -2462,7 +2462,7 @@
         <p:spPr>
           <a:xfrm>
             <a:off x="1376280" y="1336680"/>
-            <a:ext cx="4802760" cy="3602520"/>
+            <a:ext cx="4802400" cy="3602160"/>
           </a:xfrm>
           <a:prstGeom prst="rect">
             <a:avLst/>
@@ -2485,7 +2485,7 @@
         <p:spPr>
           <a:xfrm>
             <a:off x="756000" y="5145120"/>
-            <a:ext cx="6042960" cy="4205160"/>
+            <a:ext cx="6042600" cy="4204800"/>
           </a:xfrm>
           <a:prstGeom prst="rect">
             <a:avLst/>
@@ -2515,7 +2515,7 @@
         <p:spPr>
           <a:xfrm>
             <a:off x="0" y="10155240"/>
-            <a:ext cx="3271320" cy="531720"/>
+            <a:ext cx="3270960" cy="531360"/>
           </a:xfrm>
           <a:prstGeom prst="rect">
             <a:avLst/>
@@ -2593,7 +2593,7 @@
         <p:spPr>
           <a:xfrm>
             <a:off x="1376280" y="1336680"/>
-            <a:ext cx="4802760" cy="3602520"/>
+            <a:ext cx="4802400" cy="3602160"/>
           </a:xfrm>
           <a:prstGeom prst="rect">
             <a:avLst/>
@@ -2616,7 +2616,7 @@
         <p:spPr>
           <a:xfrm>
             <a:off x="756000" y="5145120"/>
-            <a:ext cx="6042960" cy="4205160"/>
+            <a:ext cx="6042600" cy="4204800"/>
           </a:xfrm>
           <a:prstGeom prst="rect">
             <a:avLst/>
@@ -2646,7 +2646,7 @@
         <p:spPr>
           <a:xfrm>
             <a:off x="0" y="10155240"/>
-            <a:ext cx="3271320" cy="531720"/>
+            <a:ext cx="3270960" cy="531360"/>
           </a:xfrm>
           <a:prstGeom prst="rect">
             <a:avLst/>
@@ -2724,7 +2724,7 @@
         <p:spPr>
           <a:xfrm>
             <a:off x="1376280" y="1336680"/>
-            <a:ext cx="4802760" cy="3602520"/>
+            <a:ext cx="4802400" cy="3602160"/>
           </a:xfrm>
           <a:prstGeom prst="rect">
             <a:avLst/>
@@ -2747,7 +2747,7 @@
         <p:spPr>
           <a:xfrm>
             <a:off x="756000" y="5145120"/>
-            <a:ext cx="6042960" cy="4205160"/>
+            <a:ext cx="6042600" cy="4204800"/>
           </a:xfrm>
           <a:prstGeom prst="rect">
             <a:avLst/>
@@ -2777,7 +2777,7 @@
         <p:spPr>
           <a:xfrm>
             <a:off x="0" y="10155240"/>
-            <a:ext cx="3271320" cy="531720"/>
+            <a:ext cx="3270960" cy="531360"/>
           </a:xfrm>
           <a:prstGeom prst="rect">
             <a:avLst/>
@@ -2855,7 +2855,7 @@
         <p:spPr>
           <a:xfrm>
             <a:off x="1376280" y="1336680"/>
-            <a:ext cx="4802760" cy="3602520"/>
+            <a:ext cx="4802400" cy="3602160"/>
           </a:xfrm>
           <a:prstGeom prst="rect">
             <a:avLst/>
@@ -2878,7 +2878,7 @@
         <p:spPr>
           <a:xfrm>
             <a:off x="756000" y="5145120"/>
-            <a:ext cx="6042960" cy="4205160"/>
+            <a:ext cx="6042600" cy="4204800"/>
           </a:xfrm>
           <a:prstGeom prst="rect">
             <a:avLst/>
@@ -2908,7 +2908,7 @@
         <p:spPr>
           <a:xfrm>
             <a:off x="0" y="10155240"/>
-            <a:ext cx="3271320" cy="531720"/>
+            <a:ext cx="3270960" cy="531360"/>
           </a:xfrm>
           <a:prstGeom prst="rect">
             <a:avLst/>
@@ -2986,7 +2986,7 @@
         <p:spPr>
           <a:xfrm>
             <a:off x="1376280" y="1336680"/>
-            <a:ext cx="4802760" cy="3602520"/>
+            <a:ext cx="4802400" cy="3602160"/>
           </a:xfrm>
           <a:prstGeom prst="rect">
             <a:avLst/>
@@ -3009,7 +3009,7 @@
         <p:spPr>
           <a:xfrm>
             <a:off x="756000" y="5145120"/>
-            <a:ext cx="6042960" cy="4205160"/>
+            <a:ext cx="6042600" cy="4204800"/>
           </a:xfrm>
           <a:prstGeom prst="rect">
             <a:avLst/>
@@ -3039,7 +3039,7 @@
         <p:spPr>
           <a:xfrm>
             <a:off x="0" y="10155240"/>
-            <a:ext cx="3271320" cy="531720"/>
+            <a:ext cx="3270960" cy="531360"/>
           </a:xfrm>
           <a:prstGeom prst="rect">
             <a:avLst/>
@@ -3117,7 +3117,7 @@
         <p:spPr>
           <a:xfrm>
             <a:off x="1376280" y="1336680"/>
-            <a:ext cx="4802760" cy="3602520"/>
+            <a:ext cx="4802400" cy="3602160"/>
           </a:xfrm>
           <a:prstGeom prst="rect">
             <a:avLst/>
@@ -3140,7 +3140,7 @@
         <p:spPr>
           <a:xfrm>
             <a:off x="756000" y="5145120"/>
-            <a:ext cx="6042960" cy="4205160"/>
+            <a:ext cx="6042600" cy="4204800"/>
           </a:xfrm>
           <a:prstGeom prst="rect">
             <a:avLst/>
@@ -3170,7 +3170,7 @@
         <p:spPr>
           <a:xfrm>
             <a:off x="0" y="10155240"/>
-            <a:ext cx="3271320" cy="531720"/>
+            <a:ext cx="3270960" cy="531360"/>
           </a:xfrm>
           <a:prstGeom prst="rect">
             <a:avLst/>
@@ -3248,7 +3248,7 @@
         <p:spPr>
           <a:xfrm>
             <a:off x="1376280" y="1336680"/>
-            <a:ext cx="4802760" cy="3602520"/>
+            <a:ext cx="4802400" cy="3602160"/>
           </a:xfrm>
           <a:prstGeom prst="rect">
             <a:avLst/>
@@ -3271,7 +3271,7 @@
         <p:spPr>
           <a:xfrm>
             <a:off x="756000" y="5145120"/>
-            <a:ext cx="6042960" cy="4205160"/>
+            <a:ext cx="6042600" cy="4204800"/>
           </a:xfrm>
           <a:prstGeom prst="rect">
             <a:avLst/>
@@ -3301,7 +3301,7 @@
         <p:spPr>
           <a:xfrm>
             <a:off x="0" y="10155240"/>
-            <a:ext cx="3271320" cy="531720"/>
+            <a:ext cx="3270960" cy="531360"/>
           </a:xfrm>
           <a:prstGeom prst="rect">
             <a:avLst/>
@@ -3379,7 +3379,7 @@
         <p:spPr>
           <a:xfrm>
             <a:off x="1376280" y="1336680"/>
-            <a:ext cx="4802760" cy="3602520"/>
+            <a:ext cx="4802400" cy="3602160"/>
           </a:xfrm>
           <a:prstGeom prst="rect">
             <a:avLst/>
@@ -3402,7 +3402,7 @@
         <p:spPr>
           <a:xfrm>
             <a:off x="756000" y="5145120"/>
-            <a:ext cx="6042960" cy="4205160"/>
+            <a:ext cx="6042600" cy="4204800"/>
           </a:xfrm>
           <a:prstGeom prst="rect">
             <a:avLst/>
@@ -3432,7 +3432,7 @@
         <p:spPr>
           <a:xfrm>
             <a:off x="0" y="10155240"/>
-            <a:ext cx="3271320" cy="531720"/>
+            <a:ext cx="3270960" cy="531360"/>
           </a:xfrm>
           <a:prstGeom prst="rect">
             <a:avLst/>
@@ -3510,7 +3510,7 @@
         <p:spPr>
           <a:xfrm>
             <a:off x="1376280" y="1336680"/>
-            <a:ext cx="4802760" cy="3602520"/>
+            <a:ext cx="4802400" cy="3602160"/>
           </a:xfrm>
           <a:prstGeom prst="rect">
             <a:avLst/>
@@ -3533,7 +3533,7 @@
         <p:spPr>
           <a:xfrm>
             <a:off x="756000" y="5145120"/>
-            <a:ext cx="6042960" cy="4205160"/>
+            <a:ext cx="6042600" cy="4204800"/>
           </a:xfrm>
           <a:prstGeom prst="rect">
             <a:avLst/>
@@ -3563,7 +3563,7 @@
         <p:spPr>
           <a:xfrm>
             <a:off x="0" y="10155240"/>
-            <a:ext cx="3271320" cy="531720"/>
+            <a:ext cx="3270960" cy="531360"/>
           </a:xfrm>
           <a:prstGeom prst="rect">
             <a:avLst/>
@@ -3641,7 +3641,7 @@
         <p:spPr>
           <a:xfrm>
             <a:off x="1376280" y="1336680"/>
-            <a:ext cx="4802760" cy="3602520"/>
+            <a:ext cx="4802400" cy="3602160"/>
           </a:xfrm>
           <a:prstGeom prst="rect">
             <a:avLst/>
@@ -3664,7 +3664,7 @@
         <p:spPr>
           <a:xfrm>
             <a:off x="756000" y="5145120"/>
-            <a:ext cx="6042960" cy="4205160"/>
+            <a:ext cx="6042600" cy="4204800"/>
           </a:xfrm>
           <a:prstGeom prst="rect">
             <a:avLst/>
@@ -3694,7 +3694,7 @@
         <p:spPr>
           <a:xfrm>
             <a:off x="0" y="10155240"/>
-            <a:ext cx="3271320" cy="531720"/>
+            <a:ext cx="3270960" cy="531360"/>
           </a:xfrm>
           <a:prstGeom prst="rect">
             <a:avLst/>
@@ -6823,7 +6823,7 @@
         <p:spPr>
           <a:xfrm>
             <a:off x="0" y="3150000"/>
-            <a:ext cx="9715320" cy="1255320"/>
+            <a:ext cx="9714960" cy="1254960"/>
           </a:xfrm>
           <a:prstGeom prst="rect">
             <a:avLst/>
@@ -6877,13 +6877,7 @@
               <a:rPr b="0" lang="pt-BR" sz="4400" spc="-1" strike="noStrike">
                 <a:latin typeface="Arial"/>
               </a:rPr>
-              <a:t>Click to edit the title text </a:t>
-            </a:r>
-            <a:r>
-              <a:rPr b="0" lang="pt-BR" sz="4400" spc="-1" strike="noStrike">
-                <a:latin typeface="Arial"/>
-              </a:rPr>
-              <a:t>format</a:t>
+              <a:t>Click to edit the title text format</a:t>
             </a:r>
             <a:endParaRPr b="0" lang="pt-BR" sz="4400" spc="-1" strike="noStrike">
               <a:latin typeface="Arial"/>
@@ -7127,7 +7121,7 @@
         <p:spPr>
           <a:xfrm>
             <a:off x="0" y="180000"/>
-            <a:ext cx="9715320" cy="1255320"/>
+            <a:ext cx="9714960" cy="1254960"/>
           </a:xfrm>
           <a:prstGeom prst="rect">
             <a:avLst/>
@@ -7155,7 +7149,7 @@
         <p:spPr>
           <a:xfrm>
             <a:off x="7560000" y="6840000"/>
-            <a:ext cx="2515320" cy="535320"/>
+            <a:ext cx="2514960" cy="534960"/>
           </a:xfrm>
           <a:prstGeom prst="rect">
             <a:avLst/>
@@ -7183,7 +7177,7 @@
         <p:spPr>
           <a:xfrm>
             <a:off x="900000" y="6840000"/>
-            <a:ext cx="6475320" cy="535320"/>
+            <a:ext cx="6474960" cy="534960"/>
           </a:xfrm>
           <a:prstGeom prst="rect">
             <a:avLst/>
@@ -7211,7 +7205,7 @@
         <p:spPr>
           <a:xfrm>
             <a:off x="180000" y="6840000"/>
-            <a:ext cx="535320" cy="535320"/>
+            <a:ext cx="534960" cy="534960"/>
           </a:xfrm>
           <a:prstGeom prst="rect">
             <a:avLst/>
@@ -7500,7 +7494,7 @@
         <p:spPr>
           <a:xfrm>
             <a:off x="360000" y="3330000"/>
-            <a:ext cx="9355320" cy="895320"/>
+            <a:ext cx="9354960" cy="894960"/>
           </a:xfrm>
           <a:prstGeom prst="rect">
             <a:avLst/>
@@ -7552,7 +7546,7 @@
         <p:spPr>
           <a:xfrm>
             <a:off x="540000" y="4680000"/>
-            <a:ext cx="9175320" cy="2515320"/>
+            <a:ext cx="9174960" cy="2514960"/>
           </a:xfrm>
           <a:prstGeom prst="rect">
             <a:avLst/>
@@ -7757,7 +7751,7 @@
         <p:spPr>
           <a:xfrm>
             <a:off x="360000" y="360000"/>
-            <a:ext cx="9355320" cy="895320"/>
+            <a:ext cx="9354960" cy="894960"/>
           </a:xfrm>
           <a:prstGeom prst="rect">
             <a:avLst/>
@@ -7830,7 +7824,7 @@
         <p:spPr>
           <a:xfrm>
             <a:off x="897120" y="6886080"/>
-            <a:ext cx="6442560" cy="360360"/>
+            <a:ext cx="6442200" cy="360000"/>
           </a:xfrm>
           <a:prstGeom prst="rect">
             <a:avLst/>
@@ -7882,7 +7876,7 @@
         <p:spPr>
           <a:xfrm>
             <a:off x="7608600" y="6886080"/>
-            <a:ext cx="2280600" cy="360360"/>
+            <a:ext cx="2280240" cy="360000"/>
           </a:xfrm>
           <a:prstGeom prst="rect">
             <a:avLst/>
@@ -7944,7 +7938,7 @@
         <p:spPr>
           <a:xfrm>
             <a:off x="200160" y="1742760"/>
-            <a:ext cx="9515160" cy="638280"/>
+            <a:ext cx="9514800" cy="638280"/>
           </a:xfrm>
           <a:prstGeom prst="rect">
             <a:avLst/>
@@ -8029,7 +8023,7 @@
         <p:spPr>
           <a:xfrm>
             <a:off x="2941200" y="2867040"/>
-            <a:ext cx="4666320" cy="3595320"/>
+            <a:ext cx="4665960" cy="3594960"/>
           </a:xfrm>
           <a:prstGeom prst="rect">
             <a:avLst/>
@@ -8078,7 +8072,7 @@
         <p:spPr>
           <a:xfrm>
             <a:off x="360000" y="360000"/>
-            <a:ext cx="9355320" cy="895320"/>
+            <a:ext cx="9354960" cy="894960"/>
           </a:xfrm>
           <a:prstGeom prst="rect">
             <a:avLst/>
@@ -8151,7 +8145,7 @@
         <p:spPr>
           <a:xfrm>
             <a:off x="897120" y="6886080"/>
-            <a:ext cx="6442560" cy="360360"/>
+            <a:ext cx="6442200" cy="360000"/>
           </a:xfrm>
           <a:prstGeom prst="rect">
             <a:avLst/>
@@ -8203,7 +8197,7 @@
         <p:spPr>
           <a:xfrm>
             <a:off x="7608600" y="6886080"/>
-            <a:ext cx="2280600" cy="360360"/>
+            <a:ext cx="2280240" cy="360000"/>
           </a:xfrm>
           <a:prstGeom prst="rect">
             <a:avLst/>
@@ -8265,7 +8259,7 @@
         <p:spPr>
           <a:xfrm>
             <a:off x="200160" y="1742760"/>
-            <a:ext cx="9515160" cy="912600"/>
+            <a:ext cx="9514800" cy="912600"/>
           </a:xfrm>
           <a:prstGeom prst="rect">
             <a:avLst/>
@@ -8411,7 +8405,7 @@
         <p:spPr>
           <a:xfrm>
             <a:off x="1083960" y="2972520"/>
-            <a:ext cx="3135960" cy="1101960"/>
+            <a:ext cx="3135600" cy="1101600"/>
           </a:xfrm>
           <a:prstGeom prst="rect">
             <a:avLst/>
@@ -8434,7 +8428,7 @@
         <p:spPr>
           <a:xfrm>
             <a:off x="928440" y="4327560"/>
-            <a:ext cx="3291480" cy="704520"/>
+            <a:ext cx="3291120" cy="704160"/>
           </a:xfrm>
           <a:prstGeom prst="rect">
             <a:avLst/>
@@ -8457,7 +8451,7 @@
         <p:spPr>
           <a:xfrm>
             <a:off x="5192640" y="2496240"/>
-            <a:ext cx="3708000" cy="2979360"/>
+            <a:ext cx="3707640" cy="2979000"/>
           </a:xfrm>
           <a:prstGeom prst="rect">
             <a:avLst/>
@@ -8506,7 +8500,7 @@
         <p:spPr>
           <a:xfrm>
             <a:off x="360000" y="360000"/>
-            <a:ext cx="9355320" cy="895320"/>
+            <a:ext cx="9354960" cy="894960"/>
           </a:xfrm>
           <a:prstGeom prst="rect">
             <a:avLst/>
@@ -8579,7 +8573,7 @@
         <p:spPr>
           <a:xfrm>
             <a:off x="897120" y="6886080"/>
-            <a:ext cx="6442560" cy="360360"/>
+            <a:ext cx="6442200" cy="360000"/>
           </a:xfrm>
           <a:prstGeom prst="rect">
             <a:avLst/>
@@ -8631,7 +8625,7 @@
         <p:spPr>
           <a:xfrm>
             <a:off x="7608600" y="6886080"/>
-            <a:ext cx="2280600" cy="360360"/>
+            <a:ext cx="2280240" cy="360000"/>
           </a:xfrm>
           <a:prstGeom prst="rect">
             <a:avLst/>
@@ -8693,7 +8687,7 @@
         <p:spPr>
           <a:xfrm>
             <a:off x="374040" y="1748880"/>
-            <a:ext cx="9515160" cy="363960"/>
+            <a:ext cx="9514800" cy="363960"/>
           </a:xfrm>
           <a:prstGeom prst="rect">
             <a:avLst/>
@@ -8753,7 +8747,7 @@
         <p:spPr>
           <a:xfrm>
             <a:off x="1241280" y="2591640"/>
-            <a:ext cx="7362000" cy="3154680"/>
+            <a:ext cx="7361640" cy="3154320"/>
           </a:xfrm>
           <a:prstGeom prst="rect">
             <a:avLst/>
@@ -8802,7 +8796,7 @@
         <p:spPr>
           <a:xfrm>
             <a:off x="360000" y="360000"/>
-            <a:ext cx="9355320" cy="895320"/>
+            <a:ext cx="9354960" cy="894960"/>
           </a:xfrm>
           <a:prstGeom prst="rect">
             <a:avLst/>
@@ -8875,7 +8869,7 @@
         <p:spPr>
           <a:xfrm>
             <a:off x="897120" y="6886080"/>
-            <a:ext cx="6442560" cy="360360"/>
+            <a:ext cx="6442200" cy="360000"/>
           </a:xfrm>
           <a:prstGeom prst="rect">
             <a:avLst/>
@@ -8927,7 +8921,7 @@
         <p:spPr>
           <a:xfrm>
             <a:off x="7608600" y="6886080"/>
-            <a:ext cx="2280600" cy="360360"/>
+            <a:ext cx="2280240" cy="360000"/>
           </a:xfrm>
           <a:prstGeom prst="rect">
             <a:avLst/>
@@ -8989,7 +8983,7 @@
         <p:spPr>
           <a:xfrm>
             <a:off x="374040" y="1748880"/>
-            <a:ext cx="9515160" cy="638280"/>
+            <a:ext cx="9514800" cy="638280"/>
           </a:xfrm>
           <a:prstGeom prst="rect">
             <a:avLst/>
@@ -9060,7 +9054,7 @@
         <p:spPr>
           <a:xfrm>
             <a:off x="2257560" y="2395080"/>
-            <a:ext cx="6049800" cy="3546360"/>
+            <a:ext cx="6049440" cy="3546000"/>
           </a:xfrm>
           <a:prstGeom prst="rect">
             <a:avLst/>
@@ -9109,7 +9103,7 @@
         <p:spPr>
           <a:xfrm>
             <a:off x="360000" y="360000"/>
-            <a:ext cx="9355320" cy="895320"/>
+            <a:ext cx="9354960" cy="894960"/>
           </a:xfrm>
           <a:prstGeom prst="rect">
             <a:avLst/>
@@ -9182,7 +9176,7 @@
         <p:spPr>
           <a:xfrm>
             <a:off x="897120" y="6886080"/>
-            <a:ext cx="6442560" cy="360360"/>
+            <a:ext cx="6442200" cy="360000"/>
           </a:xfrm>
           <a:prstGeom prst="rect">
             <a:avLst/>
@@ -9234,7 +9228,7 @@
         <p:spPr>
           <a:xfrm>
             <a:off x="7608600" y="6886080"/>
-            <a:ext cx="2280600" cy="360360"/>
+            <a:ext cx="2280240" cy="360000"/>
           </a:xfrm>
           <a:prstGeom prst="rect">
             <a:avLst/>
@@ -9296,7 +9290,7 @@
         <p:spPr>
           <a:xfrm>
             <a:off x="374040" y="1748880"/>
-            <a:ext cx="9515160" cy="638280"/>
+            <a:ext cx="9514800" cy="638280"/>
           </a:xfrm>
           <a:prstGeom prst="rect">
             <a:avLst/>
@@ -9367,7 +9361,7 @@
         <p:spPr>
           <a:xfrm>
             <a:off x="2257560" y="2395080"/>
-            <a:ext cx="6049800" cy="3546360"/>
+            <a:ext cx="6049440" cy="3546000"/>
           </a:xfrm>
           <a:prstGeom prst="rect">
             <a:avLst/>
@@ -9385,8 +9379,8 @@
         </p:nvSpPr>
         <p:spPr>
           <a:xfrm rot="19501800">
-            <a:off x="5590440" y="2880720"/>
-            <a:ext cx="44640" cy="221040"/>
+            <a:off x="5590080" y="2880720"/>
+            <a:ext cx="44280" cy="220680"/>
           </a:xfrm>
           <a:prstGeom prst="downArrow">
             <a:avLst>
@@ -9428,7 +9422,7 @@
         <p:spPr>
           <a:xfrm rot="3757800">
             <a:off x="5038560" y="5324040"/>
-            <a:ext cx="44640" cy="221040"/>
+            <a:ext cx="44280" cy="220680"/>
           </a:xfrm>
           <a:prstGeom prst="downArrow">
             <a:avLst>
@@ -9500,7 +9494,7 @@
         <p:spPr>
           <a:xfrm>
             <a:off x="360000" y="360000"/>
-            <a:ext cx="9355320" cy="895320"/>
+            <a:ext cx="9354960" cy="894960"/>
           </a:xfrm>
           <a:prstGeom prst="rect">
             <a:avLst/>
@@ -9573,7 +9567,7 @@
         <p:spPr>
           <a:xfrm>
             <a:off x="897120" y="6886080"/>
-            <a:ext cx="6442560" cy="360360"/>
+            <a:ext cx="6442200" cy="360000"/>
           </a:xfrm>
           <a:prstGeom prst="rect">
             <a:avLst/>
@@ -9625,7 +9619,7 @@
         <p:spPr>
           <a:xfrm>
             <a:off x="7608600" y="6886080"/>
-            <a:ext cx="2280600" cy="360360"/>
+            <a:ext cx="2280240" cy="360000"/>
           </a:xfrm>
           <a:prstGeom prst="rect">
             <a:avLst/>
@@ -9687,7 +9681,7 @@
         <p:spPr>
           <a:xfrm>
             <a:off x="200160" y="1742760"/>
-            <a:ext cx="9515160" cy="638280"/>
+            <a:ext cx="9514800" cy="638280"/>
           </a:xfrm>
           <a:prstGeom prst="rect">
             <a:avLst/>
@@ -9758,7 +9752,7 @@
         <p:spPr>
           <a:xfrm>
             <a:off x="0" y="2306160"/>
-            <a:ext cx="5877720" cy="4407840"/>
+            <a:ext cx="5877360" cy="4407480"/>
           </a:xfrm>
           <a:prstGeom prst="rect">
             <a:avLst/>
@@ -9781,7 +9775,7 @@
         <p:spPr>
           <a:xfrm>
             <a:off x="5881320" y="2753280"/>
-            <a:ext cx="3834000" cy="3318840"/>
+            <a:ext cx="3833640" cy="3318480"/>
           </a:xfrm>
           <a:prstGeom prst="rect">
             <a:avLst/>
@@ -9830,7 +9824,7 @@
         <p:spPr>
           <a:xfrm>
             <a:off x="360000" y="360000"/>
-            <a:ext cx="9355320" cy="895320"/>
+            <a:ext cx="9354960" cy="894960"/>
           </a:xfrm>
           <a:prstGeom prst="rect">
             <a:avLst/>
@@ -9903,7 +9897,7 @@
         <p:spPr>
           <a:xfrm>
             <a:off x="897120" y="6886080"/>
-            <a:ext cx="6442560" cy="360360"/>
+            <a:ext cx="6442200" cy="360000"/>
           </a:xfrm>
           <a:prstGeom prst="rect">
             <a:avLst/>
@@ -9955,7 +9949,7 @@
         <p:spPr>
           <a:xfrm>
             <a:off x="7608600" y="6886080"/>
-            <a:ext cx="2280600" cy="360360"/>
+            <a:ext cx="2280240" cy="360000"/>
           </a:xfrm>
           <a:prstGeom prst="rect">
             <a:avLst/>
@@ -10021,7 +10015,7 @@
         <p:spPr>
           <a:xfrm>
             <a:off x="2966760" y="1509480"/>
-            <a:ext cx="5261760" cy="5297760"/>
+            <a:ext cx="5261400" cy="5297400"/>
           </a:xfrm>
           <a:prstGeom prst="rect">
             <a:avLst/>
@@ -10070,7 +10064,7 @@
         <p:spPr>
           <a:xfrm>
             <a:off x="360000" y="360000"/>
-            <a:ext cx="9355320" cy="895320"/>
+            <a:ext cx="9354960" cy="894960"/>
           </a:xfrm>
           <a:prstGeom prst="rect">
             <a:avLst/>
@@ -10143,7 +10137,7 @@
         <p:spPr>
           <a:xfrm>
             <a:off x="897120" y="6886080"/>
-            <a:ext cx="6442560" cy="360360"/>
+            <a:ext cx="6442200" cy="360000"/>
           </a:xfrm>
           <a:prstGeom prst="rect">
             <a:avLst/>
@@ -10195,7 +10189,7 @@
         <p:spPr>
           <a:xfrm>
             <a:off x="7608600" y="6886080"/>
-            <a:ext cx="2280600" cy="360360"/>
+            <a:ext cx="2280240" cy="360000"/>
           </a:xfrm>
           <a:prstGeom prst="rect">
             <a:avLst/>
@@ -10257,7 +10251,7 @@
         <p:spPr>
           <a:xfrm>
             <a:off x="200160" y="1742760"/>
-            <a:ext cx="9515160" cy="363960"/>
+            <a:ext cx="9514800" cy="363960"/>
           </a:xfrm>
           <a:prstGeom prst="rect">
             <a:avLst/>
@@ -10317,7 +10311,7 @@
         <p:spPr>
           <a:xfrm>
             <a:off x="2730600" y="2323080"/>
-            <a:ext cx="4405680" cy="3867120"/>
+            <a:ext cx="4405320" cy="3866760"/>
           </a:xfrm>
           <a:prstGeom prst="rect">
             <a:avLst/>
@@ -10366,7 +10360,7 @@
         <p:spPr>
           <a:xfrm>
             <a:off x="360000" y="360000"/>
-            <a:ext cx="9355320" cy="895320"/>
+            <a:ext cx="9354960" cy="894960"/>
           </a:xfrm>
           <a:prstGeom prst="rect">
             <a:avLst/>
@@ -10439,7 +10433,7 @@
         <p:spPr>
           <a:xfrm>
             <a:off x="897120" y="6886080"/>
-            <a:ext cx="6442560" cy="360360"/>
+            <a:ext cx="6442200" cy="360000"/>
           </a:xfrm>
           <a:prstGeom prst="rect">
             <a:avLst/>
@@ -10491,7 +10485,7 @@
         <p:spPr>
           <a:xfrm>
             <a:off x="7608600" y="6886080"/>
-            <a:ext cx="2280600" cy="360360"/>
+            <a:ext cx="2280240" cy="360000"/>
           </a:xfrm>
           <a:prstGeom prst="rect">
             <a:avLst/>
@@ -10553,7 +10547,7 @@
         <p:spPr>
           <a:xfrm>
             <a:off x="200160" y="1742760"/>
-            <a:ext cx="9515160" cy="363960"/>
+            <a:ext cx="9514800" cy="363960"/>
           </a:xfrm>
           <a:prstGeom prst="rect">
             <a:avLst/>
@@ -10609,9 +10603,9 @@
         <p:grpSpPr>
           <a:xfrm>
             <a:off x="749160" y="2856600"/>
-            <a:ext cx="8188200" cy="3603240"/>
+            <a:ext cx="8187840" cy="3602880"/>
             <a:chOff x="749160" y="2856600"/>
-            <a:chExt cx="8188200" cy="3603240"/>
+            <a:chExt cx="8187840" cy="3602880"/>
           </a:xfrm>
         </p:grpSpPr>
         <p:pic>
@@ -10627,7 +10621,7 @@
           <p:spPr>
             <a:xfrm>
               <a:off x="749160" y="2856600"/>
-              <a:ext cx="8188200" cy="3603240"/>
+              <a:ext cx="8187840" cy="3602880"/>
             </a:xfrm>
             <a:prstGeom prst="rect">
               <a:avLst/>
@@ -10646,7 +10640,7 @@
           <p:spPr>
             <a:xfrm>
               <a:off x="6051600" y="3451320"/>
-              <a:ext cx="1755360" cy="1869480"/>
+              <a:ext cx="1755000" cy="1869120"/>
             </a:xfrm>
             <a:custGeom>
               <a:avLst/>
@@ -10727,7 +10721,7 @@
         <p:spPr>
           <a:xfrm>
             <a:off x="2284560" y="2536920"/>
-            <a:ext cx="1434600" cy="363960"/>
+            <a:ext cx="1434240" cy="363960"/>
           </a:xfrm>
           <a:prstGeom prst="rect">
             <a:avLst/>
@@ -10779,7 +10773,7 @@
         <p:spPr>
           <a:xfrm>
             <a:off x="6385680" y="2545560"/>
-            <a:ext cx="1347840" cy="363960"/>
+            <a:ext cx="1347480" cy="363960"/>
           </a:xfrm>
           <a:prstGeom prst="rect">
             <a:avLst/>
@@ -10861,7 +10855,7 @@
         <p:spPr>
           <a:xfrm>
             <a:off x="360000" y="360000"/>
-            <a:ext cx="9355320" cy="895320"/>
+            <a:ext cx="9354960" cy="894960"/>
           </a:xfrm>
           <a:prstGeom prst="rect">
             <a:avLst/>
@@ -10934,7 +10928,7 @@
         <p:spPr>
           <a:xfrm>
             <a:off x="897120" y="6886080"/>
-            <a:ext cx="6442560" cy="360360"/>
+            <a:ext cx="6442200" cy="360000"/>
           </a:xfrm>
           <a:prstGeom prst="rect">
             <a:avLst/>
@@ -10986,7 +10980,7 @@
         <p:spPr>
           <a:xfrm>
             <a:off x="7608600" y="6886080"/>
-            <a:ext cx="2280600" cy="360360"/>
+            <a:ext cx="2280240" cy="360000"/>
           </a:xfrm>
           <a:prstGeom prst="rect">
             <a:avLst/>
@@ -11048,7 +11042,7 @@
         <p:spPr>
           <a:xfrm>
             <a:off x="200160" y="1742760"/>
-            <a:ext cx="9515160" cy="363960"/>
+            <a:ext cx="9514800" cy="363960"/>
           </a:xfrm>
           <a:prstGeom prst="rect">
             <a:avLst/>
@@ -11108,7 +11102,7 @@
         <p:spPr>
           <a:xfrm>
             <a:off x="1274760" y="4037760"/>
-            <a:ext cx="3349440" cy="2670480"/>
+            <a:ext cx="3349080" cy="2670120"/>
           </a:xfrm>
           <a:prstGeom prst="rect">
             <a:avLst/>
@@ -11126,7 +11120,7 @@
         </p:nvGraphicFramePr>
         <p:xfrm>
           <a:off x="5687640" y="3886200"/>
-          <a:ext cx="3305520" cy="2873160"/>
+          <a:ext cx="3305160" cy="2872800"/>
         </p:xfrm>
         <a:graphic>
           <a:graphicData uri="http://schemas.openxmlformats.org/presentationml/2006/ole">
@@ -11145,7 +11139,7 @@
                 <p:spPr>
                   <a:xfrm>
                     <a:off x="5687640" y="3886200"/>
-                    <a:ext cx="3305520" cy="2873160"/>
+                    <a:ext cx="3305160" cy="2872800"/>
                   </a:xfrm>
                   <a:prstGeom prst="rect">
                     <a:avLst/>
@@ -11167,7 +11161,7 @@
         </p:nvGraphicFramePr>
         <p:xfrm>
           <a:off x="3342960" y="1507320"/>
-          <a:ext cx="3305520" cy="2744640"/>
+          <a:ext cx="3305160" cy="2744280"/>
         </p:xfrm>
         <a:graphic>
           <a:graphicData uri="http://schemas.openxmlformats.org/presentationml/2006/ole">
@@ -11186,7 +11180,7 @@
                 <p:spPr>
                   <a:xfrm>
                     <a:off x="3342960" y="1507320"/>
-                    <a:ext cx="3305520" cy="2744640"/>
+                    <a:ext cx="3305160" cy="2744280"/>
                   </a:xfrm>
                   <a:prstGeom prst="rect">
                     <a:avLst/>
@@ -11213,7 +11207,7 @@
         <p:spPr>
           <a:xfrm>
             <a:off x="5676840" y="3873600"/>
-            <a:ext cx="3301200" cy="2869560"/>
+            <a:ext cx="3300840" cy="2869200"/>
           </a:xfrm>
           <a:prstGeom prst="rect">
             <a:avLst/>
@@ -11236,7 +11230,7 @@
         <p:spPr>
           <a:xfrm>
             <a:off x="3340080" y="1498680"/>
-            <a:ext cx="3301200" cy="2742480"/>
+            <a:ext cx="3300840" cy="2742120"/>
           </a:xfrm>
           <a:prstGeom prst="rect">
             <a:avLst/>
@@ -11285,7 +11279,7 @@
         <p:spPr>
           <a:xfrm>
             <a:off x="360000" y="360000"/>
-            <a:ext cx="9355320" cy="895320"/>
+            <a:ext cx="9354960" cy="894960"/>
           </a:xfrm>
           <a:prstGeom prst="rect">
             <a:avLst/>
@@ -11337,7 +11331,7 @@
         <p:spPr>
           <a:xfrm>
             <a:off x="897120" y="6886080"/>
-            <a:ext cx="6442560" cy="360360"/>
+            <a:ext cx="6442200" cy="360000"/>
           </a:xfrm>
           <a:prstGeom prst="rect">
             <a:avLst/>
@@ -11389,7 +11383,7 @@
         <p:spPr>
           <a:xfrm>
             <a:off x="7608600" y="6886080"/>
-            <a:ext cx="2280600" cy="360360"/>
+            <a:ext cx="2280240" cy="360000"/>
           </a:xfrm>
           <a:prstGeom prst="rect">
             <a:avLst/>
@@ -11462,7 +11456,7 @@
         <p:spPr>
           <a:xfrm>
             <a:off x="360000" y="1980000"/>
-            <a:ext cx="9175320" cy="4675320"/>
+            <a:ext cx="9174960" cy="4674960"/>
           </a:xfrm>
           <a:prstGeom prst="rect">
             <a:avLst/>
@@ -11700,7 +11694,7 @@
         <p:spPr>
           <a:xfrm>
             <a:off x="2124000" y="4627440"/>
-            <a:ext cx="6219000" cy="2103840"/>
+            <a:ext cx="6218640" cy="2103480"/>
           </a:xfrm>
           <a:prstGeom prst="rect">
             <a:avLst/>
@@ -11719,7 +11713,7 @@
         <p:spPr>
           <a:xfrm>
             <a:off x="2124000" y="6444000"/>
-            <a:ext cx="233280" cy="233280"/>
+            <a:ext cx="232920" cy="232920"/>
           </a:xfrm>
           <a:prstGeom prst="ellipse">
             <a:avLst/>
@@ -11749,7 +11743,7 @@
         <p:spPr>
           <a:xfrm>
             <a:off x="2592360" y="6444360"/>
-            <a:ext cx="233280" cy="233280"/>
+            <a:ext cx="232920" cy="232920"/>
           </a:xfrm>
           <a:prstGeom prst="ellipse">
             <a:avLst/>
@@ -11779,7 +11773,7 @@
         <p:spPr>
           <a:xfrm>
             <a:off x="3024720" y="6444720"/>
-            <a:ext cx="233280" cy="233280"/>
+            <a:ext cx="232920" cy="232920"/>
           </a:xfrm>
           <a:prstGeom prst="ellipse">
             <a:avLst/>
@@ -11809,7 +11803,7 @@
         <p:spPr>
           <a:xfrm>
             <a:off x="3834000" y="6480000"/>
-            <a:ext cx="233280" cy="233280"/>
+            <a:ext cx="232920" cy="232920"/>
           </a:xfrm>
           <a:prstGeom prst="ellipse">
             <a:avLst/>
@@ -11839,7 +11833,7 @@
         <p:spPr>
           <a:xfrm>
             <a:off x="4194000" y="6462000"/>
-            <a:ext cx="233280" cy="233280"/>
+            <a:ext cx="232920" cy="232920"/>
           </a:xfrm>
           <a:prstGeom prst="ellipse">
             <a:avLst/>
@@ -11869,7 +11863,7 @@
         <p:spPr>
           <a:xfrm>
             <a:off x="4626360" y="6462360"/>
-            <a:ext cx="233280" cy="233280"/>
+            <a:ext cx="232920" cy="232920"/>
           </a:xfrm>
           <a:prstGeom prst="ellipse">
             <a:avLst/>
@@ -11929,7 +11923,7 @@
         <p:spPr>
           <a:xfrm>
             <a:off x="360000" y="360000"/>
-            <a:ext cx="9355320" cy="895320"/>
+            <a:ext cx="9354960" cy="894960"/>
           </a:xfrm>
           <a:prstGeom prst="rect">
             <a:avLst/>
@@ -12002,7 +11996,7 @@
         <p:spPr>
           <a:xfrm>
             <a:off x="897120" y="6886080"/>
-            <a:ext cx="6442560" cy="360360"/>
+            <a:ext cx="6442200" cy="360000"/>
           </a:xfrm>
           <a:prstGeom prst="rect">
             <a:avLst/>
@@ -12054,7 +12048,7 @@
         <p:spPr>
           <a:xfrm>
             <a:off x="7608600" y="6886080"/>
-            <a:ext cx="2280600" cy="360360"/>
+            <a:ext cx="2280240" cy="360000"/>
           </a:xfrm>
           <a:prstGeom prst="rect">
             <a:avLst/>
@@ -12120,7 +12114,7 @@
         <p:spPr>
           <a:xfrm>
             <a:off x="1028880" y="2191320"/>
-            <a:ext cx="7727760" cy="4462200"/>
+            <a:ext cx="7727400" cy="4461840"/>
           </a:xfrm>
           <a:prstGeom prst="rect">
             <a:avLst/>
@@ -12139,7 +12133,7 @@
         <p:spPr>
           <a:xfrm>
             <a:off x="200160" y="1719360"/>
-            <a:ext cx="1945080" cy="363960"/>
+            <a:ext cx="1944720" cy="363960"/>
           </a:xfrm>
           <a:prstGeom prst="rect">
             <a:avLst/>
@@ -12225,7 +12219,7 @@
         <p:spPr>
           <a:xfrm>
             <a:off x="360000" y="360000"/>
-            <a:ext cx="9355320" cy="895320"/>
+            <a:ext cx="9354960" cy="894960"/>
           </a:xfrm>
           <a:prstGeom prst="rect">
             <a:avLst/>
@@ -12298,7 +12292,7 @@
         <p:spPr>
           <a:xfrm>
             <a:off x="897120" y="6886080"/>
-            <a:ext cx="6442560" cy="360360"/>
+            <a:ext cx="6442200" cy="360000"/>
           </a:xfrm>
           <a:prstGeom prst="rect">
             <a:avLst/>
@@ -12350,7 +12344,7 @@
         <p:spPr>
           <a:xfrm>
             <a:off x="7608600" y="6886080"/>
-            <a:ext cx="2280600" cy="360360"/>
+            <a:ext cx="2280240" cy="360000"/>
           </a:xfrm>
           <a:prstGeom prst="rect">
             <a:avLst/>
@@ -12412,7 +12406,7 @@
         <p:spPr>
           <a:xfrm>
             <a:off x="200160" y="1742760"/>
-            <a:ext cx="9515160" cy="638280"/>
+            <a:ext cx="9514800" cy="638280"/>
           </a:xfrm>
           <a:prstGeom prst="rect">
             <a:avLst/>
@@ -12483,7 +12477,7 @@
         <p:spPr>
           <a:xfrm>
             <a:off x="1500120" y="2388960"/>
-            <a:ext cx="6914880" cy="3843720"/>
+            <a:ext cx="6914520" cy="3843360"/>
           </a:xfrm>
           <a:prstGeom prst="rect">
             <a:avLst/>
@@ -12532,7 +12526,7 @@
         <p:spPr>
           <a:xfrm>
             <a:off x="360000" y="360000"/>
-            <a:ext cx="9355320" cy="895320"/>
+            <a:ext cx="9354960" cy="894960"/>
           </a:xfrm>
           <a:prstGeom prst="rect">
             <a:avLst/>
@@ -12605,7 +12599,7 @@
         <p:spPr>
           <a:xfrm>
             <a:off x="897120" y="6886080"/>
-            <a:ext cx="6442560" cy="360360"/>
+            <a:ext cx="6442200" cy="360000"/>
           </a:xfrm>
           <a:prstGeom prst="rect">
             <a:avLst/>
@@ -12657,7 +12651,7 @@
         <p:spPr>
           <a:xfrm>
             <a:off x="7608600" y="6886080"/>
-            <a:ext cx="2280600" cy="360360"/>
+            <a:ext cx="2280240" cy="360000"/>
           </a:xfrm>
           <a:prstGeom prst="rect">
             <a:avLst/>
@@ -12719,7 +12713,7 @@
         <p:spPr>
           <a:xfrm>
             <a:off x="200160" y="1742760"/>
-            <a:ext cx="9515160" cy="638280"/>
+            <a:ext cx="9514800" cy="638280"/>
           </a:xfrm>
           <a:prstGeom prst="rect">
             <a:avLst/>
@@ -12786,7 +12780,7 @@
         <p:spPr>
           <a:xfrm>
             <a:off x="4888080" y="3627360"/>
-            <a:ext cx="303840" cy="303840"/>
+            <a:ext cx="303480" cy="303480"/>
           </a:xfrm>
           <a:prstGeom prst="rect">
             <a:avLst/>
@@ -12816,7 +12810,7 @@
         <p:spPr>
           <a:xfrm>
             <a:off x="1058760" y="2446200"/>
-            <a:ext cx="8095320" cy="3923280"/>
+            <a:ext cx="8094960" cy="3922920"/>
           </a:xfrm>
           <a:prstGeom prst="rect">
             <a:avLst/>
@@ -12869,7 +12863,7 @@
         <p:spPr>
           <a:xfrm>
             <a:off x="5951880" y="1448640"/>
-            <a:ext cx="3561120" cy="2506320"/>
+            <a:ext cx="3560760" cy="2505960"/>
           </a:xfrm>
           <a:prstGeom prst="rect">
             <a:avLst/>
@@ -12888,7 +12882,7 @@
         <p:spPr>
           <a:xfrm>
             <a:off x="360000" y="360000"/>
-            <a:ext cx="9355320" cy="895320"/>
+            <a:ext cx="9354960" cy="894960"/>
           </a:xfrm>
           <a:prstGeom prst="rect">
             <a:avLst/>
@@ -12940,7 +12934,7 @@
         <p:spPr>
           <a:xfrm>
             <a:off x="897120" y="6886080"/>
-            <a:ext cx="6442560" cy="360360"/>
+            <a:ext cx="6442200" cy="360000"/>
           </a:xfrm>
           <a:prstGeom prst="rect">
             <a:avLst/>
@@ -12992,7 +12986,7 @@
         <p:spPr>
           <a:xfrm>
             <a:off x="7608600" y="6886080"/>
-            <a:ext cx="2280600" cy="360360"/>
+            <a:ext cx="2280240" cy="360000"/>
           </a:xfrm>
           <a:prstGeom prst="rect">
             <a:avLst/>
@@ -13054,7 +13048,7 @@
         <p:spPr>
           <a:xfrm>
             <a:off x="200160" y="1693440"/>
-            <a:ext cx="7520760" cy="2527560"/>
+            <a:ext cx="7520400" cy="2527560"/>
           </a:xfrm>
           <a:prstGeom prst="rect">
             <a:avLst/>
@@ -13256,7 +13250,7 @@
         <p:spPr>
           <a:xfrm>
             <a:off x="4888080" y="3627360"/>
-            <a:ext cx="303840" cy="303840"/>
+            <a:ext cx="303480" cy="303480"/>
           </a:xfrm>
           <a:prstGeom prst="rect">
             <a:avLst/>
@@ -13286,7 +13280,7 @@
         <p:spPr>
           <a:xfrm>
             <a:off x="1024200" y="2495520"/>
-            <a:ext cx="3538800" cy="622800"/>
+            <a:ext cx="3538440" cy="622440"/>
           </a:xfrm>
           <a:prstGeom prst="rect">
             <a:avLst/>
@@ -13305,7 +13299,7 @@
         <p:spPr>
           <a:xfrm>
             <a:off x="200160" y="4215240"/>
-            <a:ext cx="5037480" cy="1735560"/>
+            <a:ext cx="5037120" cy="1735560"/>
           </a:xfrm>
           <a:prstGeom prst="rect">
             <a:avLst/>
@@ -13462,7 +13456,7 @@
         <p:spPr>
           <a:xfrm>
             <a:off x="5995440" y="4273560"/>
-            <a:ext cx="3474000" cy="2411640"/>
+            <a:ext cx="3473640" cy="2411280"/>
           </a:xfrm>
           <a:prstGeom prst="rect">
             <a:avLst/>
@@ -13545,7 +13539,7 @@
         <p:spPr>
           <a:xfrm>
             <a:off x="360000" y="360000"/>
-            <a:ext cx="9355320" cy="895320"/>
+            <a:ext cx="9354960" cy="894960"/>
           </a:xfrm>
           <a:prstGeom prst="rect">
             <a:avLst/>
@@ -13597,7 +13591,7 @@
         <p:spPr>
           <a:xfrm>
             <a:off x="897120" y="6886080"/>
-            <a:ext cx="6442560" cy="360360"/>
+            <a:ext cx="6442200" cy="360000"/>
           </a:xfrm>
           <a:prstGeom prst="rect">
             <a:avLst/>
@@ -13649,7 +13643,7 @@
         <p:spPr>
           <a:xfrm>
             <a:off x="7608600" y="6886080"/>
-            <a:ext cx="2280600" cy="360360"/>
+            <a:ext cx="2280240" cy="360000"/>
           </a:xfrm>
           <a:prstGeom prst="rect">
             <a:avLst/>
@@ -13711,7 +13705,7 @@
         <p:spPr>
           <a:xfrm>
             <a:off x="200160" y="1693440"/>
-            <a:ext cx="7520760" cy="2832840"/>
+            <a:ext cx="7520400" cy="2832840"/>
           </a:xfrm>
           <a:prstGeom prst="rect">
             <a:avLst/>
@@ -13994,7 +13988,7 @@
         <p:spPr>
           <a:xfrm>
             <a:off x="4888080" y="3627360"/>
-            <a:ext cx="303840" cy="303840"/>
+            <a:ext cx="303480" cy="303480"/>
           </a:xfrm>
           <a:prstGeom prst="rect">
             <a:avLst/>
@@ -14020,7 +14014,7 @@
         <p:spPr>
           <a:xfrm>
             <a:off x="200160" y="4215240"/>
-            <a:ext cx="5615280" cy="2465640"/>
+            <a:ext cx="5614920" cy="2465640"/>
           </a:xfrm>
           <a:prstGeom prst="rect">
             <a:avLst/>
@@ -14294,7 +14288,7 @@
         <p:spPr>
           <a:xfrm>
             <a:off x="5951880" y="1448640"/>
-            <a:ext cx="3561120" cy="2506320"/>
+            <a:ext cx="3560760" cy="2505960"/>
           </a:xfrm>
           <a:prstGeom prst="rect">
             <a:avLst/>
@@ -14351,7 +14345,7 @@
         <p:spPr>
           <a:xfrm>
             <a:off x="1057320" y="2732040"/>
-            <a:ext cx="2400840" cy="634320"/>
+            <a:ext cx="2400480" cy="633960"/>
           </a:xfrm>
           <a:prstGeom prst="rect">
             <a:avLst/>
@@ -14374,7 +14368,7 @@
         <p:spPr>
           <a:xfrm>
             <a:off x="897120" y="5698080"/>
-            <a:ext cx="2132640" cy="536760"/>
+            <a:ext cx="2132280" cy="536400"/>
           </a:xfrm>
           <a:prstGeom prst="rect">
             <a:avLst/>
@@ -14397,7 +14391,7 @@
         <p:spPr>
           <a:xfrm>
             <a:off x="5942160" y="4186440"/>
-            <a:ext cx="3633480" cy="2557080"/>
+            <a:ext cx="3633120" cy="2556720"/>
           </a:xfrm>
           <a:prstGeom prst="rect">
             <a:avLst/>
@@ -14446,7 +14440,7 @@
         <p:spPr>
           <a:xfrm>
             <a:off x="360000" y="360000"/>
-            <a:ext cx="9355320" cy="895320"/>
+            <a:ext cx="9354960" cy="894960"/>
           </a:xfrm>
           <a:prstGeom prst="rect">
             <a:avLst/>
@@ -14498,7 +14492,7 @@
         <p:spPr>
           <a:xfrm>
             <a:off x="897120" y="6886080"/>
-            <a:ext cx="6442560" cy="360360"/>
+            <a:ext cx="6442200" cy="360000"/>
           </a:xfrm>
           <a:prstGeom prst="rect">
             <a:avLst/>
@@ -14550,7 +14544,7 @@
         <p:spPr>
           <a:xfrm>
             <a:off x="7608600" y="6886080"/>
-            <a:ext cx="2280600" cy="360360"/>
+            <a:ext cx="2280240" cy="360000"/>
           </a:xfrm>
           <a:prstGeom prst="rect">
             <a:avLst/>
@@ -14612,7 +14606,7 @@
         <p:spPr>
           <a:xfrm>
             <a:off x="200160" y="1693440"/>
-            <a:ext cx="7520760" cy="2832840"/>
+            <a:ext cx="7520400" cy="2832840"/>
           </a:xfrm>
           <a:prstGeom prst="rect">
             <a:avLst/>
@@ -14815,7 +14809,7 @@
         <p:spPr>
           <a:xfrm>
             <a:off x="4888080" y="3627360"/>
-            <a:ext cx="303840" cy="303840"/>
+            <a:ext cx="303480" cy="303480"/>
           </a:xfrm>
           <a:prstGeom prst="rect">
             <a:avLst/>
@@ -14845,7 +14839,7 @@
         <p:spPr>
           <a:xfrm>
             <a:off x="5951880" y="1448640"/>
-            <a:ext cx="3561120" cy="2506320"/>
+            <a:ext cx="3560760" cy="2505960"/>
           </a:xfrm>
           <a:prstGeom prst="rect">
             <a:avLst/>
@@ -14864,7 +14858,7 @@
         <p:spPr>
           <a:xfrm>
             <a:off x="3929040" y="4219200"/>
-            <a:ext cx="5610600" cy="820800"/>
+            <a:ext cx="5610240" cy="820800"/>
           </a:xfrm>
           <a:prstGeom prst="rect">
             <a:avLst/>
@@ -14964,7 +14958,7 @@
         <p:spPr>
           <a:xfrm>
             <a:off x="1092240" y="2855520"/>
-            <a:ext cx="3383640" cy="522720"/>
+            <a:ext cx="3383280" cy="522360"/>
           </a:xfrm>
           <a:prstGeom prst="rect">
             <a:avLst/>
@@ -14983,7 +14977,7 @@
         <p:spPr>
           <a:xfrm>
             <a:off x="200160" y="4444200"/>
-            <a:ext cx="5040720" cy="2284200"/>
+            <a:ext cx="5040360" cy="2284200"/>
           </a:xfrm>
           <a:prstGeom prst="rect">
             <a:avLst/>
@@ -15202,7 +15196,7 @@
         <p:spPr>
           <a:xfrm>
             <a:off x="360000" y="360000"/>
-            <a:ext cx="9355320" cy="895320"/>
+            <a:ext cx="9354960" cy="894960"/>
           </a:xfrm>
           <a:prstGeom prst="rect">
             <a:avLst/>
@@ -15254,7 +15248,7 @@
         <p:spPr>
           <a:xfrm>
             <a:off x="897120" y="6886080"/>
-            <a:ext cx="6442560" cy="360360"/>
+            <a:ext cx="6442200" cy="360000"/>
           </a:xfrm>
           <a:prstGeom prst="rect">
             <a:avLst/>
@@ -15306,7 +15300,7 @@
         <p:spPr>
           <a:xfrm>
             <a:off x="7608600" y="6886080"/>
-            <a:ext cx="2280600" cy="360360"/>
+            <a:ext cx="2280240" cy="360000"/>
           </a:xfrm>
           <a:prstGeom prst="rect">
             <a:avLst/>
@@ -15368,7 +15362,7 @@
         <p:spPr>
           <a:xfrm>
             <a:off x="200160" y="1693440"/>
-            <a:ext cx="7520760" cy="912600"/>
+            <a:ext cx="7520400" cy="912600"/>
           </a:xfrm>
           <a:prstGeom prst="rect">
             <a:avLst/>
@@ -15448,7 +15442,7 @@
         <p:spPr>
           <a:xfrm>
             <a:off x="4888080" y="3627360"/>
-            <a:ext cx="303840" cy="303840"/>
+            <a:ext cx="303480" cy="303480"/>
           </a:xfrm>
           <a:prstGeom prst="rect">
             <a:avLst/>
@@ -15504,7 +15498,7 @@
         <p:spPr>
           <a:xfrm>
             <a:off x="360000" y="360000"/>
-            <a:ext cx="9355320" cy="895320"/>
+            <a:ext cx="9354960" cy="894960"/>
           </a:xfrm>
           <a:prstGeom prst="rect">
             <a:avLst/>
@@ -15556,7 +15550,7 @@
         <p:spPr>
           <a:xfrm>
             <a:off x="897120" y="6886080"/>
-            <a:ext cx="6442560" cy="360360"/>
+            <a:ext cx="6442200" cy="360000"/>
           </a:xfrm>
           <a:prstGeom prst="rect">
             <a:avLst/>
@@ -15608,7 +15602,7 @@
         <p:spPr>
           <a:xfrm>
             <a:off x="7608600" y="6886080"/>
-            <a:ext cx="2280600" cy="360360"/>
+            <a:ext cx="2280240" cy="360000"/>
           </a:xfrm>
           <a:prstGeom prst="rect">
             <a:avLst/>
@@ -15670,7 +15664,7 @@
         <p:spPr>
           <a:xfrm>
             <a:off x="200160" y="1742760"/>
-            <a:ext cx="9515160" cy="638280"/>
+            <a:ext cx="9514800" cy="638280"/>
           </a:xfrm>
           <a:prstGeom prst="rect">
             <a:avLst/>
@@ -15741,7 +15735,7 @@
         <p:spPr>
           <a:xfrm>
             <a:off x="1781640" y="2791080"/>
-            <a:ext cx="6675840" cy="2961360"/>
+            <a:ext cx="6675480" cy="2961000"/>
           </a:xfrm>
           <a:prstGeom prst="rect">
             <a:avLst/>
@@ -15794,7 +15788,7 @@
         <p:spPr>
           <a:xfrm>
             <a:off x="3674160" y="4583880"/>
-            <a:ext cx="2966760" cy="2252160"/>
+            <a:ext cx="2966400" cy="2251800"/>
           </a:xfrm>
           <a:prstGeom prst="rect">
             <a:avLst/>
@@ -15817,7 +15811,7 @@
         <p:spPr>
           <a:xfrm>
             <a:off x="3555720" y="1864080"/>
-            <a:ext cx="3085200" cy="2212560"/>
+            <a:ext cx="3084840" cy="2212200"/>
           </a:xfrm>
           <a:prstGeom prst="rect">
             <a:avLst/>
@@ -15836,7 +15830,7 @@
         <p:spPr>
           <a:xfrm>
             <a:off x="360000" y="360000"/>
-            <a:ext cx="9355320" cy="895320"/>
+            <a:ext cx="9354960" cy="894960"/>
           </a:xfrm>
           <a:prstGeom prst="rect">
             <a:avLst/>
@@ -15888,7 +15882,7 @@
         <p:spPr>
           <a:xfrm>
             <a:off x="897120" y="6886080"/>
-            <a:ext cx="6442560" cy="360360"/>
+            <a:ext cx="6442200" cy="360000"/>
           </a:xfrm>
           <a:prstGeom prst="rect">
             <a:avLst/>
@@ -15940,7 +15934,7 @@
         <p:spPr>
           <a:xfrm>
             <a:off x="7608600" y="6886080"/>
-            <a:ext cx="2280600" cy="360360"/>
+            <a:ext cx="2280240" cy="360000"/>
           </a:xfrm>
           <a:prstGeom prst="rect">
             <a:avLst/>
@@ -16002,7 +15996,7 @@
         <p:spPr>
           <a:xfrm>
             <a:off x="200160" y="1677960"/>
-            <a:ext cx="9515160" cy="363960"/>
+            <a:ext cx="9514800" cy="363960"/>
           </a:xfrm>
           <a:prstGeom prst="rect">
             <a:avLst/>
@@ -16062,7 +16056,7 @@
         <p:spPr>
           <a:xfrm>
             <a:off x="360000" y="4531680"/>
-            <a:ext cx="3201480" cy="2152800"/>
+            <a:ext cx="3201120" cy="2152440"/>
           </a:xfrm>
           <a:prstGeom prst="rect">
             <a:avLst/>
@@ -16085,7 +16079,7 @@
         <p:spPr>
           <a:xfrm>
             <a:off x="6795720" y="4609800"/>
-            <a:ext cx="3042720" cy="2122200"/>
+            <a:ext cx="3042360" cy="2121840"/>
           </a:xfrm>
           <a:prstGeom prst="rect">
             <a:avLst/>
@@ -16104,7 +16098,7 @@
         <p:spPr>
           <a:xfrm>
             <a:off x="2085840" y="2667600"/>
-            <a:ext cx="1394280" cy="638280"/>
+            <a:ext cx="1393920" cy="638280"/>
           </a:xfrm>
           <a:prstGeom prst="rect">
             <a:avLst/>
@@ -16156,7 +16150,7 @@
         <p:spPr>
           <a:xfrm>
             <a:off x="199440" y="4264560"/>
-            <a:ext cx="1828440" cy="638280"/>
+            <a:ext cx="1828080" cy="638280"/>
           </a:xfrm>
           <a:prstGeom prst="rect">
             <a:avLst/>
@@ -16208,7 +16202,7 @@
         <p:spPr>
           <a:xfrm>
             <a:off x="3481560" y="4290120"/>
-            <a:ext cx="5037480" cy="363960"/>
+            <a:ext cx="5037120" cy="363960"/>
           </a:xfrm>
           <a:prstGeom prst="rect">
             <a:avLst/>
@@ -16260,7 +16254,7 @@
         <p:spPr>
           <a:xfrm>
             <a:off x="6641640" y="4273920"/>
-            <a:ext cx="5037480" cy="363960"/>
+            <a:ext cx="5037120" cy="363960"/>
           </a:xfrm>
           <a:prstGeom prst="rect">
             <a:avLst/>
@@ -16376,7 +16370,7 @@
         <p:spPr>
           <a:xfrm>
             <a:off x="360000" y="360000"/>
-            <a:ext cx="9355320" cy="895320"/>
+            <a:ext cx="9354960" cy="894960"/>
           </a:xfrm>
           <a:prstGeom prst="rect">
             <a:avLst/>
@@ -16428,7 +16422,7 @@
         <p:spPr>
           <a:xfrm>
             <a:off x="897120" y="6886080"/>
-            <a:ext cx="6442560" cy="360360"/>
+            <a:ext cx="6442200" cy="360000"/>
           </a:xfrm>
           <a:prstGeom prst="rect">
             <a:avLst/>
@@ -16480,7 +16474,7 @@
         <p:spPr>
           <a:xfrm>
             <a:off x="7608600" y="6886080"/>
-            <a:ext cx="2280600" cy="360360"/>
+            <a:ext cx="2280240" cy="360000"/>
           </a:xfrm>
           <a:prstGeom prst="rect">
             <a:avLst/>
@@ -16546,7 +16540,7 @@
         <p:spPr>
           <a:xfrm>
             <a:off x="2724120" y="2683440"/>
-            <a:ext cx="4518000" cy="3210120"/>
+            <a:ext cx="4517640" cy="3209760"/>
           </a:xfrm>
           <a:prstGeom prst="rect">
             <a:avLst/>
@@ -16565,7 +16559,7 @@
         <p:spPr>
           <a:xfrm>
             <a:off x="200160" y="1677960"/>
-            <a:ext cx="9515160" cy="363960"/>
+            <a:ext cx="9514800" cy="363960"/>
           </a:xfrm>
           <a:prstGeom prst="rect">
             <a:avLst/>
@@ -16651,7 +16645,7 @@
         <p:spPr>
           <a:xfrm>
             <a:off x="360000" y="360000"/>
-            <a:ext cx="9355320" cy="895320"/>
+            <a:ext cx="9354960" cy="894960"/>
           </a:xfrm>
           <a:prstGeom prst="rect">
             <a:avLst/>
@@ -16703,7 +16697,7 @@
         <p:spPr>
           <a:xfrm>
             <a:off x="897120" y="6886080"/>
-            <a:ext cx="6442560" cy="360360"/>
+            <a:ext cx="6442200" cy="360000"/>
           </a:xfrm>
           <a:prstGeom prst="rect">
             <a:avLst/>
@@ -16755,7 +16749,7 @@
         <p:spPr>
           <a:xfrm>
             <a:off x="7608600" y="6886080"/>
-            <a:ext cx="2280600" cy="360360"/>
+            <a:ext cx="2280240" cy="360000"/>
           </a:xfrm>
           <a:prstGeom prst="rect">
             <a:avLst/>
@@ -16817,7 +16811,7 @@
         <p:spPr>
           <a:xfrm>
             <a:off x="200160" y="1742760"/>
-            <a:ext cx="9515160" cy="638280"/>
+            <a:ext cx="9514800" cy="638280"/>
           </a:xfrm>
           <a:prstGeom prst="rect">
             <a:avLst/>
@@ -16902,7 +16896,7 @@
         <p:spPr>
           <a:xfrm>
             <a:off x="1149480" y="3189240"/>
-            <a:ext cx="3247560" cy="2126160"/>
+            <a:ext cx="3247200" cy="2125800"/>
           </a:xfrm>
           <a:prstGeom prst="rect">
             <a:avLst/>
@@ -16925,7 +16919,7 @@
         <p:spPr>
           <a:xfrm>
             <a:off x="5609520" y="2905560"/>
-            <a:ext cx="3431160" cy="2531880"/>
+            <a:ext cx="3430800" cy="2531520"/>
           </a:xfrm>
           <a:prstGeom prst="rect">
             <a:avLst/>
@@ -16974,7 +16968,7 @@
         <p:spPr>
           <a:xfrm>
             <a:off x="360000" y="360000"/>
-            <a:ext cx="9355320" cy="895320"/>
+            <a:ext cx="9354960" cy="894960"/>
           </a:xfrm>
           <a:prstGeom prst="rect">
             <a:avLst/>
@@ -17026,7 +17020,7 @@
         <p:spPr>
           <a:xfrm>
             <a:off x="897120" y="6886080"/>
-            <a:ext cx="6442560" cy="360360"/>
+            <a:ext cx="6442200" cy="360000"/>
           </a:xfrm>
           <a:prstGeom prst="rect">
             <a:avLst/>
@@ -17078,7 +17072,7 @@
         <p:spPr>
           <a:xfrm>
             <a:off x="7608600" y="6886080"/>
-            <a:ext cx="2280600" cy="360360"/>
+            <a:ext cx="2280240" cy="360000"/>
           </a:xfrm>
           <a:prstGeom prst="rect">
             <a:avLst/>
@@ -17140,7 +17134,7 @@
         <p:spPr>
           <a:xfrm>
             <a:off x="200160" y="1742760"/>
-            <a:ext cx="9515160" cy="363960"/>
+            <a:ext cx="9514800" cy="363960"/>
           </a:xfrm>
           <a:prstGeom prst="rect">
             <a:avLst/>
@@ -17200,7 +17194,7 @@
         <p:spPr>
           <a:xfrm>
             <a:off x="1133640" y="2933640"/>
-            <a:ext cx="3215160" cy="2554560"/>
+            <a:ext cx="3214800" cy="2554200"/>
           </a:xfrm>
           <a:prstGeom prst="rect">
             <a:avLst/>
@@ -17219,7 +17213,7 @@
         <p:spPr>
           <a:xfrm>
             <a:off x="4705200" y="3886200"/>
-            <a:ext cx="656280" cy="170280"/>
+            <a:ext cx="655920" cy="169920"/>
           </a:xfrm>
           <a:prstGeom prst="rightArrow">
             <a:avLst>
@@ -17261,9 +17255,9 @@
         <p:grpSpPr>
           <a:xfrm>
             <a:off x="5967360" y="3007800"/>
-            <a:ext cx="3118680" cy="2554560"/>
+            <a:ext cx="3118320" cy="2554200"/>
             <a:chOff x="5967360" y="3007800"/>
-            <a:chExt cx="3118680" cy="2554560"/>
+            <a:chExt cx="3118320" cy="2554200"/>
           </a:xfrm>
         </p:grpSpPr>
         <p:pic>
@@ -17280,7 +17274,7 @@
           <p:spPr>
             <a:xfrm>
               <a:off x="5967360" y="3007800"/>
-              <a:ext cx="3118680" cy="2554560"/>
+              <a:ext cx="3118320" cy="2554200"/>
             </a:xfrm>
             <a:prstGeom prst="rect">
               <a:avLst/>
@@ -17303,7 +17297,7 @@
           <p:spPr>
             <a:xfrm>
               <a:off x="7700760" y="3640680"/>
-              <a:ext cx="857880" cy="832680"/>
+              <a:ext cx="857520" cy="832320"/>
             </a:xfrm>
             <a:prstGeom prst="rect">
               <a:avLst/>
@@ -17353,7 +17347,7 @@
         <p:spPr>
           <a:xfrm>
             <a:off x="360000" y="360000"/>
-            <a:ext cx="9355320" cy="895320"/>
+            <a:ext cx="9354960" cy="894960"/>
           </a:xfrm>
           <a:prstGeom prst="rect">
             <a:avLst/>
@@ -17405,7 +17399,7 @@
         <p:spPr>
           <a:xfrm>
             <a:off x="897120" y="6886080"/>
-            <a:ext cx="6442560" cy="360360"/>
+            <a:ext cx="6442200" cy="360000"/>
           </a:xfrm>
           <a:prstGeom prst="rect">
             <a:avLst/>
@@ -17457,7 +17451,7 @@
         <p:spPr>
           <a:xfrm>
             <a:off x="7608600" y="6886080"/>
-            <a:ext cx="2280600" cy="360360"/>
+            <a:ext cx="2280240" cy="360000"/>
           </a:xfrm>
           <a:prstGeom prst="rect">
             <a:avLst/>
@@ -17519,7 +17513,7 @@
         <p:spPr>
           <a:xfrm>
             <a:off x="200160" y="1742760"/>
-            <a:ext cx="9515160" cy="363960"/>
+            <a:ext cx="9514800" cy="363960"/>
           </a:xfrm>
           <a:prstGeom prst="rect">
             <a:avLst/>
@@ -17579,7 +17573,7 @@
         <p:spPr>
           <a:xfrm>
             <a:off x="3752640" y="1730520"/>
-            <a:ext cx="2799360" cy="2276280"/>
+            <a:ext cx="2799000" cy="2275920"/>
           </a:xfrm>
           <a:prstGeom prst="rect">
             <a:avLst/>
@@ -17602,7 +17596,7 @@
         <p:spPr>
           <a:xfrm>
             <a:off x="1017000" y="4112280"/>
-            <a:ext cx="8041320" cy="2669760"/>
+            <a:ext cx="8040960" cy="2669400"/>
           </a:xfrm>
           <a:prstGeom prst="rect">
             <a:avLst/>
@@ -17651,7 +17645,7 @@
         <p:spPr>
           <a:xfrm>
             <a:off x="360000" y="360000"/>
-            <a:ext cx="9355320" cy="895320"/>
+            <a:ext cx="9354960" cy="894960"/>
           </a:xfrm>
           <a:prstGeom prst="rect">
             <a:avLst/>
@@ -17724,7 +17718,7 @@
         <p:spPr>
           <a:xfrm>
             <a:off x="897120" y="6886080"/>
-            <a:ext cx="6442560" cy="360360"/>
+            <a:ext cx="6442200" cy="360000"/>
           </a:xfrm>
           <a:prstGeom prst="rect">
             <a:avLst/>
@@ -17776,7 +17770,7 @@
         <p:spPr>
           <a:xfrm>
             <a:off x="7608600" y="6886080"/>
-            <a:ext cx="2280600" cy="360360"/>
+            <a:ext cx="2280240" cy="360000"/>
           </a:xfrm>
           <a:prstGeom prst="rect">
             <a:avLst/>
@@ -17838,7 +17832,7 @@
         <p:spPr>
           <a:xfrm>
             <a:off x="200160" y="1742760"/>
-            <a:ext cx="9515160" cy="1735560"/>
+            <a:ext cx="9514800" cy="1735560"/>
           </a:xfrm>
           <a:prstGeom prst="rect">
             <a:avLst/>
@@ -17971,7 +17965,7 @@
         <p:spPr>
           <a:xfrm>
             <a:off x="915480" y="3780000"/>
-            <a:ext cx="3856680" cy="3047400"/>
+            <a:ext cx="3856320" cy="3047040"/>
           </a:xfrm>
           <a:prstGeom prst="rect">
             <a:avLst/>
@@ -17994,7 +17988,7 @@
         <p:spPr>
           <a:xfrm>
             <a:off x="5602320" y="4254840"/>
-            <a:ext cx="3647520" cy="1561320"/>
+            <a:ext cx="3647160" cy="1560960"/>
           </a:xfrm>
           <a:prstGeom prst="rect">
             <a:avLst/>
